--- a/ptimera wpf/Proyecto de semestre.pptx
+++ b/ptimera wpf/Proyecto de semestre.pptx
@@ -10,9 +10,9 @@
     <p:sldId id="259" r:id="rId4"/>
     <p:sldId id="258" r:id="rId5"/>
     <p:sldId id="260" r:id="rId6"/>
-    <p:sldId id="261" r:id="rId7"/>
-    <p:sldId id="262" r:id="rId8"/>
-    <p:sldId id="263" r:id="rId9"/>
+    <p:sldId id="266" r:id="rId7"/>
+    <p:sldId id="267" r:id="rId8"/>
+    <p:sldId id="261" r:id="rId9"/>
     <p:sldId id="264" r:id="rId10"/>
     <p:sldId id="265" r:id="rId11"/>
   </p:sldIdLst>
@@ -113,7 +113,290 @@
       </a:defRPr>
     </a:lvl9pPr>
   </p:defaultTextStyle>
+  <p:extLst>
+    <p:ext uri="{EFAFB233-063F-42B5-8137-9DF3F51BA10A}">
+      <p15:sldGuideLst xmlns:p15="http://schemas.microsoft.com/office/powerpoint/2012/main"/>
+    </p:ext>
+  </p:extLst>
 </p:presentation>
+</file>
+
+<file path=ppt/revisionInfo.xml><?xml version="1.0" encoding="utf-8"?>
+<p1510:revInfo xmlns:a="http://schemas.openxmlformats.org/drawingml/2006/main" xmlns:r="http://schemas.openxmlformats.org/officeDocument/2006/relationships" xmlns:p1510="http://schemas.microsoft.com/office/powerpoint/2015/10/main">
+  <p1510:revLst>
+    <p1510:client id="{DAD87656-F046-4098-A41F-B67A8327FA3A}" v="16" dt="2019-10-24T03:50:17.593"/>
+  </p1510:revLst>
+</p1510:revInfo>
+</file>
+
+<file path=ppt/changesInfos/changesInfo1.xml><?xml version="1.0" encoding="utf-8"?>
+<pc:chgInfo xmlns:a="http://schemas.openxmlformats.org/drawingml/2006/main" xmlns:r="http://schemas.openxmlformats.org/officeDocument/2006/relationships" xmlns:ac="http://schemas.microsoft.com/office/drawing/2013/main/command" xmlns:pc="http://schemas.microsoft.com/office/powerpoint/2013/main/command">
+  <pc:docChgLst>
+    <pc:chgData name="Juan Pablo Pérez Quintero" userId="6fe6871bd987dafa" providerId="LiveId" clId="{DAD87656-F046-4098-A41F-B67A8327FA3A}"/>
+    <pc:docChg chg="undo custSel addSld delSld modSld">
+      <pc:chgData name="Juan Pablo Pérez Quintero" userId="6fe6871bd987dafa" providerId="LiveId" clId="{DAD87656-F046-4098-A41F-B67A8327FA3A}" dt="2019-10-24T03:51:42.059" v="810" actId="20577"/>
+      <pc:docMkLst>
+        <pc:docMk/>
+      </pc:docMkLst>
+      <pc:sldChg chg="modSp">
+        <pc:chgData name="Juan Pablo Pérez Quintero" userId="6fe6871bd987dafa" providerId="LiveId" clId="{DAD87656-F046-4098-A41F-B67A8327FA3A}" dt="2019-10-24T03:51:42.059" v="810" actId="20577"/>
+        <pc:sldMkLst>
+          <pc:docMk/>
+          <pc:sldMk cId="2568326067" sldId="257"/>
+        </pc:sldMkLst>
+        <pc:spChg chg="mod">
+          <ac:chgData name="Juan Pablo Pérez Quintero" userId="6fe6871bd987dafa" providerId="LiveId" clId="{DAD87656-F046-4098-A41F-B67A8327FA3A}" dt="2019-10-24T03:51:42.059" v="810" actId="20577"/>
+          <ac:spMkLst>
+            <pc:docMk/>
+            <pc:sldMk cId="2568326067" sldId="257"/>
+            <ac:spMk id="5" creationId="{F4476B97-182E-4DCC-9C71-827286FDCF84}"/>
+          </ac:spMkLst>
+        </pc:spChg>
+        <pc:picChg chg="mod">
+          <ac:chgData name="Juan Pablo Pérez Quintero" userId="6fe6871bd987dafa" providerId="LiveId" clId="{DAD87656-F046-4098-A41F-B67A8327FA3A}" dt="2019-10-24T03:51:36.311" v="784" actId="1076"/>
+          <ac:picMkLst>
+            <pc:docMk/>
+            <pc:sldMk cId="2568326067" sldId="257"/>
+            <ac:picMk id="4" creationId="{7A52FE74-D32D-4179-8F6A-FC30D9387580}"/>
+          </ac:picMkLst>
+        </pc:picChg>
+      </pc:sldChg>
+      <pc:sldChg chg="modSp">
+        <pc:chgData name="Juan Pablo Pérez Quintero" userId="6fe6871bd987dafa" providerId="LiveId" clId="{DAD87656-F046-4098-A41F-B67A8327FA3A}" dt="2019-10-24T02:34:31.099" v="61" actId="1076"/>
+        <pc:sldMkLst>
+          <pc:docMk/>
+          <pc:sldMk cId="177133906" sldId="260"/>
+        </pc:sldMkLst>
+        <pc:spChg chg="mod">
+          <ac:chgData name="Juan Pablo Pérez Quintero" userId="6fe6871bd987dafa" providerId="LiveId" clId="{DAD87656-F046-4098-A41F-B67A8327FA3A}" dt="2019-10-24T02:34:31.099" v="61" actId="1076"/>
+          <ac:spMkLst>
+            <pc:docMk/>
+            <pc:sldMk cId="177133906" sldId="260"/>
+            <ac:spMk id="5" creationId="{0A60D098-3C63-4F52-BE64-A6ABB1414A05}"/>
+          </ac:spMkLst>
+        </pc:spChg>
+      </pc:sldChg>
+      <pc:sldChg chg="addSp delSp modSp">
+        <pc:chgData name="Juan Pablo Pérez Quintero" userId="6fe6871bd987dafa" providerId="LiveId" clId="{DAD87656-F046-4098-A41F-B67A8327FA3A}" dt="2019-10-24T03:50:21.258" v="775" actId="1076"/>
+        <pc:sldMkLst>
+          <pc:docMk/>
+          <pc:sldMk cId="2434059115" sldId="261"/>
+        </pc:sldMkLst>
+        <pc:spChg chg="mod">
+          <ac:chgData name="Juan Pablo Pérez Quintero" userId="6fe6871bd987dafa" providerId="LiveId" clId="{DAD87656-F046-4098-A41F-B67A8327FA3A}" dt="2019-10-24T02:46:23.392" v="233" actId="20577"/>
+          <ac:spMkLst>
+            <pc:docMk/>
+            <pc:sldMk cId="2434059115" sldId="261"/>
+            <ac:spMk id="5" creationId="{42F1D7C4-52EA-4E0A-AE0E-DA488800205C}"/>
+          </ac:spMkLst>
+        </pc:spChg>
+        <pc:picChg chg="add mod">
+          <ac:chgData name="Juan Pablo Pérez Quintero" userId="6fe6871bd987dafa" providerId="LiveId" clId="{DAD87656-F046-4098-A41F-B67A8327FA3A}" dt="2019-10-24T03:22:31.885" v="760" actId="1076"/>
+          <ac:picMkLst>
+            <pc:docMk/>
+            <pc:sldMk cId="2434059115" sldId="261"/>
+            <ac:picMk id="3" creationId="{642BA615-D791-42C6-89CB-27545E1C2BCA}"/>
+          </ac:picMkLst>
+        </pc:picChg>
+        <pc:picChg chg="del">
+          <ac:chgData name="Juan Pablo Pérez Quintero" userId="6fe6871bd987dafa" providerId="LiveId" clId="{DAD87656-F046-4098-A41F-B67A8327FA3A}" dt="2019-10-24T02:46:25.257" v="234" actId="478"/>
+          <ac:picMkLst>
+            <pc:docMk/>
+            <pc:sldMk cId="2434059115" sldId="261"/>
+            <ac:picMk id="7" creationId="{B408DCCC-83CB-4199-B9BA-7B189C0E7752}"/>
+          </ac:picMkLst>
+        </pc:picChg>
+        <pc:picChg chg="add mod">
+          <ac:chgData name="Juan Pablo Pérez Quintero" userId="6fe6871bd987dafa" providerId="LiveId" clId="{DAD87656-F046-4098-A41F-B67A8327FA3A}" dt="2019-10-24T03:22:29.907" v="759" actId="1076"/>
+          <ac:picMkLst>
+            <pc:docMk/>
+            <pc:sldMk cId="2434059115" sldId="261"/>
+            <ac:picMk id="8" creationId="{81542EBD-4560-4FFC-BEAD-83202DCA7B49}"/>
+          </ac:picMkLst>
+        </pc:picChg>
+        <pc:picChg chg="add mod">
+          <ac:chgData name="Juan Pablo Pérez Quintero" userId="6fe6871bd987dafa" providerId="LiveId" clId="{DAD87656-F046-4098-A41F-B67A8327FA3A}" dt="2019-10-24T03:22:33.269" v="761" actId="1076"/>
+          <ac:picMkLst>
+            <pc:docMk/>
+            <pc:sldMk cId="2434059115" sldId="261"/>
+            <ac:picMk id="10" creationId="{0A6EE8F2-06FB-4176-871C-99876E1462F3}"/>
+          </ac:picMkLst>
+        </pc:picChg>
+        <pc:picChg chg="add mod">
+          <ac:chgData name="Juan Pablo Pérez Quintero" userId="6fe6871bd987dafa" providerId="LiveId" clId="{DAD87656-F046-4098-A41F-B67A8327FA3A}" dt="2019-10-24T03:27:28.176" v="766" actId="14100"/>
+          <ac:picMkLst>
+            <pc:docMk/>
+            <pc:sldMk cId="2434059115" sldId="261"/>
+            <ac:picMk id="12" creationId="{48DB4421-F82D-46D2-84E7-B47EFA7ACF6C}"/>
+          </ac:picMkLst>
+        </pc:picChg>
+        <pc:picChg chg="add del mod">
+          <ac:chgData name="Juan Pablo Pérez Quintero" userId="6fe6871bd987dafa" providerId="LiveId" clId="{DAD87656-F046-4098-A41F-B67A8327FA3A}" dt="2019-10-24T03:49:25.553" v="771" actId="478"/>
+          <ac:picMkLst>
+            <pc:docMk/>
+            <pc:sldMk cId="2434059115" sldId="261"/>
+            <ac:picMk id="14" creationId="{5D78079F-D2D5-4C27-8C06-E223661E9145}"/>
+          </ac:picMkLst>
+        </pc:picChg>
+        <pc:picChg chg="add mod">
+          <ac:chgData name="Juan Pablo Pérez Quintero" userId="6fe6871bd987dafa" providerId="LiveId" clId="{DAD87656-F046-4098-A41F-B67A8327FA3A}" dt="2019-10-24T03:50:21.258" v="775" actId="1076"/>
+          <ac:picMkLst>
+            <pc:docMk/>
+            <pc:sldMk cId="2434059115" sldId="261"/>
+            <ac:picMk id="16" creationId="{3C8A4163-098C-438B-A59B-879803FF761D}"/>
+          </ac:picMkLst>
+        </pc:picChg>
+      </pc:sldChg>
+      <pc:sldChg chg="del">
+        <pc:chgData name="Juan Pablo Pérez Quintero" userId="6fe6871bd987dafa" providerId="LiveId" clId="{DAD87656-F046-4098-A41F-B67A8327FA3A}" dt="2019-10-24T03:51:02.051" v="777" actId="2696"/>
+        <pc:sldMkLst>
+          <pc:docMk/>
+          <pc:sldMk cId="1549030992" sldId="262"/>
+        </pc:sldMkLst>
+      </pc:sldChg>
+      <pc:sldChg chg="del">
+        <pc:chgData name="Juan Pablo Pérez Quintero" userId="6fe6871bd987dafa" providerId="LiveId" clId="{DAD87656-F046-4098-A41F-B67A8327FA3A}" dt="2019-10-24T03:51:00.251" v="776" actId="2696"/>
+        <pc:sldMkLst>
+          <pc:docMk/>
+          <pc:sldMk cId="2829767490" sldId="263"/>
+        </pc:sldMkLst>
+      </pc:sldChg>
+      <pc:sldChg chg="modSp">
+        <pc:chgData name="Juan Pablo Pérez Quintero" userId="6fe6871bd987dafa" providerId="LiveId" clId="{DAD87656-F046-4098-A41F-B67A8327FA3A}" dt="2019-10-24T03:20:21.707" v="748" actId="1076"/>
+        <pc:sldMkLst>
+          <pc:docMk/>
+          <pc:sldMk cId="1029081814" sldId="265"/>
+        </pc:sldMkLst>
+        <pc:spChg chg="mod">
+          <ac:chgData name="Juan Pablo Pérez Quintero" userId="6fe6871bd987dafa" providerId="LiveId" clId="{DAD87656-F046-4098-A41F-B67A8327FA3A}" dt="2019-10-24T03:20:21.707" v="748" actId="1076"/>
+          <ac:spMkLst>
+            <pc:docMk/>
+            <pc:sldMk cId="1029081814" sldId="265"/>
+            <ac:spMk id="6" creationId="{2BF9989C-3384-44C5-8869-CF5076226DF6}"/>
+          </ac:spMkLst>
+        </pc:spChg>
+      </pc:sldChg>
+      <pc:sldChg chg="modSp">
+        <pc:chgData name="Juan Pablo Pérez Quintero" userId="6fe6871bd987dafa" providerId="LiveId" clId="{DAD87656-F046-4098-A41F-B67A8327FA3A}" dt="2019-10-24T02:38:03.713" v="144" actId="20577"/>
+        <pc:sldMkLst>
+          <pc:docMk/>
+          <pc:sldMk cId="1805812107" sldId="266"/>
+        </pc:sldMkLst>
+        <pc:spChg chg="mod">
+          <ac:chgData name="Juan Pablo Pérez Quintero" userId="6fe6871bd987dafa" providerId="LiveId" clId="{DAD87656-F046-4098-A41F-B67A8327FA3A}" dt="2019-10-24T02:37:35.259" v="131" actId="1076"/>
+          <ac:spMkLst>
+            <pc:docMk/>
+            <pc:sldMk cId="1805812107" sldId="266"/>
+            <ac:spMk id="7" creationId="{7AA40301-D28C-4672-9877-08F2CAF9EDAA}"/>
+          </ac:spMkLst>
+        </pc:spChg>
+        <pc:spChg chg="mod">
+          <ac:chgData name="Juan Pablo Pérez Quintero" userId="6fe6871bd987dafa" providerId="LiveId" clId="{DAD87656-F046-4098-A41F-B67A8327FA3A}" dt="2019-10-24T02:36:37.101" v="125" actId="1076"/>
+          <ac:spMkLst>
+            <pc:docMk/>
+            <pc:sldMk cId="1805812107" sldId="266"/>
+            <ac:spMk id="15" creationId="{308F5B77-A310-4469-9CDF-58BA376E9AC6}"/>
+          </ac:spMkLst>
+        </pc:spChg>
+        <pc:spChg chg="mod">
+          <ac:chgData name="Juan Pablo Pérez Quintero" userId="6fe6871bd987dafa" providerId="LiveId" clId="{DAD87656-F046-4098-A41F-B67A8327FA3A}" dt="2019-10-24T02:36:48.390" v="127" actId="1076"/>
+          <ac:spMkLst>
+            <pc:docMk/>
+            <pc:sldMk cId="1805812107" sldId="266"/>
+            <ac:spMk id="16" creationId="{9ED1FEF7-183D-4873-944E-3F6681B8B9B1}"/>
+          </ac:spMkLst>
+        </pc:spChg>
+        <pc:spChg chg="mod">
+          <ac:chgData name="Juan Pablo Pérez Quintero" userId="6fe6871bd987dafa" providerId="LiveId" clId="{DAD87656-F046-4098-A41F-B67A8327FA3A}" dt="2019-10-24T02:38:03.713" v="144" actId="20577"/>
+          <ac:spMkLst>
+            <pc:docMk/>
+            <pc:sldMk cId="1805812107" sldId="266"/>
+            <ac:spMk id="17" creationId="{746F40B5-2D3E-44A5-83B9-9C6EC9F27D99}"/>
+          </ac:spMkLst>
+        </pc:spChg>
+        <pc:spChg chg="mod">
+          <ac:chgData name="Juan Pablo Pérez Quintero" userId="6fe6871bd987dafa" providerId="LiveId" clId="{DAD87656-F046-4098-A41F-B67A8327FA3A}" dt="2019-10-24T02:37:48.892" v="133" actId="20577"/>
+          <ac:spMkLst>
+            <pc:docMk/>
+            <pc:sldMk cId="1805812107" sldId="266"/>
+            <ac:spMk id="18" creationId="{37327442-9B11-4CFA-9692-9337B01CC0B0}"/>
+          </ac:spMkLst>
+        </pc:spChg>
+        <pc:picChg chg="mod">
+          <ac:chgData name="Juan Pablo Pérez Quintero" userId="6fe6871bd987dafa" providerId="LiveId" clId="{DAD87656-F046-4098-A41F-B67A8327FA3A}" dt="2019-10-24T02:36:21.813" v="123" actId="1076"/>
+          <ac:picMkLst>
+            <pc:docMk/>
+            <pc:sldMk cId="1805812107" sldId="266"/>
+            <ac:picMk id="4" creationId="{8B488B4C-C07C-42C5-83A9-DC14D51A894F}"/>
+          </ac:picMkLst>
+        </pc:picChg>
+        <pc:cxnChg chg="mod">
+          <ac:chgData name="Juan Pablo Pérez Quintero" userId="6fe6871bd987dafa" providerId="LiveId" clId="{DAD87656-F046-4098-A41F-B67A8327FA3A}" dt="2019-10-24T02:37:42.761" v="132" actId="14100"/>
+          <ac:cxnSpMkLst>
+            <pc:docMk/>
+            <pc:sldMk cId="1805812107" sldId="266"/>
+            <ac:cxnSpMk id="12" creationId="{6405A812-1C05-4B8B-AFAB-E79F8AB8B1DD}"/>
+          </ac:cxnSpMkLst>
+        </pc:cxnChg>
+        <pc:cxnChg chg="mod">
+          <ac:chgData name="Juan Pablo Pérez Quintero" userId="6fe6871bd987dafa" providerId="LiveId" clId="{DAD87656-F046-4098-A41F-B67A8327FA3A}" dt="2019-10-24T02:37:35.259" v="131" actId="1076"/>
+          <ac:cxnSpMkLst>
+            <pc:docMk/>
+            <pc:sldMk cId="1805812107" sldId="266"/>
+            <ac:cxnSpMk id="14" creationId="{11551E25-CF69-4417-ACA2-F3DA16D837F0}"/>
+          </ac:cxnSpMkLst>
+        </pc:cxnChg>
+      </pc:sldChg>
+      <pc:sldChg chg="addSp delSp modSp add">
+        <pc:chgData name="Juan Pablo Pérez Quintero" userId="6fe6871bd987dafa" providerId="LiveId" clId="{DAD87656-F046-4098-A41F-B67A8327FA3A}" dt="2019-10-24T03:07:21.066" v="373" actId="1076"/>
+        <pc:sldMkLst>
+          <pc:docMk/>
+          <pc:sldMk cId="1957248737" sldId="267"/>
+        </pc:sldMkLst>
+        <pc:spChg chg="del">
+          <ac:chgData name="Juan Pablo Pérez Quintero" userId="6fe6871bd987dafa" providerId="LiveId" clId="{DAD87656-F046-4098-A41F-B67A8327FA3A}" dt="2019-10-24T03:02:21.705" v="259" actId="478"/>
+          <ac:spMkLst>
+            <pc:docMk/>
+            <pc:sldMk cId="1957248737" sldId="267"/>
+            <ac:spMk id="2" creationId="{21E1B6E1-D166-41CC-AD75-9F437BC4592B}"/>
+          </ac:spMkLst>
+        </pc:spChg>
+        <pc:spChg chg="del">
+          <ac:chgData name="Juan Pablo Pérez Quintero" userId="6fe6871bd987dafa" providerId="LiveId" clId="{DAD87656-F046-4098-A41F-B67A8327FA3A}" dt="2019-10-24T03:02:21.705" v="259" actId="478"/>
+          <ac:spMkLst>
+            <pc:docMk/>
+            <pc:sldMk cId="1957248737" sldId="267"/>
+            <ac:spMk id="3" creationId="{B27422E5-31F5-4605-AF15-6313EB9641FB}"/>
+          </ac:spMkLst>
+        </pc:spChg>
+        <pc:spChg chg="add mod">
+          <ac:chgData name="Juan Pablo Pérez Quintero" userId="6fe6871bd987dafa" providerId="LiveId" clId="{DAD87656-F046-4098-A41F-B67A8327FA3A}" dt="2019-10-24T03:02:49.580" v="277" actId="207"/>
+          <ac:spMkLst>
+            <pc:docMk/>
+            <pc:sldMk cId="1957248737" sldId="267"/>
+            <ac:spMk id="5" creationId="{A6EC0B43-15B8-456D-BC6B-8D357266BBA9}"/>
+          </ac:spMkLst>
+        </pc:spChg>
+        <pc:spChg chg="add mod">
+          <ac:chgData name="Juan Pablo Pérez Quintero" userId="6fe6871bd987dafa" providerId="LiveId" clId="{DAD87656-F046-4098-A41F-B67A8327FA3A}" dt="2019-10-24T03:07:21.066" v="373" actId="1076"/>
+          <ac:spMkLst>
+            <pc:docMk/>
+            <pc:sldMk cId="1957248737" sldId="267"/>
+            <ac:spMk id="6" creationId="{FA99C200-0A6E-4AC3-ABCD-E32E499F4D7F}"/>
+          </ac:spMkLst>
+        </pc:spChg>
+        <pc:picChg chg="add">
+          <ac:chgData name="Juan Pablo Pérez Quintero" userId="6fe6871bd987dafa" providerId="LiveId" clId="{DAD87656-F046-4098-A41F-B67A8327FA3A}" dt="2019-10-24T03:02:26.834" v="260"/>
+          <ac:picMkLst>
+            <pc:docMk/>
+            <pc:sldMk cId="1957248737" sldId="267"/>
+            <ac:picMk id="4" creationId="{8C60EF36-931B-4336-9139-93E273112EBB}"/>
+          </ac:picMkLst>
+        </pc:picChg>
+      </pc:sldChg>
+    </pc:docChg>
+  </pc:docChgLst>
+</pc:chgInfo>
 </file>
 
 <file path=ppt/slideLayouts/slideLayout1.xml><?xml version="1.0" encoding="utf-8"?>
@@ -585,7 +868,7 @@
           <a:p>
             <a:fld id="{EA0C0817-A112-4847-8014-A94B7D2A4EA3}" type="datetime1">
               <a:rPr lang="en-US" smtClean="0"/>
-              <a:t>10/16/2019</a:t>
+              <a:t>10/23/2019</a:t>
             </a:fld>
             <a:endParaRPr lang="en-US" dirty="0"/>
           </a:p>
@@ -787,7 +1070,7 @@
           <a:p>
             <a:fld id="{134F40B7-36AB-4376-BE14-EF7004D79BB9}" type="datetime1">
               <a:rPr lang="en-US" smtClean="0"/>
-              <a:t>10/16/2019</a:t>
+              <a:t>10/23/2019</a:t>
             </a:fld>
             <a:endParaRPr lang="en-US"/>
           </a:p>
@@ -967,7 +1250,7 @@
           <a:p>
             <a:fld id="{FF87CAB8-DCAE-46A5-AADA-B3FAD11A54E0}" type="datetime1">
               <a:rPr lang="en-US" smtClean="0"/>
-              <a:t>10/16/2019</a:t>
+              <a:t>10/23/2019</a:t>
             </a:fld>
             <a:endParaRPr lang="en-US"/>
           </a:p>
@@ -1137,7 +1420,7 @@
           <a:p>
             <a:fld id="{7332B432-ACDA-4023-A761-2BAB76577B62}" type="datetime1">
               <a:rPr lang="en-US" smtClean="0"/>
-              <a:t>10/16/2019</a:t>
+              <a:t>10/23/2019</a:t>
             </a:fld>
             <a:endParaRPr lang="en-US"/>
           </a:p>
@@ -1736,7 +2019,7 @@
           <a:p>
             <a:fld id="{D9C646AA-F36E-4540-911D-FFFC0A0EF24A}" type="datetime1">
               <a:rPr lang="en-US" smtClean="0"/>
-              <a:t>10/16/2019</a:t>
+              <a:t>10/23/2019</a:t>
             </a:fld>
             <a:endParaRPr lang="en-US" dirty="0"/>
           </a:p>
@@ -2056,7 +2339,7 @@
           <a:p>
             <a:fld id="{69186D26-FA5F-4637-B602-B7C2DC34CFD4}" type="datetime1">
               <a:rPr lang="en-US" smtClean="0"/>
-              <a:t>10/16/2019</a:t>
+              <a:t>10/23/2019</a:t>
             </a:fld>
             <a:endParaRPr lang="en-US"/>
           </a:p>
@@ -2491,7 +2774,7 @@
           <a:p>
             <a:fld id="{8A7F15D8-96D1-4781-BC50-CA8A088B2FE4}" type="datetime1">
               <a:rPr lang="en-US" smtClean="0"/>
-              <a:t>10/16/2019</a:t>
+              <a:t>10/23/2019</a:t>
             </a:fld>
             <a:endParaRPr lang="en-US"/>
           </a:p>
@@ -2609,7 +2892,7 @@
           <a:p>
             <a:fld id="{F9A96C99-B8F8-4528-BD05-0E16E943DC09}" type="datetime1">
               <a:rPr lang="en-US" smtClean="0"/>
-              <a:t>10/16/2019</a:t>
+              <a:t>10/23/2019</a:t>
             </a:fld>
             <a:endParaRPr lang="en-US"/>
           </a:p>
@@ -2704,7 +2987,7 @@
           <a:p>
             <a:fld id="{03636942-C211-4B28-8DBD-C953E00AF71B}" type="datetime1">
               <a:rPr lang="en-US" smtClean="0"/>
-              <a:t>10/16/2019</a:t>
+              <a:t>10/23/2019</a:t>
             </a:fld>
             <a:endParaRPr lang="en-US"/>
           </a:p>
@@ -3121,7 +3404,7 @@
           <a:p>
             <a:fld id="{7E8D12A6-918A-48BD-8CB9-CA713993B0EA}" type="datetime1">
               <a:rPr lang="en-US" smtClean="0"/>
-              <a:t>10/16/2019</a:t>
+              <a:t>10/23/2019</a:t>
             </a:fld>
             <a:endParaRPr lang="en-US"/>
           </a:p>
@@ -3383,7 +3666,7 @@
             <a:fld id="{E778CE86-875F-4587-BCF6-FA054AFC0D53}" type="datetime1">
               <a:rPr lang="en-US" smtClean="0"/>
               <a:pPr/>
-              <a:t>10/16/2019</a:t>
+              <a:t>10/23/2019</a:t>
             </a:fld>
             <a:endParaRPr lang="en-US" dirty="0"/>
           </a:p>
@@ -3899,7 +4182,7 @@
           <a:p>
             <a:fld id="{F6FA2B21-3FCD-4721-B95C-427943F61125}" type="datetime1">
               <a:rPr lang="en-US" smtClean="0"/>
-              <a:t>10/16/2019</a:t>
+              <a:t>10/23/2019</a:t>
             </a:fld>
             <a:endParaRPr lang="en-US"/>
           </a:p>
@@ -4512,8 +4795,8 @@
         </p:nvSpPr>
         <p:spPr>
           <a:xfrm>
-            <a:off x="1276054" y="2270831"/>
-            <a:ext cx="4775075" cy="1630906"/>
+            <a:off x="1103272" y="1975104"/>
+            <a:ext cx="5120640" cy="2015441"/>
           </a:xfrm>
         </p:spPr>
         <p:txBody>
@@ -4529,6 +4812,28 @@
                 </a:solidFill>
               </a:rPr>
               <a:t>Proyecto de semestre</a:t>
+            </a:r>
+            <a:br>
+              <a:rPr lang="es-CO" sz="3200" dirty="0">
+                <a:solidFill>
+                  <a:schemeClr val="tx1"/>
+                </a:solidFill>
+              </a:rPr>
+            </a:br>
+            <a:br>
+              <a:rPr lang="es-CO" sz="3200" dirty="0">
+                <a:solidFill>
+                  <a:schemeClr val="tx1"/>
+                </a:solidFill>
+              </a:rPr>
+            </a:br>
+            <a:r>
+              <a:rPr lang="es-CO" sz="3200" dirty="0">
+                <a:solidFill>
+                  <a:schemeClr val="tx1"/>
+                </a:solidFill>
+              </a:rPr>
+              <a:t>Programación 1</a:t>
             </a:r>
             <a:endParaRPr lang="en-US" sz="3200" dirty="0">
               <a:solidFill>
@@ -4556,8 +4861,8 @@
         </p:nvSpPr>
         <p:spPr>
           <a:xfrm>
-            <a:off x="1276054" y="3846329"/>
-            <a:ext cx="4775075" cy="892351"/>
+            <a:off x="1276054" y="4157116"/>
+            <a:ext cx="4775075" cy="636557"/>
           </a:xfrm>
         </p:spPr>
         <p:txBody>
@@ -4573,16 +4878,6 @@
                 </a:solidFill>
               </a:rPr>
               <a:t>Camilo Andrés Serrano Pertuz</a:t>
-            </a:r>
-          </a:p>
-          <a:p>
-            <a:r>
-              <a:rPr lang="es-CO" dirty="0">
-                <a:solidFill>
-                  <a:schemeClr val="tx1"/>
-                </a:solidFill>
-              </a:rPr>
-              <a:t>&amp;</a:t>
             </a:r>
           </a:p>
           <a:p>
@@ -4723,8 +5018,8 @@
         </p:nvSpPr>
         <p:spPr>
           <a:xfrm>
-            <a:off x="175863" y="943150"/>
-            <a:ext cx="12016117" cy="4016484"/>
+            <a:off x="20" y="1351508"/>
+            <a:ext cx="12191980" cy="5078313"/>
           </a:xfrm>
           <a:prstGeom prst="rect">
             <a:avLst/>
@@ -4738,7 +5033,7 @@
           <a:lstStyle/>
           <a:p>
             <a:r>
-              <a:rPr lang="es-ES" sz="5100" b="0" cap="none" spc="0" dirty="0">
+              <a:rPr lang="es-ES" sz="3600" b="0" cap="none" spc="0" dirty="0">
                 <a:ln w="0"/>
                 <a:solidFill>
                   <a:schemeClr val="bg1"/>
@@ -4754,7 +5049,7 @@
               <a:t>-El </a:t>
             </a:r>
             <a:r>
-              <a:rPr lang="es-ES" sz="5100" dirty="0">
+              <a:rPr lang="es-ES" sz="3600" dirty="0">
                 <a:ln w="0"/>
                 <a:solidFill>
                   <a:schemeClr val="bg1"/>
@@ -4772,7 +5067,7 @@
           </a:p>
           <a:p>
             <a:r>
-              <a:rPr lang="es-ES" sz="5100" dirty="0">
+              <a:rPr lang="es-ES" sz="3600" dirty="0">
                 <a:ln w="0"/>
                 <a:solidFill>
                   <a:schemeClr val="bg1"/>
@@ -4790,7 +5085,7 @@
           </a:p>
           <a:p>
             <a:r>
-              <a:rPr lang="es-ES" sz="5100" dirty="0">
+              <a:rPr lang="es-ES" sz="3600" dirty="0">
                 <a:ln w="0"/>
                 <a:solidFill>
                   <a:schemeClr val="bg1"/>
@@ -4808,7 +5103,7 @@
           </a:p>
           <a:p>
             <a:r>
-              <a:rPr lang="es-ES" sz="5100" dirty="0">
+              <a:rPr lang="es-ES" sz="3600" dirty="0">
                 <a:ln w="0"/>
                 <a:solidFill>
                   <a:schemeClr val="bg1"/>
@@ -4822,6 +5117,24 @@
                 </a:effectLst>
               </a:rPr>
               <a:t>Por lo cual cumple con los requerimientos propiamente declarados.</a:t>
+            </a:r>
+          </a:p>
+          <a:p>
+            <a:r>
+              <a:rPr lang="es-ES" sz="3600" dirty="0">
+                <a:ln w="0"/>
+                <a:solidFill>
+                  <a:schemeClr val="bg1"/>
+                </a:solidFill>
+                <a:effectLst>
+                  <a:outerShdw blurRad="38100" dist="19050" dir="2700000" algn="tl" rotWithShape="0">
+                    <a:schemeClr val="dk1">
+                      <a:alpha val="40000"/>
+                    </a:schemeClr>
+                  </a:outerShdw>
+                </a:effectLst>
+              </a:rPr>
+              <a:t>-Durante el transcurso del semestre y el desarrollo de este proyecto aprendimos a valorar el esfuerzo y los sacrificios que hace cada uno por un resultado ameno con respecto al aprendizaje obtenido y las habilidades demostradas.</a:t>
             </a:r>
           </a:p>
         </p:txBody>
@@ -4899,8 +5212,8 @@
         </p:nvSpPr>
         <p:spPr>
           <a:xfrm>
-            <a:off x="239512" y="182190"/>
-            <a:ext cx="10246725" cy="5478423"/>
+            <a:off x="0" y="-79653"/>
+            <a:ext cx="10246725" cy="7017306"/>
           </a:xfrm>
           <a:prstGeom prst="rect">
             <a:avLst/>
@@ -4927,7 +5240,7 @@
                   </a:outerShdw>
                 </a:effectLst>
               </a:rPr>
-              <a:t>Índice:</a:t>
+              <a:t>Agenda:</a:t>
             </a:r>
           </a:p>
           <a:p>
@@ -4968,7 +5281,7 @@
           </a:p>
           <a:p>
             <a:r>
-              <a:rPr lang="es-ES" sz="5000" b="0" cap="none" spc="0" dirty="0">
+              <a:rPr lang="es-ES" sz="5000" dirty="0">
                 <a:ln w="0"/>
                 <a:solidFill>
                   <a:schemeClr val="bg1"/>
@@ -4986,7 +5299,7 @@
           </a:p>
           <a:p>
             <a:r>
-              <a:rPr lang="es-ES" sz="5000" dirty="0">
+              <a:rPr lang="es-ES" sz="5000" b="0" cap="none" spc="0" dirty="0">
                 <a:ln w="0"/>
                 <a:solidFill>
                   <a:schemeClr val="bg1"/>
@@ -4999,12 +5312,10 @@
                   </a:outerShdw>
                 </a:effectLst>
               </a:rPr>
-              <a:t>-Modelo de desarrollo</a:t>
-            </a:r>
-          </a:p>
-          <a:p>
-            <a:r>
-              <a:rPr lang="es-ES" sz="5000" b="0" cap="none" spc="0" dirty="0">
+              <a:t>-</a:t>
+            </a:r>
+            <a:r>
+              <a:rPr lang="es-ES" sz="5000" dirty="0">
                 <a:ln w="0"/>
                 <a:solidFill>
                   <a:schemeClr val="bg1"/>
@@ -5017,12 +5328,12 @@
                   </a:outerShdw>
                 </a:effectLst>
               </a:rPr>
-              <a:t>-Código fuente de desarrollo</a:t>
-            </a:r>
-          </a:p>
-          <a:p>
-            <a:r>
-              <a:rPr lang="es-ES" sz="5000" dirty="0">
+              <a:t>Metodología</a:t>
+            </a:r>
+          </a:p>
+          <a:p>
+            <a:r>
+              <a:rPr lang="es-ES" sz="5000" b="0" cap="none" spc="0" dirty="0">
                 <a:ln w="0"/>
                 <a:solidFill>
                   <a:schemeClr val="bg1"/>
@@ -5035,21 +5346,62 @@
                   </a:outerShdw>
                 </a:effectLst>
               </a:rPr>
-              <a:t>-Resultados y conclusiones</a:t>
-            </a:r>
-            <a:endParaRPr lang="es-ES" sz="5000" b="0" cap="none" spc="0" dirty="0">
-              <a:ln w="0"/>
-              <a:solidFill>
-                <a:schemeClr val="bg1"/>
-              </a:solidFill>
-              <a:effectLst>
-                <a:outerShdw blurRad="38100" dist="19050" dir="2700000" algn="tl" rotWithShape="0">
-                  <a:schemeClr val="dk1">
-                    <a:alpha val="40000"/>
-                  </a:schemeClr>
-                </a:outerShdw>
-              </a:effectLst>
-            </a:endParaRPr>
+              <a:t>-Marco teórico</a:t>
+            </a:r>
+          </a:p>
+          <a:p>
+            <a:r>
+              <a:rPr lang="es-ES" sz="5000" dirty="0">
+                <a:ln w="0"/>
+                <a:solidFill>
+                  <a:schemeClr val="bg1"/>
+                </a:solidFill>
+                <a:effectLst>
+                  <a:outerShdw blurRad="38100" dist="19050" dir="2700000" algn="tl" rotWithShape="0">
+                    <a:schemeClr val="dk1">
+                      <a:alpha val="40000"/>
+                    </a:schemeClr>
+                  </a:outerShdw>
+                </a:effectLst>
+              </a:rPr>
+              <a:t>-Funcionalidades</a:t>
+            </a:r>
+          </a:p>
+          <a:p>
+            <a:r>
+              <a:rPr lang="es-ES" sz="5000" dirty="0">
+                <a:ln w="0"/>
+                <a:solidFill>
+                  <a:schemeClr val="bg1"/>
+                </a:solidFill>
+                <a:effectLst>
+                  <a:outerShdw blurRad="38100" dist="19050" dir="2700000" algn="tl" rotWithShape="0">
+                    <a:schemeClr val="dk1">
+                      <a:alpha val="40000"/>
+                    </a:schemeClr>
+                  </a:outerShdw>
+                </a:effectLst>
+              </a:rPr>
+              <a:t>-Resultados</a:t>
+            </a:r>
+          </a:p>
+          <a:p>
+            <a:r>
+              <a:rPr lang="es-ES" sz="5000" b="0" cap="none" spc="0" dirty="0">
+                <a:ln w="0"/>
+                <a:solidFill>
+                  <a:schemeClr val="bg1"/>
+                </a:solidFill>
+                <a:effectLst>
+                  <a:outerShdw blurRad="38100" dist="19050" dir="2700000" algn="tl" rotWithShape="0">
+                    <a:schemeClr val="dk1">
+                      <a:alpha val="40000"/>
+                    </a:schemeClr>
+                  </a:outerShdw>
+                </a:effectLst>
+              </a:rPr>
+              <a:t>-Conclusiones</a:t>
+            </a:r>
           </a:p>
         </p:txBody>
       </p:sp>
@@ -5126,8 +5478,8 @@
         </p:nvSpPr>
         <p:spPr>
           <a:xfrm>
-            <a:off x="20" y="1351508"/>
-            <a:ext cx="12191980" cy="5078313"/>
+            <a:off x="20" y="2136338"/>
+            <a:ext cx="12191980" cy="2585323"/>
           </a:xfrm>
           <a:prstGeom prst="rect">
             <a:avLst/>
@@ -5155,7 +5507,39 @@
                   </a:outerShdw>
                 </a:effectLst>
               </a:rPr>
-              <a:t>¿Cómo posibilitar la creación de una plantilla de implementación para el ingreso, edición, eliminación y ordenamiento de proyectos propuestos a un ambiente virtual a partir de un aplicativo?</a:t>
+              <a:t>¿Cómo </a:t>
+            </a:r>
+            <a:r>
+              <a:rPr lang="es-ES" sz="5400" dirty="0">
+                <a:ln w="0"/>
+                <a:solidFill>
+                  <a:schemeClr val="bg1"/>
+                </a:solidFill>
+                <a:effectLst>
+                  <a:outerShdw blurRad="38100" dist="19050" dir="2700000" algn="tl" rotWithShape="0">
+                    <a:schemeClr val="dk1">
+                      <a:alpha val="40000"/>
+                    </a:schemeClr>
+                  </a:outerShdw>
+                </a:effectLst>
+              </a:rPr>
+              <a:t>administrar mediante un aplicativo las propuestas de investigación de la Universidad Pontificia Bolivariana</a:t>
+            </a:r>
+            <a:r>
+              <a:rPr lang="es-ES" sz="5400" b="0" cap="none" spc="0" dirty="0">
+                <a:ln w="0"/>
+                <a:solidFill>
+                  <a:schemeClr val="bg1"/>
+                </a:solidFill>
+                <a:effectLst>
+                  <a:outerShdw blurRad="38100" dist="19050" dir="2700000" algn="tl" rotWithShape="0">
+                    <a:schemeClr val="dk1">
+                      <a:alpha val="40000"/>
+                    </a:schemeClr>
+                  </a:outerShdw>
+                </a:effectLst>
+              </a:rPr>
+              <a:t>?</a:t>
             </a:r>
           </a:p>
         </p:txBody>
@@ -5343,7 +5727,7 @@
         <p:spPr>
           <a:xfrm>
             <a:off x="595619" y="2333675"/>
-            <a:ext cx="5990602" cy="4524315"/>
+            <a:ext cx="5990602" cy="4031873"/>
           </a:xfrm>
           <a:prstGeom prst="rect">
             <a:avLst/>
@@ -5370,7 +5754,39 @@
                   </a:outerShdw>
                 </a:effectLst>
               </a:rPr>
-              <a:t>Este aplicativo tiene el propósito de facilitar el ingreso y manipulación de datos provenientes de proyectos administrados por un ente empresarial en el cua</a:t>
+              <a:t>Este aplicativo tiene el propósito de </a:t>
+            </a:r>
+            <a:r>
+              <a:rPr lang="es-ES" sz="3200" dirty="0">
+                <a:ln w="0"/>
+                <a:solidFill>
+                  <a:schemeClr val="bg1"/>
+                </a:solidFill>
+                <a:effectLst>
+                  <a:outerShdw blurRad="38100" dist="19050" dir="2700000" algn="tl" rotWithShape="0">
+                    <a:schemeClr val="dk1">
+                      <a:alpha val="40000"/>
+                    </a:schemeClr>
+                  </a:outerShdw>
+                </a:effectLst>
+              </a:rPr>
+              <a:t>crear, guardar, editar y eliminar</a:t>
+            </a:r>
+            <a:r>
+              <a:rPr lang="es-ES" sz="3200" b="0" cap="none" spc="0" dirty="0">
+                <a:ln w="0"/>
+                <a:solidFill>
+                  <a:schemeClr val="bg1"/>
+                </a:solidFill>
+                <a:effectLst>
+                  <a:outerShdw blurRad="38100" dist="19050" dir="2700000" algn="tl" rotWithShape="0">
+                    <a:schemeClr val="dk1">
+                      <a:alpha val="40000"/>
+                    </a:schemeClr>
+                  </a:outerShdw>
+                </a:effectLst>
+              </a:rPr>
+              <a:t> propuestas de proyectos investigativos administrados por un ente empresarial; Al cua</a:t>
             </a:r>
             <a:r>
               <a:rPr lang="es-ES" sz="3200" dirty="0">
@@ -5404,42 +5820,6 @@
           </a:p>
         </p:txBody>
       </p:sp>
-      <p:pic>
-        <p:nvPicPr>
-          <p:cNvPr id="8" name="Imagen 7" descr="Captura de pantalla de un celular&#10;&#10;Descripción generada automáticamente">
-            <a:extLst>
-              <a:ext uri="{FF2B5EF4-FFF2-40B4-BE49-F238E27FC236}">
-                <a16:creationId xmlns:a16="http://schemas.microsoft.com/office/drawing/2014/main" id="{3BB1738E-3CF3-41C3-B66D-4E5753F04DD7}"/>
-              </a:ext>
-            </a:extLst>
-          </p:cNvPr>
-          <p:cNvPicPr>
-            <a:picLocks noChangeAspect="1"/>
-          </p:cNvPicPr>
-          <p:nvPr/>
-        </p:nvPicPr>
-        <p:blipFill>
-          <a:blip r:embed="rId3">
-            <a:extLst>
-              <a:ext uri="{28A0092B-C50C-407E-A947-70E740481C1C}">
-                <a14:useLocalDpi xmlns:a14="http://schemas.microsoft.com/office/drawing/2010/main" val="0"/>
-              </a:ext>
-            </a:extLst>
-          </a:blip>
-          <a:stretch>
-            <a:fillRect/>
-          </a:stretch>
-        </p:blipFill>
-        <p:spPr>
-          <a:xfrm>
-            <a:off x="7648486" y="2441757"/>
-            <a:ext cx="2147447" cy="4308149"/>
-          </a:xfrm>
-          <a:prstGeom prst="rect">
-            <a:avLst/>
-          </a:prstGeom>
-        </p:spPr>
-      </p:pic>
       <p:sp>
         <p:nvSpPr>
           <p:cNvPr id="9" name="Rectángulo 8">
@@ -5501,6 +5881,36 @@
           </a:p>
         </p:txBody>
       </p:sp>
+      <p:pic>
+        <p:nvPicPr>
+          <p:cNvPr id="2" name="Imagen 1">
+            <a:extLst>
+              <a:ext uri="{FF2B5EF4-FFF2-40B4-BE49-F238E27FC236}">
+                <a16:creationId xmlns:a16="http://schemas.microsoft.com/office/drawing/2014/main" id="{BA58ECE5-B5B5-4D4A-9125-A36927386A44}"/>
+              </a:ext>
+            </a:extLst>
+          </p:cNvPr>
+          <p:cNvPicPr>
+            <a:picLocks noChangeAspect="1"/>
+          </p:cNvPicPr>
+          <p:nvPr/>
+        </p:nvPicPr>
+        <p:blipFill>
+          <a:blip r:embed="rId3"/>
+          <a:stretch>
+            <a:fillRect/>
+          </a:stretch>
+        </p:blipFill>
+        <p:spPr>
+          <a:xfrm>
+            <a:off x="6640221" y="3476644"/>
+            <a:ext cx="4848225" cy="2238375"/>
+          </a:xfrm>
+          <a:prstGeom prst="rect">
+            <a:avLst/>
+          </a:prstGeom>
+        </p:spPr>
+      </p:pic>
     </p:spTree>
     <p:extLst>
       <p:ext uri="{BB962C8B-B14F-4D97-AF65-F5344CB8AC3E}">
@@ -5574,8 +5984,8 @@
         </p:nvSpPr>
         <p:spPr>
           <a:xfrm>
-            <a:off x="0" y="1829881"/>
-            <a:ext cx="12191978" cy="3416320"/>
+            <a:off x="-1" y="1351508"/>
+            <a:ext cx="12191978" cy="5078313"/>
           </a:xfrm>
           <a:prstGeom prst="rect">
             <a:avLst/>
@@ -5603,8 +6013,37 @@
                   </a:outerShdw>
                 </a:effectLst>
               </a:rPr>
-              <a:t>Generar una plantilla para el ingreso de la información pertinente, acompañado por indicaciones simples para mantener un registro de estos mismos</a:t>
-            </a:r>
+              <a:t>Generar una plantilla para llenar los datos de las propuestas investigativas, acompañado por indicaciones simples para mantener un </a:t>
+            </a:r>
+            <a:r>
+              <a:rPr lang="es-ES" sz="5400" dirty="0">
+                <a:ln w="0"/>
+                <a:solidFill>
+                  <a:schemeClr val="bg1"/>
+                </a:solidFill>
+                <a:effectLst>
+                  <a:outerShdw blurRad="38100" dist="19050" dir="2700000" algn="tl" rotWithShape="0">
+                    <a:schemeClr val="dk1">
+                      <a:alpha val="40000"/>
+                    </a:schemeClr>
+                  </a:outerShdw>
+                </a:effectLst>
+              </a:rPr>
+              <a:t>uso óptimo del aplicativo y un almacenamiento correcto de datos.</a:t>
+            </a:r>
+            <a:endParaRPr lang="es-ES" sz="5400" b="0" cap="none" spc="0" dirty="0">
+              <a:ln w="0"/>
+              <a:solidFill>
+                <a:schemeClr val="bg1"/>
+              </a:solidFill>
+              <a:effectLst>
+                <a:outerShdw blurRad="38100" dist="19050" dir="2700000" algn="tl" rotWithShape="0">
+                  <a:schemeClr val="dk1">
+                    <a:alpha val="40000"/>
+                  </a:schemeClr>
+                </a:outerShdw>
+              </a:effectLst>
+            </a:endParaRPr>
           </a:p>
         </p:txBody>
       </p:sp>
@@ -5704,7 +6143,7 @@
           <p:cNvPr id="4" name="Picture 3">
             <a:extLst>
               <a:ext uri="{FF2B5EF4-FFF2-40B4-BE49-F238E27FC236}">
-                <a16:creationId xmlns:a16="http://schemas.microsoft.com/office/drawing/2014/main" id="{24394845-1030-47D3-AFB3-3BB5808CC572}"/>
+                <a16:creationId xmlns:a16="http://schemas.microsoft.com/office/drawing/2014/main" id="{8B488B4C-C07C-42C5-83A9-DC14D51A894F}"/>
               </a:ext>
             </a:extLst>
           </p:cNvPr>
@@ -5720,7 +6159,7 @@
         </p:blipFill>
         <p:spPr>
           <a:xfrm>
-            <a:off x="20" y="10"/>
+            <a:off x="0" y="10"/>
             <a:ext cx="12191979" cy="6857990"/>
           </a:xfrm>
           <a:prstGeom prst="rect">
@@ -5733,7 +6172,7 @@
           <p:cNvPr id="5" name="Rectángulo 4">
             <a:extLst>
               <a:ext uri="{FF2B5EF4-FFF2-40B4-BE49-F238E27FC236}">
-                <a16:creationId xmlns:a16="http://schemas.microsoft.com/office/drawing/2014/main" id="{42F1D7C4-52EA-4E0A-AE0E-DA488800205C}"/>
+                <a16:creationId xmlns:a16="http://schemas.microsoft.com/office/drawing/2014/main" id="{917E4724-1752-4FD2-91E4-BD0263D543BF}"/>
               </a:ext>
             </a:extLst>
           </p:cNvPr>
@@ -5742,8 +6181,8 @@
         </p:nvSpPr>
         <p:spPr>
           <a:xfrm>
-            <a:off x="2841583" y="0"/>
-            <a:ext cx="6508834" cy="923330"/>
+            <a:off x="4119839" y="0"/>
+            <a:ext cx="3952300" cy="923330"/>
           </a:xfrm>
           <a:prstGeom prst="rect">
             <a:avLst/>
@@ -5758,7 +6197,7 @@
           <a:p>
             <a:pPr algn="ctr"/>
             <a:r>
-              <a:rPr lang="es-ES" sz="5400" dirty="0">
+              <a:rPr lang="es-ES" sz="5400" b="0" cap="none" spc="0" dirty="0">
                 <a:ln w="0"/>
                 <a:solidFill>
                   <a:schemeClr val="bg1"/>
@@ -5771,64 +6210,551 @@
                   </a:outerShdw>
                 </a:effectLst>
               </a:rPr>
-              <a:t>Modelo de desarrollo:</a:t>
-            </a:r>
-            <a:endParaRPr lang="es-ES" sz="5400" b="0" cap="none" spc="0" dirty="0">
-              <a:ln w="0"/>
-              <a:solidFill>
-                <a:schemeClr val="bg1"/>
-              </a:solidFill>
-              <a:effectLst>
-                <a:outerShdw blurRad="38100" dist="19050" dir="2700000" algn="tl" rotWithShape="0">
-                  <a:schemeClr val="dk1">
-                    <a:alpha val="40000"/>
-                  </a:schemeClr>
-                </a:outerShdw>
-              </a:effectLst>
-            </a:endParaRPr>
-          </a:p>
-        </p:txBody>
-      </p:sp>
-      <p:pic>
-        <p:nvPicPr>
-          <p:cNvPr id="7" name="Imagen 6" descr="Captura de pantalla de un celular&#10;&#10;Descripción generada automáticamente">
+              <a:t>Metodología:</a:t>
+            </a:r>
+          </a:p>
+        </p:txBody>
+      </p:sp>
+      <p:sp>
+        <p:nvSpPr>
+          <p:cNvPr id="6" name="Rectángulo 5">
             <a:extLst>
               <a:ext uri="{FF2B5EF4-FFF2-40B4-BE49-F238E27FC236}">
-                <a16:creationId xmlns:a16="http://schemas.microsoft.com/office/drawing/2014/main" id="{B408DCCC-83CB-4199-B9BA-7B189C0E7752}"/>
+                <a16:creationId xmlns:a16="http://schemas.microsoft.com/office/drawing/2014/main" id="{6A7D4576-B8CE-4806-BE6A-83DA67F89DB9}"/>
               </a:ext>
             </a:extLst>
           </p:cNvPr>
-          <p:cNvPicPr>
-            <a:picLocks noChangeAspect="1"/>
-          </p:cNvPicPr>
+          <p:cNvSpPr/>
           <p:nvPr/>
-        </p:nvPicPr>
-        <p:blipFill>
-          <a:blip r:embed="rId3">
-            <a:extLst>
-              <a:ext uri="{28A0092B-C50C-407E-A947-70E740481C1C}">
-                <a14:useLocalDpi xmlns:a14="http://schemas.microsoft.com/office/drawing/2010/main" val="0"/>
-              </a:ext>
-            </a:extLst>
-          </a:blip>
-          <a:stretch>
-            <a:fillRect/>
-          </a:stretch>
-        </p:blipFill>
-        <p:spPr>
-          <a:xfrm>
-            <a:off x="2071121" y="923330"/>
-            <a:ext cx="8049758" cy="5884805"/>
+        </p:nvSpPr>
+        <p:spPr>
+          <a:xfrm>
+            <a:off x="304800" y="923330"/>
+            <a:ext cx="4312024" cy="1981235"/>
           </a:xfrm>
           <a:prstGeom prst="rect">
             <a:avLst/>
           </a:prstGeom>
-        </p:spPr>
-      </p:pic>
+          <a:noFill/>
+          <a:ln>
+            <a:solidFill>
+              <a:srgbClr val="FFC000"/>
+            </a:solidFill>
+          </a:ln>
+        </p:spPr>
+        <p:style>
+          <a:lnRef idx="2">
+            <a:schemeClr val="accent1">
+              <a:shade val="50000"/>
+            </a:schemeClr>
+          </a:lnRef>
+          <a:fillRef idx="1">
+            <a:schemeClr val="accent1"/>
+          </a:fillRef>
+          <a:effectRef idx="0">
+            <a:schemeClr val="accent1"/>
+          </a:effectRef>
+          <a:fontRef idx="minor">
+            <a:schemeClr val="lt1"/>
+          </a:fontRef>
+        </p:style>
+        <p:txBody>
+          <a:bodyPr rtlCol="0" anchor="ctr"/>
+          <a:lstStyle/>
+          <a:p>
+            <a:pPr algn="ctr"/>
+            <a:endParaRPr lang="es-419"/>
+          </a:p>
+        </p:txBody>
+      </p:sp>
+      <p:sp>
+        <p:nvSpPr>
+          <p:cNvPr id="7" name="Rectángulo 6">
+            <a:extLst>
+              <a:ext uri="{FF2B5EF4-FFF2-40B4-BE49-F238E27FC236}">
+                <a16:creationId xmlns:a16="http://schemas.microsoft.com/office/drawing/2014/main" id="{7AA40301-D28C-4672-9877-08F2CAF9EDAA}"/>
+              </a:ext>
+            </a:extLst>
+          </p:cNvPr>
+          <p:cNvSpPr/>
+          <p:nvPr/>
+        </p:nvSpPr>
+        <p:spPr>
+          <a:xfrm>
+            <a:off x="6921809" y="3875903"/>
+            <a:ext cx="5009161" cy="2301547"/>
+          </a:xfrm>
+          <a:prstGeom prst="rect">
+            <a:avLst/>
+          </a:prstGeom>
+          <a:noFill/>
+          <a:ln>
+            <a:solidFill>
+              <a:srgbClr val="FFC000"/>
+            </a:solidFill>
+          </a:ln>
+        </p:spPr>
+        <p:style>
+          <a:lnRef idx="2">
+            <a:schemeClr val="accent1">
+              <a:shade val="50000"/>
+            </a:schemeClr>
+          </a:lnRef>
+          <a:fillRef idx="1">
+            <a:schemeClr val="accent1"/>
+          </a:fillRef>
+          <a:effectRef idx="0">
+            <a:schemeClr val="accent1"/>
+          </a:effectRef>
+          <a:fontRef idx="minor">
+            <a:schemeClr val="lt1"/>
+          </a:fontRef>
+        </p:style>
+        <p:txBody>
+          <a:bodyPr rtlCol="0" anchor="ctr"/>
+          <a:lstStyle/>
+          <a:p>
+            <a:pPr algn="ctr"/>
+            <a:endParaRPr lang="es-419"/>
+          </a:p>
+        </p:txBody>
+      </p:sp>
+      <p:sp>
+        <p:nvSpPr>
+          <p:cNvPr id="8" name="Rectángulo 7">
+            <a:extLst>
+              <a:ext uri="{FF2B5EF4-FFF2-40B4-BE49-F238E27FC236}">
+                <a16:creationId xmlns:a16="http://schemas.microsoft.com/office/drawing/2014/main" id="{5EDEE5A1-F44F-4A66-9D4A-CF6881987984}"/>
+              </a:ext>
+            </a:extLst>
+          </p:cNvPr>
+          <p:cNvSpPr/>
+          <p:nvPr/>
+        </p:nvSpPr>
+        <p:spPr>
+          <a:xfrm>
+            <a:off x="304800" y="3953436"/>
+            <a:ext cx="4312024" cy="1981235"/>
+          </a:xfrm>
+          <a:prstGeom prst="rect">
+            <a:avLst/>
+          </a:prstGeom>
+          <a:noFill/>
+          <a:ln>
+            <a:solidFill>
+              <a:srgbClr val="FFC000"/>
+            </a:solidFill>
+          </a:ln>
+        </p:spPr>
+        <p:style>
+          <a:lnRef idx="2">
+            <a:schemeClr val="accent1">
+              <a:shade val="50000"/>
+            </a:schemeClr>
+          </a:lnRef>
+          <a:fillRef idx="1">
+            <a:schemeClr val="accent1"/>
+          </a:fillRef>
+          <a:effectRef idx="0">
+            <a:schemeClr val="accent1"/>
+          </a:effectRef>
+          <a:fontRef idx="minor">
+            <a:schemeClr val="lt1"/>
+          </a:fontRef>
+        </p:style>
+        <p:txBody>
+          <a:bodyPr rtlCol="0" anchor="ctr"/>
+          <a:lstStyle/>
+          <a:p>
+            <a:pPr algn="ctr"/>
+            <a:endParaRPr lang="es-419"/>
+          </a:p>
+        </p:txBody>
+      </p:sp>
+      <p:sp>
+        <p:nvSpPr>
+          <p:cNvPr id="9" name="Rectángulo 8">
+            <a:extLst>
+              <a:ext uri="{FF2B5EF4-FFF2-40B4-BE49-F238E27FC236}">
+                <a16:creationId xmlns:a16="http://schemas.microsoft.com/office/drawing/2014/main" id="{4595087A-FEA7-4E26-86CB-96A4258A64CE}"/>
+              </a:ext>
+            </a:extLst>
+          </p:cNvPr>
+          <p:cNvSpPr/>
+          <p:nvPr/>
+        </p:nvSpPr>
+        <p:spPr>
+          <a:xfrm>
+            <a:off x="7270378" y="918812"/>
+            <a:ext cx="4312024" cy="1981235"/>
+          </a:xfrm>
+          <a:prstGeom prst="rect">
+            <a:avLst/>
+          </a:prstGeom>
+          <a:noFill/>
+          <a:ln>
+            <a:solidFill>
+              <a:srgbClr val="FFC000"/>
+            </a:solidFill>
+          </a:ln>
+        </p:spPr>
+        <p:style>
+          <a:lnRef idx="2">
+            <a:schemeClr val="accent1">
+              <a:shade val="50000"/>
+            </a:schemeClr>
+          </a:lnRef>
+          <a:fillRef idx="1">
+            <a:schemeClr val="accent1"/>
+          </a:fillRef>
+          <a:effectRef idx="0">
+            <a:schemeClr val="accent1"/>
+          </a:effectRef>
+          <a:fontRef idx="minor">
+            <a:schemeClr val="lt1"/>
+          </a:fontRef>
+        </p:style>
+        <p:txBody>
+          <a:bodyPr rtlCol="0" anchor="ctr"/>
+          <a:lstStyle/>
+          <a:p>
+            <a:pPr algn="ctr"/>
+            <a:endParaRPr lang="es-419"/>
+          </a:p>
+        </p:txBody>
+      </p:sp>
+      <p:cxnSp>
+        <p:nvCxnSpPr>
+          <p:cNvPr id="11" name="Conector recto de flecha 10">
+            <a:extLst>
+              <a:ext uri="{FF2B5EF4-FFF2-40B4-BE49-F238E27FC236}">
+                <a16:creationId xmlns:a16="http://schemas.microsoft.com/office/drawing/2014/main" id="{2BE8A0A2-9082-4145-BD7F-8AAADAC49D2B}"/>
+              </a:ext>
+            </a:extLst>
+          </p:cNvPr>
+          <p:cNvCxnSpPr>
+            <a:stCxn id="6" idx="3"/>
+            <a:endCxn id="9" idx="1"/>
+          </p:cNvCxnSpPr>
+          <p:nvPr/>
+        </p:nvCxnSpPr>
+        <p:spPr>
+          <a:xfrm flipV="1">
+            <a:off x="4616824" y="1909430"/>
+            <a:ext cx="2653554" cy="4518"/>
+          </a:xfrm>
+          <a:prstGeom prst="straightConnector1">
+            <a:avLst/>
+          </a:prstGeom>
+          <a:ln>
+            <a:solidFill>
+              <a:srgbClr val="FFC000"/>
+            </a:solidFill>
+            <a:tailEnd type="triangle"/>
+          </a:ln>
+        </p:spPr>
+        <p:style>
+          <a:lnRef idx="1">
+            <a:schemeClr val="dk1"/>
+          </a:lnRef>
+          <a:fillRef idx="0">
+            <a:schemeClr val="dk1"/>
+          </a:fillRef>
+          <a:effectRef idx="0">
+            <a:schemeClr val="dk1"/>
+          </a:effectRef>
+          <a:fontRef idx="minor">
+            <a:schemeClr val="tx1"/>
+          </a:fontRef>
+        </p:style>
+      </p:cxnSp>
+      <p:cxnSp>
+        <p:nvCxnSpPr>
+          <p:cNvPr id="12" name="Conector recto de flecha 11">
+            <a:extLst>
+              <a:ext uri="{FF2B5EF4-FFF2-40B4-BE49-F238E27FC236}">
+                <a16:creationId xmlns:a16="http://schemas.microsoft.com/office/drawing/2014/main" id="{6405A812-1C05-4B8B-AFAB-E79F8AB8B1DD}"/>
+              </a:ext>
+            </a:extLst>
+          </p:cNvPr>
+          <p:cNvCxnSpPr>
+            <a:cxnSpLocks/>
+            <a:endCxn id="8" idx="3"/>
+          </p:cNvCxnSpPr>
+          <p:nvPr/>
+        </p:nvCxnSpPr>
+        <p:spPr>
+          <a:xfrm flipH="1">
+            <a:off x="4616824" y="4944054"/>
+            <a:ext cx="2304985" cy="0"/>
+          </a:xfrm>
+          <a:prstGeom prst="straightConnector1">
+            <a:avLst/>
+          </a:prstGeom>
+          <a:ln>
+            <a:solidFill>
+              <a:srgbClr val="FFC000"/>
+            </a:solidFill>
+            <a:tailEnd type="triangle"/>
+          </a:ln>
+        </p:spPr>
+        <p:style>
+          <a:lnRef idx="1">
+            <a:schemeClr val="dk1"/>
+          </a:lnRef>
+          <a:fillRef idx="0">
+            <a:schemeClr val="dk1"/>
+          </a:fillRef>
+          <a:effectRef idx="0">
+            <a:schemeClr val="dk1"/>
+          </a:effectRef>
+          <a:fontRef idx="minor">
+            <a:schemeClr val="tx1"/>
+          </a:fontRef>
+        </p:style>
+      </p:cxnSp>
+      <p:cxnSp>
+        <p:nvCxnSpPr>
+          <p:cNvPr id="14" name="Conector recto de flecha 13">
+            <a:extLst>
+              <a:ext uri="{FF2B5EF4-FFF2-40B4-BE49-F238E27FC236}">
+                <a16:creationId xmlns:a16="http://schemas.microsoft.com/office/drawing/2014/main" id="{11551E25-CF69-4417-ACA2-F3DA16D837F0}"/>
+              </a:ext>
+            </a:extLst>
+          </p:cNvPr>
+          <p:cNvCxnSpPr>
+            <a:cxnSpLocks/>
+            <a:stCxn id="9" idx="2"/>
+            <a:endCxn id="7" idx="0"/>
+          </p:cNvCxnSpPr>
+          <p:nvPr/>
+        </p:nvCxnSpPr>
+        <p:spPr>
+          <a:xfrm>
+            <a:off x="9426390" y="2900047"/>
+            <a:ext cx="0" cy="975856"/>
+          </a:xfrm>
+          <a:prstGeom prst="straightConnector1">
+            <a:avLst/>
+          </a:prstGeom>
+          <a:ln>
+            <a:solidFill>
+              <a:srgbClr val="FFC000"/>
+            </a:solidFill>
+            <a:tailEnd type="triangle"/>
+          </a:ln>
+        </p:spPr>
+        <p:style>
+          <a:lnRef idx="1">
+            <a:schemeClr val="dk1"/>
+          </a:lnRef>
+          <a:fillRef idx="0">
+            <a:schemeClr val="dk1"/>
+          </a:fillRef>
+          <a:effectRef idx="0">
+            <a:schemeClr val="dk1"/>
+          </a:effectRef>
+          <a:fontRef idx="minor">
+            <a:schemeClr val="tx1"/>
+          </a:fontRef>
+        </p:style>
+      </p:cxnSp>
+      <p:sp>
+        <p:nvSpPr>
+          <p:cNvPr id="15" name="Rectángulo 14">
+            <a:extLst>
+              <a:ext uri="{FF2B5EF4-FFF2-40B4-BE49-F238E27FC236}">
+                <a16:creationId xmlns:a16="http://schemas.microsoft.com/office/drawing/2014/main" id="{308F5B77-A310-4469-9CDF-58BA376E9AC6}"/>
+              </a:ext>
+            </a:extLst>
+          </p:cNvPr>
+          <p:cNvSpPr/>
+          <p:nvPr/>
+        </p:nvSpPr>
+        <p:spPr>
+          <a:xfrm>
+            <a:off x="333867" y="1678596"/>
+            <a:ext cx="4312024" cy="461665"/>
+          </a:xfrm>
+          <a:prstGeom prst="rect">
+            <a:avLst/>
+          </a:prstGeom>
+          <a:noFill/>
+        </p:spPr>
+        <p:txBody>
+          <a:bodyPr wrap="square" lIns="91440" tIns="45720" rIns="91440" bIns="45720">
+            <a:spAutoFit/>
+          </a:bodyPr>
+          <a:lstStyle/>
+          <a:p>
+            <a:pPr algn="ctr"/>
+            <a:r>
+              <a:rPr lang="es-ES" sz="2400" b="0" cap="none" spc="0" dirty="0">
+                <a:ln w="0"/>
+                <a:solidFill>
+                  <a:schemeClr val="bg1"/>
+                </a:solidFill>
+                <a:effectLst>
+                  <a:outerShdw blurRad="38100" dist="19050" dir="2700000" algn="tl" rotWithShape="0">
+                    <a:schemeClr val="dk1">
+                      <a:alpha val="40000"/>
+                    </a:schemeClr>
+                  </a:outerShdw>
+                </a:effectLst>
+              </a:rPr>
+              <a:t>Situación problema.</a:t>
+            </a:r>
+          </a:p>
+        </p:txBody>
+      </p:sp>
+      <p:sp>
+        <p:nvSpPr>
+          <p:cNvPr id="16" name="Rectángulo 15">
+            <a:extLst>
+              <a:ext uri="{FF2B5EF4-FFF2-40B4-BE49-F238E27FC236}">
+                <a16:creationId xmlns:a16="http://schemas.microsoft.com/office/drawing/2014/main" id="{9ED1FEF7-183D-4873-944E-3F6681B8B9B1}"/>
+              </a:ext>
+            </a:extLst>
+          </p:cNvPr>
+          <p:cNvSpPr/>
+          <p:nvPr/>
+        </p:nvSpPr>
+        <p:spPr>
+          <a:xfrm>
+            <a:off x="7270378" y="1501242"/>
+            <a:ext cx="4312024" cy="830997"/>
+          </a:xfrm>
+          <a:prstGeom prst="rect">
+            <a:avLst/>
+          </a:prstGeom>
+          <a:noFill/>
+        </p:spPr>
+        <p:txBody>
+          <a:bodyPr wrap="square" lIns="91440" tIns="45720" rIns="91440" bIns="45720">
+            <a:spAutoFit/>
+          </a:bodyPr>
+          <a:lstStyle/>
+          <a:p>
+            <a:pPr algn="ctr"/>
+            <a:r>
+              <a:rPr lang="es-ES" sz="2400" b="0" cap="none" spc="0" dirty="0">
+                <a:ln w="0"/>
+                <a:solidFill>
+                  <a:schemeClr val="bg1"/>
+                </a:solidFill>
+                <a:effectLst>
+                  <a:outerShdw blurRad="38100" dist="19050" dir="2700000" algn="tl" rotWithShape="0">
+                    <a:schemeClr val="dk1">
+                      <a:alpha val="40000"/>
+                    </a:schemeClr>
+                  </a:outerShdw>
+                </a:effectLst>
+              </a:rPr>
+              <a:t>Entrevista con la persona solicitadora del software.</a:t>
+            </a:r>
+          </a:p>
+        </p:txBody>
+      </p:sp>
+      <p:sp>
+        <p:nvSpPr>
+          <p:cNvPr id="17" name="Rectángulo 16">
+            <a:extLst>
+              <a:ext uri="{FF2B5EF4-FFF2-40B4-BE49-F238E27FC236}">
+                <a16:creationId xmlns:a16="http://schemas.microsoft.com/office/drawing/2014/main" id="{746F40B5-2D3E-44A5-83B9-9C6EC9F27D99}"/>
+              </a:ext>
+            </a:extLst>
+          </p:cNvPr>
+          <p:cNvSpPr/>
+          <p:nvPr/>
+        </p:nvSpPr>
+        <p:spPr>
+          <a:xfrm>
+            <a:off x="7270379" y="3886147"/>
+            <a:ext cx="4312024" cy="2308324"/>
+          </a:xfrm>
+          <a:prstGeom prst="rect">
+            <a:avLst/>
+          </a:prstGeom>
+          <a:noFill/>
+        </p:spPr>
+        <p:txBody>
+          <a:bodyPr wrap="square" lIns="91440" tIns="45720" rIns="91440" bIns="45720">
+            <a:spAutoFit/>
+          </a:bodyPr>
+          <a:lstStyle/>
+          <a:p>
+            <a:pPr algn="ctr"/>
+            <a:r>
+              <a:rPr lang="es-ES" sz="2400" b="0" cap="none" spc="0" dirty="0">
+                <a:ln w="0"/>
+                <a:solidFill>
+                  <a:schemeClr val="bg1"/>
+                </a:solidFill>
+                <a:effectLst>
+                  <a:outerShdw blurRad="38100" dist="19050" dir="2700000" algn="tl" rotWithShape="0">
+                    <a:schemeClr val="dk1">
+                      <a:alpha val="40000"/>
+                    </a:schemeClr>
+                  </a:outerShdw>
+                </a:effectLst>
+              </a:rPr>
+              <a:t>Búsqueda de posibles soluciones, estudio de la programación orientada a objetos, del lenguaje de programación C# para hacer un uso óptimo del lenguaje.</a:t>
+            </a:r>
+          </a:p>
+        </p:txBody>
+      </p:sp>
+      <p:sp>
+        <p:nvSpPr>
+          <p:cNvPr id="18" name="Rectángulo 17">
+            <a:extLst>
+              <a:ext uri="{FF2B5EF4-FFF2-40B4-BE49-F238E27FC236}">
+                <a16:creationId xmlns:a16="http://schemas.microsoft.com/office/drawing/2014/main" id="{37327442-9B11-4CFA-9692-9337B01CC0B0}"/>
+              </a:ext>
+            </a:extLst>
+          </p:cNvPr>
+          <p:cNvSpPr/>
+          <p:nvPr/>
+        </p:nvSpPr>
+        <p:spPr>
+          <a:xfrm>
+            <a:off x="333867" y="4463524"/>
+            <a:ext cx="4282957" cy="830997"/>
+          </a:xfrm>
+          <a:prstGeom prst="rect">
+            <a:avLst/>
+          </a:prstGeom>
+          <a:noFill/>
+        </p:spPr>
+        <p:txBody>
+          <a:bodyPr wrap="square" lIns="91440" tIns="45720" rIns="91440" bIns="45720">
+            <a:spAutoFit/>
+          </a:bodyPr>
+          <a:lstStyle/>
+          <a:p>
+            <a:pPr algn="ctr"/>
+            <a:r>
+              <a:rPr lang="es-ES" sz="2400" b="0" cap="none" spc="0" dirty="0">
+                <a:ln w="0"/>
+                <a:solidFill>
+                  <a:schemeClr val="bg1"/>
+                </a:solidFill>
+                <a:effectLst>
+                  <a:outerShdw blurRad="38100" dist="19050" dir="2700000" algn="tl" rotWithShape="0">
+                    <a:schemeClr val="dk1">
+                      <a:alpha val="40000"/>
+                    </a:schemeClr>
+                  </a:outerShdw>
+                </a:effectLst>
+              </a:rPr>
+              <a:t>Solución final y sustentación del trabajo realizado.</a:t>
+            </a:r>
+          </a:p>
+        </p:txBody>
+      </p:sp>
     </p:spTree>
     <p:extLst>
       <p:ext uri="{BB962C8B-B14F-4D97-AF65-F5344CB8AC3E}">
-        <p14:creationId xmlns:p14="http://schemas.microsoft.com/office/powerpoint/2010/main" val="2434059115"/>
+        <p14:creationId xmlns:p14="http://schemas.microsoft.com/office/powerpoint/2010/main" val="1805812107"/>
       </p:ext>
     </p:extLst>
   </p:cSld>
@@ -5860,7 +6786,7 @@
           <p:cNvPr id="4" name="Picture 3">
             <a:extLst>
               <a:ext uri="{FF2B5EF4-FFF2-40B4-BE49-F238E27FC236}">
-                <a16:creationId xmlns:a16="http://schemas.microsoft.com/office/drawing/2014/main" id="{479CD8A7-1E71-4C40-93CD-357A7739FDD9}"/>
+                <a16:creationId xmlns:a16="http://schemas.microsoft.com/office/drawing/2014/main" id="{8C60EF36-931B-4336-9139-93E273112EBB}"/>
               </a:ext>
             </a:extLst>
           </p:cNvPr>
@@ -5876,7 +6802,7 @@
         </p:blipFill>
         <p:spPr>
           <a:xfrm>
-            <a:off x="20" y="10"/>
+            <a:off x="0" y="10"/>
             <a:ext cx="12191979" cy="6857990"/>
           </a:xfrm>
           <a:prstGeom prst="rect">
@@ -5884,48 +6810,12 @@
           </a:prstGeom>
         </p:spPr>
       </p:pic>
-      <p:pic>
-        <p:nvPicPr>
-          <p:cNvPr id="6" name="Imagen 5">
+      <p:sp>
+        <p:nvSpPr>
+          <p:cNvPr id="5" name="Rectángulo 4">
             <a:extLst>
               <a:ext uri="{FF2B5EF4-FFF2-40B4-BE49-F238E27FC236}">
-                <a16:creationId xmlns:a16="http://schemas.microsoft.com/office/drawing/2014/main" id="{9636AA06-EF97-4BB3-8666-3BC7A8A2EAAE}"/>
-              </a:ext>
-            </a:extLst>
-          </p:cNvPr>
-          <p:cNvPicPr>
-            <a:picLocks noChangeAspect="1"/>
-          </p:cNvPicPr>
-          <p:nvPr/>
-        </p:nvPicPr>
-        <p:blipFill>
-          <a:blip r:embed="rId3">
-            <a:extLst>
-              <a:ext uri="{28A0092B-C50C-407E-A947-70E740481C1C}">
-                <a14:useLocalDpi xmlns:a14="http://schemas.microsoft.com/office/drawing/2010/main" val="0"/>
-              </a:ext>
-            </a:extLst>
-          </a:blip>
-          <a:stretch>
-            <a:fillRect/>
-          </a:stretch>
-        </p:blipFill>
-        <p:spPr>
-          <a:xfrm>
-            <a:off x="275413" y="1640735"/>
-            <a:ext cx="9640375" cy="2366704"/>
-          </a:xfrm>
-          <a:prstGeom prst="rect">
-            <a:avLst/>
-          </a:prstGeom>
-        </p:spPr>
-      </p:pic>
-      <p:sp>
-        <p:nvSpPr>
-          <p:cNvPr id="7" name="Rectángulo 6">
-            <a:extLst>
-              <a:ext uri="{FF2B5EF4-FFF2-40B4-BE49-F238E27FC236}">
-                <a16:creationId xmlns:a16="http://schemas.microsoft.com/office/drawing/2014/main" id="{1C76FC2C-65C1-4E5E-BCCD-13459B29DA6A}"/>
+                <a16:creationId xmlns:a16="http://schemas.microsoft.com/office/drawing/2014/main" id="{A6EC0B43-15B8-456D-BC6B-8D357266BBA9}"/>
               </a:ext>
             </a:extLst>
           </p:cNvPr>
@@ -5934,8 +6824,8 @@
         </p:nvSpPr>
         <p:spPr>
           <a:xfrm>
-            <a:off x="1904948" y="0"/>
-            <a:ext cx="8382103" cy="923330"/>
+            <a:off x="3923695" y="0"/>
+            <a:ext cx="4344587" cy="923330"/>
           </a:xfrm>
           <a:prstGeom prst="rect">
             <a:avLst/>
@@ -5963,51 +6853,98 @@
                   </a:outerShdw>
                 </a:effectLst>
               </a:rPr>
-              <a:t>Código fuente de desarrollo:</a:t>
-            </a:r>
-          </a:p>
-        </p:txBody>
-      </p:sp>
-      <p:pic>
-        <p:nvPicPr>
-          <p:cNvPr id="9" name="Imagen 8" descr="Imagen que contiene ave, pájaro&#10;&#10;Descripción generada automáticamente">
+              <a:t>Marco teórico:</a:t>
+            </a:r>
+          </a:p>
+        </p:txBody>
+      </p:sp>
+      <p:sp>
+        <p:nvSpPr>
+          <p:cNvPr id="6" name="Rectángulo 5">
             <a:extLst>
               <a:ext uri="{FF2B5EF4-FFF2-40B4-BE49-F238E27FC236}">
-                <a16:creationId xmlns:a16="http://schemas.microsoft.com/office/drawing/2014/main" id="{C25B8218-2C6E-4E5B-AEB3-0EF0F7FCF75F}"/>
+                <a16:creationId xmlns:a16="http://schemas.microsoft.com/office/drawing/2014/main" id="{FA99C200-0A6E-4AC3-ABCD-E32E499F4D7F}"/>
               </a:ext>
             </a:extLst>
           </p:cNvPr>
-          <p:cNvPicPr>
-            <a:picLocks noChangeAspect="1"/>
-          </p:cNvPicPr>
+          <p:cNvSpPr/>
           <p:nvPr/>
-        </p:nvPicPr>
-        <p:blipFill>
-          <a:blip r:embed="rId4">
-            <a:extLst>
-              <a:ext uri="{28A0092B-C50C-407E-A947-70E740481C1C}">
-                <a14:useLocalDpi xmlns:a14="http://schemas.microsoft.com/office/drawing/2010/main" val="0"/>
-              </a:ext>
-            </a:extLst>
-          </a:blip>
-          <a:stretch>
-            <a:fillRect/>
-          </a:stretch>
-        </p:blipFill>
-        <p:spPr>
-          <a:xfrm>
-            <a:off x="275413" y="4007439"/>
-            <a:ext cx="11393674" cy="1942630"/>
+        </p:nvSpPr>
+        <p:spPr>
+          <a:xfrm>
+            <a:off x="-2" y="2136338"/>
+            <a:ext cx="12191979" cy="2585323"/>
           </a:xfrm>
           <a:prstGeom prst="rect">
             <a:avLst/>
           </a:prstGeom>
-        </p:spPr>
-      </p:pic>
+          <a:noFill/>
+        </p:spPr>
+        <p:txBody>
+          <a:bodyPr wrap="square" lIns="91440" tIns="45720" rIns="91440" bIns="45720">
+            <a:spAutoFit/>
+          </a:bodyPr>
+          <a:lstStyle/>
+          <a:p>
+            <a:r>
+              <a:rPr lang="es-ES" sz="5400" b="0" cap="none" spc="0" dirty="0">
+                <a:ln w="0"/>
+                <a:solidFill>
+                  <a:schemeClr val="bg1"/>
+                </a:solidFill>
+                <a:effectLst>
+                  <a:outerShdw blurRad="38100" dist="19050" dir="2700000" algn="tl" rotWithShape="0">
+                    <a:schemeClr val="dk1">
+                      <a:alpha val="40000"/>
+                    </a:schemeClr>
+                  </a:outerShdw>
+                </a:effectLst>
+              </a:rPr>
+              <a:t>-Software</a:t>
+            </a:r>
+          </a:p>
+          <a:p>
+            <a:r>
+              <a:rPr lang="es-ES" sz="5400" dirty="0">
+                <a:ln w="0"/>
+                <a:solidFill>
+                  <a:schemeClr val="bg1"/>
+                </a:solidFill>
+                <a:effectLst>
+                  <a:outerShdw blurRad="38100" dist="19050" dir="2700000" algn="tl" rotWithShape="0">
+                    <a:schemeClr val="dk1">
+                      <a:alpha val="40000"/>
+                    </a:schemeClr>
+                  </a:outerShdw>
+                </a:effectLst>
+              </a:rPr>
+              <a:t>-Programación orientada a objetos</a:t>
+            </a:r>
+          </a:p>
+          <a:p>
+            <a:r>
+              <a:rPr lang="es-ES" sz="5400" b="0" cap="none" spc="0" dirty="0">
+                <a:ln w="0"/>
+                <a:solidFill>
+                  <a:schemeClr val="bg1"/>
+                </a:solidFill>
+                <a:effectLst>
+                  <a:outerShdw blurRad="38100" dist="19050" dir="2700000" algn="tl" rotWithShape="0">
+                    <a:schemeClr val="dk1">
+                      <a:alpha val="40000"/>
+                    </a:schemeClr>
+                  </a:outerShdw>
+                </a:effectLst>
+              </a:rPr>
+              <a:t>-Lenguaje de programación C#</a:t>
+            </a:r>
+          </a:p>
+        </p:txBody>
+      </p:sp>
     </p:spTree>
     <p:extLst>
       <p:ext uri="{BB962C8B-B14F-4D97-AF65-F5344CB8AC3E}">
-        <p14:creationId xmlns:p14="http://schemas.microsoft.com/office/powerpoint/2010/main" val="1549030992"/>
+        <p14:creationId xmlns:p14="http://schemas.microsoft.com/office/powerpoint/2010/main" val="1957248737"/>
       </p:ext>
     </p:extLst>
   </p:cSld>
@@ -6039,7 +6976,7 @@
           <p:cNvPr id="4" name="Picture 3">
             <a:extLst>
               <a:ext uri="{FF2B5EF4-FFF2-40B4-BE49-F238E27FC236}">
-                <a16:creationId xmlns:a16="http://schemas.microsoft.com/office/drawing/2014/main" id="{5805AF22-D01B-40ED-861E-33A70CE799C9}"/>
+                <a16:creationId xmlns:a16="http://schemas.microsoft.com/office/drawing/2014/main" id="{24394845-1030-47D3-AFB3-3BB5808CC572}"/>
               </a:ext>
             </a:extLst>
           </p:cNvPr>
@@ -6063,12 +7000,60 @@
           </a:prstGeom>
         </p:spPr>
       </p:pic>
+      <p:sp>
+        <p:nvSpPr>
+          <p:cNvPr id="5" name="Rectángulo 4">
+            <a:extLst>
+              <a:ext uri="{FF2B5EF4-FFF2-40B4-BE49-F238E27FC236}">
+                <a16:creationId xmlns:a16="http://schemas.microsoft.com/office/drawing/2014/main" id="{42F1D7C4-52EA-4E0A-AE0E-DA488800205C}"/>
+              </a:ext>
+            </a:extLst>
+          </p:cNvPr>
+          <p:cNvSpPr/>
+          <p:nvPr/>
+        </p:nvSpPr>
+        <p:spPr>
+          <a:xfrm>
+            <a:off x="3532450" y="0"/>
+            <a:ext cx="5127109" cy="923330"/>
+          </a:xfrm>
+          <a:prstGeom prst="rect">
+            <a:avLst/>
+          </a:prstGeom>
+          <a:noFill/>
+        </p:spPr>
+        <p:txBody>
+          <a:bodyPr wrap="none" lIns="91440" tIns="45720" rIns="91440" bIns="45720">
+            <a:spAutoFit/>
+          </a:bodyPr>
+          <a:lstStyle/>
+          <a:p>
+            <a:pPr algn="ctr"/>
+            <a:r>
+              <a:rPr lang="es-ES" sz="5400" b="0" cap="none" spc="0" dirty="0">
+                <a:ln w="0"/>
+                <a:solidFill>
+                  <a:schemeClr val="bg1"/>
+                </a:solidFill>
+                <a:effectLst>
+                  <a:outerShdw blurRad="38100" dist="19050" dir="2700000" algn="tl" rotWithShape="0">
+                    <a:schemeClr val="dk1">
+                      <a:alpha val="40000"/>
+                    </a:schemeClr>
+                  </a:outerShdw>
+                </a:effectLst>
+              </a:rPr>
+              <a:t>Funcionalidades.</a:t>
+            </a:r>
+          </a:p>
+        </p:txBody>
+      </p:sp>
       <p:pic>
         <p:nvPicPr>
-          <p:cNvPr id="6" name="Imagen 5" descr="Una captura de pantalla de una computadora con letras&#10;&#10;Descripción generada automáticamente">
+          <p:cNvPr id="3" name="Imagen 2" descr="Captura de pantalla de un celular&#10;&#10;Descripción generada automáticamente">
             <a:extLst>
               <a:ext uri="{FF2B5EF4-FFF2-40B4-BE49-F238E27FC236}">
-                <a16:creationId xmlns:a16="http://schemas.microsoft.com/office/drawing/2014/main" id="{31242A8E-FD9F-40BB-9994-50C7C25B890E}"/>
+                <a16:creationId xmlns:a16="http://schemas.microsoft.com/office/drawing/2014/main" id="{642BA615-D791-42C6-89CB-27545E1C2BCA}"/>
               </a:ext>
             </a:extLst>
           </p:cNvPr>
@@ -6091,463 +7076,162 @@
         </p:blipFill>
         <p:spPr>
           <a:xfrm>
-            <a:off x="532286" y="-10"/>
-            <a:ext cx="3745115" cy="6858000"/>
+            <a:off x="246391" y="1195145"/>
+            <a:ext cx="1519844" cy="1964675"/>
           </a:xfrm>
           <a:prstGeom prst="rect">
             <a:avLst/>
           </a:prstGeom>
         </p:spPr>
       </p:pic>
-      <p:sp>
-        <p:nvSpPr>
-          <p:cNvPr id="7" name="Rectángulo 6">
+      <p:pic>
+        <p:nvPicPr>
+          <p:cNvPr id="8" name="Imagen 7" descr="Captura de pantalla de un celular&#10;&#10;Descripción generada automáticamente">
             <a:extLst>
               <a:ext uri="{FF2B5EF4-FFF2-40B4-BE49-F238E27FC236}">
-                <a16:creationId xmlns:a16="http://schemas.microsoft.com/office/drawing/2014/main" id="{3D0E7A24-3059-4408-A943-CFE7A1061D03}"/>
+                <a16:creationId xmlns:a16="http://schemas.microsoft.com/office/drawing/2014/main" id="{81542EBD-4560-4FFC-BEAD-83202DCA7B49}"/>
               </a:ext>
             </a:extLst>
           </p:cNvPr>
-          <p:cNvSpPr/>
+          <p:cNvPicPr>
+            <a:picLocks noChangeAspect="1"/>
+          </p:cNvPicPr>
           <p:nvPr/>
-        </p:nvSpPr>
-        <p:spPr>
-          <a:xfrm>
-            <a:off x="645952" y="1065402"/>
-            <a:ext cx="3631449" cy="2776756"/>
+        </p:nvPicPr>
+        <p:blipFill>
+          <a:blip r:embed="rId4">
+            <a:extLst>
+              <a:ext uri="{28A0092B-C50C-407E-A947-70E740481C1C}">
+                <a14:useLocalDpi xmlns:a14="http://schemas.microsoft.com/office/drawing/2010/main" val="0"/>
+              </a:ext>
+            </a:extLst>
+          </a:blip>
+          <a:stretch>
+            <a:fillRect/>
+          </a:stretch>
+        </p:blipFill>
+        <p:spPr>
+          <a:xfrm>
+            <a:off x="246391" y="3649212"/>
+            <a:ext cx="1519844" cy="1441903"/>
           </a:xfrm>
           <a:prstGeom prst="rect">
             <a:avLst/>
           </a:prstGeom>
-          <a:noFill/>
-          <a:ln>
-            <a:solidFill>
-              <a:srgbClr val="FF0000"/>
-            </a:solidFill>
-          </a:ln>
-        </p:spPr>
-        <p:style>
-          <a:lnRef idx="2">
-            <a:schemeClr val="accent1">
-              <a:shade val="50000"/>
-            </a:schemeClr>
-          </a:lnRef>
-          <a:fillRef idx="1">
-            <a:schemeClr val="accent1"/>
-          </a:fillRef>
-          <a:effectRef idx="0">
-            <a:schemeClr val="accent1"/>
-          </a:effectRef>
-          <a:fontRef idx="minor">
-            <a:schemeClr val="lt1"/>
-          </a:fontRef>
-        </p:style>
-        <p:txBody>
-          <a:bodyPr rtlCol="0" anchor="ctr"/>
-          <a:lstStyle/>
-          <a:p>
-            <a:pPr algn="ctr"/>
-            <a:endParaRPr lang="en-US"/>
-          </a:p>
-        </p:txBody>
-      </p:sp>
-      <p:cxnSp>
-        <p:nvCxnSpPr>
-          <p:cNvPr id="9" name="Conector recto de flecha 8">
+        </p:spPr>
+      </p:pic>
+      <p:pic>
+        <p:nvPicPr>
+          <p:cNvPr id="10" name="Imagen 9" descr="Imagen que contiene captura de pantalla&#10;&#10;Descripción generada automáticamente">
             <a:extLst>
               <a:ext uri="{FF2B5EF4-FFF2-40B4-BE49-F238E27FC236}">
-                <a16:creationId xmlns:a16="http://schemas.microsoft.com/office/drawing/2014/main" id="{B5AAB191-3C0D-455C-BA96-437DA229293F}"/>
+                <a16:creationId xmlns:a16="http://schemas.microsoft.com/office/drawing/2014/main" id="{0A6EE8F2-06FB-4176-871C-99876E1462F3}"/>
               </a:ext>
             </a:extLst>
           </p:cNvPr>
-          <p:cNvCxnSpPr>
-            <a:cxnSpLocks/>
-          </p:cNvCxnSpPr>
+          <p:cNvPicPr>
+            <a:picLocks noChangeAspect="1"/>
+          </p:cNvPicPr>
           <p:nvPr/>
-        </p:nvCxnSpPr>
-        <p:spPr>
-          <a:xfrm flipH="1">
-            <a:off x="4353886" y="2869035"/>
-            <a:ext cx="1551964" cy="0"/>
-          </a:xfrm>
-          <a:prstGeom prst="straightConnector1">
+        </p:nvPicPr>
+        <p:blipFill>
+          <a:blip r:embed="rId5">
+            <a:extLst>
+              <a:ext uri="{28A0092B-C50C-407E-A947-70E740481C1C}">
+                <a14:useLocalDpi xmlns:a14="http://schemas.microsoft.com/office/drawing/2010/main" val="0"/>
+              </a:ext>
+            </a:extLst>
+          </a:blip>
+          <a:stretch>
+            <a:fillRect/>
+          </a:stretch>
+        </p:blipFill>
+        <p:spPr>
+          <a:xfrm>
+            <a:off x="3199996" y="1195145"/>
+            <a:ext cx="5792008" cy="1400370"/>
+          </a:xfrm>
+          <a:prstGeom prst="rect">
             <a:avLst/>
           </a:prstGeom>
-          <a:ln>
-            <a:solidFill>
-              <a:srgbClr val="FF0000"/>
-            </a:solidFill>
-            <a:tailEnd type="triangle"/>
-          </a:ln>
-        </p:spPr>
-        <p:style>
-          <a:lnRef idx="1">
-            <a:schemeClr val="accent1"/>
-          </a:lnRef>
-          <a:fillRef idx="0">
-            <a:schemeClr val="accent1"/>
-          </a:fillRef>
-          <a:effectRef idx="0">
-            <a:schemeClr val="accent1"/>
-          </a:effectRef>
-          <a:fontRef idx="minor">
-            <a:schemeClr val="tx1"/>
-          </a:fontRef>
-        </p:style>
-      </p:cxnSp>
-      <p:sp>
-        <p:nvSpPr>
-          <p:cNvPr id="10" name="Rectángulo 9">
+        </p:spPr>
+      </p:pic>
+      <p:pic>
+        <p:nvPicPr>
+          <p:cNvPr id="12" name="Imagen 11" descr="Captura de pantalla de un celular&#10;&#10;Descripción generada automáticamente">
             <a:extLst>
               <a:ext uri="{FF2B5EF4-FFF2-40B4-BE49-F238E27FC236}">
-                <a16:creationId xmlns:a16="http://schemas.microsoft.com/office/drawing/2014/main" id="{03C2085E-DFAC-43B7-B606-01C603AD358D}"/>
+                <a16:creationId xmlns:a16="http://schemas.microsoft.com/office/drawing/2014/main" id="{48DB4421-F82D-46D2-84E7-B47EFA7ACF6C}"/>
               </a:ext>
             </a:extLst>
           </p:cNvPr>
-          <p:cNvSpPr/>
+          <p:cNvPicPr>
+            <a:picLocks noChangeAspect="1"/>
+          </p:cNvPicPr>
           <p:nvPr/>
-        </p:nvSpPr>
-        <p:spPr>
-          <a:xfrm>
-            <a:off x="5759553" y="2130371"/>
-            <a:ext cx="6432448" cy="1477328"/>
+        </p:nvPicPr>
+        <p:blipFill>
+          <a:blip r:embed="rId6">
+            <a:extLst>
+              <a:ext uri="{28A0092B-C50C-407E-A947-70E740481C1C}">
+                <a14:useLocalDpi xmlns:a14="http://schemas.microsoft.com/office/drawing/2010/main" val="0"/>
+              </a:ext>
+            </a:extLst>
+          </a:blip>
+          <a:stretch>
+            <a:fillRect/>
+          </a:stretch>
+        </p:blipFill>
+        <p:spPr>
+          <a:xfrm>
+            <a:off x="3199996" y="3649212"/>
+            <a:ext cx="2896004" cy="1448002"/>
           </a:xfrm>
           <a:prstGeom prst="rect">
             <a:avLst/>
           </a:prstGeom>
-          <a:noFill/>
-        </p:spPr>
-        <p:txBody>
-          <a:bodyPr wrap="square" lIns="91440" tIns="45720" rIns="91440" bIns="45720">
-            <a:spAutoFit/>
-          </a:bodyPr>
-          <a:lstStyle/>
-          <a:p>
-            <a:pPr algn="ctr"/>
-            <a:r>
-              <a:rPr lang="es-ES" sz="3000" b="0" cap="none" spc="0" dirty="0">
-                <a:ln w="0"/>
-                <a:solidFill>
-                  <a:schemeClr val="bg1"/>
-                </a:solidFill>
-                <a:effectLst>
-                  <a:outerShdw blurRad="38100" dist="19050" dir="2700000" algn="tl" rotWithShape="0">
-                    <a:schemeClr val="dk1">
-                      <a:alpha val="40000"/>
-                    </a:schemeClr>
-                  </a:outerShdw>
-                </a:effectLst>
-              </a:rPr>
-              <a:t>En esta sección se pueden observar los comandos usados para permitir el guardado de los datos</a:t>
-            </a:r>
-          </a:p>
-        </p:txBody>
-      </p:sp>
-      <p:sp>
-        <p:nvSpPr>
-          <p:cNvPr id="11" name="Rectángulo 10">
+        </p:spPr>
+      </p:pic>
+      <p:pic>
+        <p:nvPicPr>
+          <p:cNvPr id="16" name="Imagen 15" descr="Captura de pantalla de un celular&#10;&#10;Descripción generada automáticamente">
             <a:extLst>
               <a:ext uri="{FF2B5EF4-FFF2-40B4-BE49-F238E27FC236}">
-                <a16:creationId xmlns:a16="http://schemas.microsoft.com/office/drawing/2014/main" id="{B1308A21-B94B-464F-8350-14A5860F9014}"/>
+                <a16:creationId xmlns:a16="http://schemas.microsoft.com/office/drawing/2014/main" id="{3C8A4163-098C-438B-A59B-879803FF761D}"/>
               </a:ext>
             </a:extLst>
           </p:cNvPr>
-          <p:cNvSpPr/>
+          <p:cNvPicPr>
+            <a:picLocks noChangeAspect="1"/>
+          </p:cNvPicPr>
           <p:nvPr/>
-        </p:nvSpPr>
-        <p:spPr>
-          <a:xfrm>
-            <a:off x="780176" y="4798493"/>
-            <a:ext cx="3129094" cy="1820421"/>
+        </p:nvPicPr>
+        <p:blipFill>
+          <a:blip r:embed="rId7">
+            <a:extLst>
+              <a:ext uri="{28A0092B-C50C-407E-A947-70E740481C1C}">
+                <a14:useLocalDpi xmlns:a14="http://schemas.microsoft.com/office/drawing/2010/main" val="0"/>
+              </a:ext>
+            </a:extLst>
+          </a:blip>
+          <a:stretch>
+            <a:fillRect/>
+          </a:stretch>
+        </p:blipFill>
+        <p:spPr>
+          <a:xfrm>
+            <a:off x="6857999" y="3637993"/>
+            <a:ext cx="4572000" cy="2571750"/>
           </a:xfrm>
           <a:prstGeom prst="rect">
             <a:avLst/>
           </a:prstGeom>
-          <a:noFill/>
-          <a:ln>
-            <a:solidFill>
-              <a:srgbClr val="FF0000"/>
-            </a:solidFill>
-          </a:ln>
-        </p:spPr>
-        <p:style>
-          <a:lnRef idx="2">
-            <a:schemeClr val="accent1">
-              <a:shade val="50000"/>
-            </a:schemeClr>
-          </a:lnRef>
-          <a:fillRef idx="1">
-            <a:schemeClr val="accent1"/>
-          </a:fillRef>
-          <a:effectRef idx="0">
-            <a:schemeClr val="accent1"/>
-          </a:effectRef>
-          <a:fontRef idx="minor">
-            <a:schemeClr val="lt1"/>
-          </a:fontRef>
-        </p:style>
-        <p:txBody>
-          <a:bodyPr rtlCol="0" anchor="ctr"/>
-          <a:lstStyle/>
-          <a:p>
-            <a:pPr algn="ctr"/>
-            <a:endParaRPr lang="en-US"/>
-          </a:p>
-        </p:txBody>
-      </p:sp>
-      <p:cxnSp>
-        <p:nvCxnSpPr>
-          <p:cNvPr id="13" name="Conector recto de flecha 12">
-            <a:extLst>
-              <a:ext uri="{FF2B5EF4-FFF2-40B4-BE49-F238E27FC236}">
-                <a16:creationId xmlns:a16="http://schemas.microsoft.com/office/drawing/2014/main" id="{C38F2D55-C406-4B55-91CD-80F819196870}"/>
-              </a:ext>
-            </a:extLst>
-          </p:cNvPr>
-          <p:cNvCxnSpPr>
-            <a:cxnSpLocks/>
-          </p:cNvCxnSpPr>
-          <p:nvPr/>
-        </p:nvCxnSpPr>
-        <p:spPr>
-          <a:xfrm flipH="1">
-            <a:off x="4353887" y="5561901"/>
-            <a:ext cx="1742113" cy="0"/>
-          </a:xfrm>
-          <a:prstGeom prst="straightConnector1">
-            <a:avLst/>
-          </a:prstGeom>
-          <a:ln>
-            <a:solidFill>
-              <a:srgbClr val="FF0000"/>
-            </a:solidFill>
-            <a:tailEnd type="triangle"/>
-          </a:ln>
-        </p:spPr>
-        <p:style>
-          <a:lnRef idx="1">
-            <a:schemeClr val="accent1"/>
-          </a:lnRef>
-          <a:fillRef idx="0">
-            <a:schemeClr val="accent1"/>
-          </a:fillRef>
-          <a:effectRef idx="0">
-            <a:schemeClr val="accent1"/>
-          </a:effectRef>
-          <a:fontRef idx="minor">
-            <a:schemeClr val="tx1"/>
-          </a:fontRef>
-        </p:style>
-      </p:cxnSp>
-      <p:sp>
-        <p:nvSpPr>
-          <p:cNvPr id="17" name="Rectángulo 16">
-            <a:extLst>
-              <a:ext uri="{FF2B5EF4-FFF2-40B4-BE49-F238E27FC236}">
-                <a16:creationId xmlns:a16="http://schemas.microsoft.com/office/drawing/2014/main" id="{42CC6FC4-B395-4D1A-9474-9F6C94FD7997}"/>
-              </a:ext>
-            </a:extLst>
-          </p:cNvPr>
-          <p:cNvSpPr/>
-          <p:nvPr/>
-        </p:nvSpPr>
-        <p:spPr>
-          <a:xfrm>
-            <a:off x="6055484" y="4592405"/>
-            <a:ext cx="5802302" cy="1938992"/>
-          </a:xfrm>
-          <a:prstGeom prst="rect">
-            <a:avLst/>
-          </a:prstGeom>
-          <a:noFill/>
-        </p:spPr>
-        <p:txBody>
-          <a:bodyPr wrap="square" lIns="91440" tIns="45720" rIns="91440" bIns="45720">
-            <a:spAutoFit/>
-          </a:bodyPr>
-          <a:lstStyle/>
-          <a:p>
-            <a:pPr algn="ctr"/>
-            <a:r>
-              <a:rPr lang="es-ES" sz="3000" dirty="0">
-                <a:ln w="0"/>
-                <a:solidFill>
-                  <a:schemeClr val="bg1"/>
-                </a:solidFill>
-                <a:effectLst>
-                  <a:outerShdw blurRad="38100" dist="19050" dir="2700000" algn="tl" rotWithShape="0">
-                    <a:schemeClr val="dk1">
-                      <a:alpha val="40000"/>
-                    </a:schemeClr>
-                  </a:outerShdw>
-                </a:effectLst>
-              </a:rPr>
-              <a:t>En esta sección se aprecian los comandos usados para permitir sobre escribir los datos de un proyecto anteriormente guardado</a:t>
-            </a:r>
-            <a:endParaRPr lang="es-ES" sz="3000" b="0" cap="none" spc="0" dirty="0">
-              <a:ln w="0"/>
-              <a:solidFill>
-                <a:schemeClr val="bg1"/>
-              </a:solidFill>
-              <a:effectLst>
-                <a:outerShdw blurRad="38100" dist="19050" dir="2700000" algn="tl" rotWithShape="0">
-                  <a:schemeClr val="dk1">
-                    <a:alpha val="40000"/>
-                  </a:schemeClr>
-                </a:outerShdw>
-              </a:effectLst>
-            </a:endParaRPr>
-          </a:p>
-        </p:txBody>
-      </p:sp>
-      <p:sp>
-        <p:nvSpPr>
-          <p:cNvPr id="20" name="Rectángulo 19">
-            <a:extLst>
-              <a:ext uri="{FF2B5EF4-FFF2-40B4-BE49-F238E27FC236}">
-                <a16:creationId xmlns:a16="http://schemas.microsoft.com/office/drawing/2014/main" id="{CD4C7908-0018-4737-AE6D-BF7E14E9ACED}"/>
-              </a:ext>
-            </a:extLst>
-          </p:cNvPr>
-          <p:cNvSpPr/>
-          <p:nvPr/>
-        </p:nvSpPr>
-        <p:spPr>
-          <a:xfrm>
-            <a:off x="645952" y="293615"/>
-            <a:ext cx="2860646" cy="604007"/>
-          </a:xfrm>
-          <a:prstGeom prst="rect">
-            <a:avLst/>
-          </a:prstGeom>
-          <a:noFill/>
-          <a:ln>
-            <a:solidFill>
-              <a:srgbClr val="FF0000"/>
-            </a:solidFill>
-          </a:ln>
-        </p:spPr>
-        <p:style>
-          <a:lnRef idx="2">
-            <a:schemeClr val="accent1">
-              <a:shade val="50000"/>
-            </a:schemeClr>
-          </a:lnRef>
-          <a:fillRef idx="1">
-            <a:schemeClr val="accent1"/>
-          </a:fillRef>
-          <a:effectRef idx="0">
-            <a:schemeClr val="accent1"/>
-          </a:effectRef>
-          <a:fontRef idx="minor">
-            <a:schemeClr val="lt1"/>
-          </a:fontRef>
-        </p:style>
-        <p:txBody>
-          <a:bodyPr rtlCol="0" anchor="ctr"/>
-          <a:lstStyle/>
-          <a:p>
-            <a:pPr algn="ctr"/>
-            <a:endParaRPr lang="en-US"/>
-          </a:p>
-        </p:txBody>
-      </p:sp>
-      <p:cxnSp>
-        <p:nvCxnSpPr>
-          <p:cNvPr id="22" name="Conector recto de flecha 21">
-            <a:extLst>
-              <a:ext uri="{FF2B5EF4-FFF2-40B4-BE49-F238E27FC236}">
-                <a16:creationId xmlns:a16="http://schemas.microsoft.com/office/drawing/2014/main" id="{93C3276B-40E7-4D2C-BC68-6D34EFAE54F0}"/>
-              </a:ext>
-            </a:extLst>
-          </p:cNvPr>
-          <p:cNvCxnSpPr>
-            <a:cxnSpLocks/>
-          </p:cNvCxnSpPr>
-          <p:nvPr/>
-        </p:nvCxnSpPr>
-        <p:spPr>
-          <a:xfrm flipH="1">
-            <a:off x="4353886" y="536895"/>
-            <a:ext cx="1551964" cy="0"/>
-          </a:xfrm>
-          <a:prstGeom prst="straightConnector1">
-            <a:avLst/>
-          </a:prstGeom>
-          <a:ln>
-            <a:solidFill>
-              <a:srgbClr val="FF0000"/>
-            </a:solidFill>
-            <a:tailEnd type="triangle"/>
-          </a:ln>
-        </p:spPr>
-        <p:style>
-          <a:lnRef idx="1">
-            <a:schemeClr val="accent1"/>
-          </a:lnRef>
-          <a:fillRef idx="0">
-            <a:schemeClr val="accent1"/>
-          </a:fillRef>
-          <a:effectRef idx="0">
-            <a:schemeClr val="accent1"/>
-          </a:effectRef>
-          <a:fontRef idx="minor">
-            <a:schemeClr val="tx1"/>
-          </a:fontRef>
-        </p:style>
-      </p:cxnSp>
-      <p:sp>
-        <p:nvSpPr>
-          <p:cNvPr id="24" name="Rectángulo 23">
-            <a:extLst>
-              <a:ext uri="{FF2B5EF4-FFF2-40B4-BE49-F238E27FC236}">
-                <a16:creationId xmlns:a16="http://schemas.microsoft.com/office/drawing/2014/main" id="{84C335C9-D8DE-4F5D-B0F0-F0F4C84868A8}"/>
-              </a:ext>
-            </a:extLst>
-          </p:cNvPr>
-          <p:cNvSpPr/>
-          <p:nvPr/>
-        </p:nvSpPr>
-        <p:spPr>
-          <a:xfrm>
-            <a:off x="5887821" y="0"/>
-            <a:ext cx="5716949" cy="1477328"/>
-          </a:xfrm>
-          <a:prstGeom prst="rect">
-            <a:avLst/>
-          </a:prstGeom>
-          <a:noFill/>
-        </p:spPr>
-        <p:txBody>
-          <a:bodyPr wrap="square" lIns="91440" tIns="45720" rIns="91440" bIns="45720">
-            <a:spAutoFit/>
-          </a:bodyPr>
-          <a:lstStyle/>
-          <a:p>
-            <a:pPr algn="ctr"/>
-            <a:r>
-              <a:rPr lang="es-ES" sz="3000" b="0" cap="none" spc="0" dirty="0">
-                <a:ln w="0"/>
-                <a:solidFill>
-                  <a:schemeClr val="bg1"/>
-                </a:solidFill>
-                <a:effectLst>
-                  <a:outerShdw blurRad="38100" dist="19050" dir="2700000" algn="tl" rotWithShape="0">
-                    <a:schemeClr val="dk1">
-                      <a:alpha val="40000"/>
-                    </a:schemeClr>
-                  </a:outerShdw>
-                </a:effectLst>
-              </a:rPr>
-              <a:t>En esta sección se contemplan los comandos usados para permitir la eliminación de datos</a:t>
-            </a:r>
-          </a:p>
-        </p:txBody>
-      </p:sp>
+        </p:spPr>
+      </p:pic>
     </p:spTree>
     <p:extLst>
       <p:ext uri="{BB962C8B-B14F-4D97-AF65-F5344CB8AC3E}">
-        <p14:creationId xmlns:p14="http://schemas.microsoft.com/office/powerpoint/2010/main" val="2829767490"/>
+        <p14:creationId xmlns:p14="http://schemas.microsoft.com/office/powerpoint/2010/main" val="2434059115"/>
       </p:ext>
     </p:extLst>
   </p:cSld>

--- a/ptimera wpf/Proyecto de semestre.pptx
+++ b/ptimera wpf/Proyecto de semestre.pptx
@@ -124,7 +124,7 @@
 <file path=ppt/revisionInfo.xml><?xml version="1.0" encoding="utf-8"?>
 <p1510:revInfo xmlns:a="http://schemas.openxmlformats.org/drawingml/2006/main" xmlns:r="http://schemas.openxmlformats.org/officeDocument/2006/relationships" xmlns:p1510="http://schemas.microsoft.com/office/powerpoint/2015/10/main">
   <p1510:revLst>
-    <p1510:client id="{DAD87656-F046-4098-A41F-B67A8327FA3A}" v="16" dt="2019-10-24T03:50:17.593"/>
+    <p1510:client id="{DAD87656-F046-4098-A41F-B67A8327FA3A}" v="17" dt="2019-10-24T04:11:49.094"/>
   </p1510:revLst>
 </p1510:revInfo>
 </file>
@@ -134,7 +134,7 @@
   <pc:docChgLst>
     <pc:chgData name="Juan Pablo Pérez Quintero" userId="6fe6871bd987dafa" providerId="LiveId" clId="{DAD87656-F046-4098-A41F-B67A8327FA3A}"/>
     <pc:docChg chg="undo custSel addSld delSld modSld">
-      <pc:chgData name="Juan Pablo Pérez Quintero" userId="6fe6871bd987dafa" providerId="LiveId" clId="{DAD87656-F046-4098-A41F-B67A8327FA3A}" dt="2019-10-24T03:51:42.059" v="810" actId="20577"/>
+      <pc:chgData name="Juan Pablo Pérez Quintero" userId="6fe6871bd987dafa" providerId="LiveId" clId="{DAD87656-F046-4098-A41F-B67A8327FA3A}" dt="2019-10-24T04:12:00.757" v="818" actId="1076"/>
       <pc:docMkLst>
         <pc:docMk/>
       </pc:docMkLst>
@@ -177,7 +177,7 @@
         </pc:spChg>
       </pc:sldChg>
       <pc:sldChg chg="addSp delSp modSp">
-        <pc:chgData name="Juan Pablo Pérez Quintero" userId="6fe6871bd987dafa" providerId="LiveId" clId="{DAD87656-F046-4098-A41F-B67A8327FA3A}" dt="2019-10-24T03:50:21.258" v="775" actId="1076"/>
+        <pc:chgData name="Juan Pablo Pérez Quintero" userId="6fe6871bd987dafa" providerId="LiveId" clId="{DAD87656-F046-4098-A41F-B67A8327FA3A}" dt="2019-10-24T04:12:00.757" v="818" actId="1076"/>
         <pc:sldMkLst>
           <pc:docMk/>
           <pc:sldMk cId="2434059115" sldId="261"/>
@@ -198,6 +198,14 @@
             <ac:picMk id="3" creationId="{642BA615-D791-42C6-89CB-27545E1C2BCA}"/>
           </ac:picMkLst>
         </pc:picChg>
+        <pc:picChg chg="add mod">
+          <ac:chgData name="Juan Pablo Pérez Quintero" userId="6fe6871bd987dafa" providerId="LiveId" clId="{DAD87656-F046-4098-A41F-B67A8327FA3A}" dt="2019-10-24T04:11:56.819" v="817" actId="1076"/>
+          <ac:picMkLst>
+            <pc:docMk/>
+            <pc:sldMk cId="2434059115" sldId="261"/>
+            <ac:picMk id="6" creationId="{6C810241-522D-4976-95B4-01273ED20115}"/>
+          </ac:picMkLst>
+        </pc:picChg>
         <pc:picChg chg="del">
           <ac:chgData name="Juan Pablo Pérez Quintero" userId="6fe6871bd987dafa" providerId="LiveId" clId="{DAD87656-F046-4098-A41F-B67A8327FA3A}" dt="2019-10-24T02:46:25.257" v="234" actId="478"/>
           <ac:picMkLst>
@@ -215,15 +223,15 @@
           </ac:picMkLst>
         </pc:picChg>
         <pc:picChg chg="add mod">
-          <ac:chgData name="Juan Pablo Pérez Quintero" userId="6fe6871bd987dafa" providerId="LiveId" clId="{DAD87656-F046-4098-A41F-B67A8327FA3A}" dt="2019-10-24T03:22:33.269" v="761" actId="1076"/>
+          <ac:chgData name="Juan Pablo Pérez Quintero" userId="6fe6871bd987dafa" providerId="LiveId" clId="{DAD87656-F046-4098-A41F-B67A8327FA3A}" dt="2019-10-24T04:12:00.757" v="818" actId="1076"/>
           <ac:picMkLst>
             <pc:docMk/>
             <pc:sldMk cId="2434059115" sldId="261"/>
             <ac:picMk id="10" creationId="{0A6EE8F2-06FB-4176-871C-99876E1462F3}"/>
           </ac:picMkLst>
         </pc:picChg>
-        <pc:picChg chg="add mod">
-          <ac:chgData name="Juan Pablo Pérez Quintero" userId="6fe6871bd987dafa" providerId="LiveId" clId="{DAD87656-F046-4098-A41F-B67A8327FA3A}" dt="2019-10-24T03:27:28.176" v="766" actId="14100"/>
+        <pc:picChg chg="add del mod">
+          <ac:chgData name="Juan Pablo Pérez Quintero" userId="6fe6871bd987dafa" providerId="LiveId" clId="{DAD87656-F046-4098-A41F-B67A8327FA3A}" dt="2019-10-24T04:02:18.710" v="811" actId="478"/>
           <ac:picMkLst>
             <pc:docMk/>
             <pc:sldMk cId="2434059115" sldId="261"/>
@@ -239,7 +247,7 @@
           </ac:picMkLst>
         </pc:picChg>
         <pc:picChg chg="add mod">
-          <ac:chgData name="Juan Pablo Pérez Quintero" userId="6fe6871bd987dafa" providerId="LiveId" clId="{DAD87656-F046-4098-A41F-B67A8327FA3A}" dt="2019-10-24T03:50:21.258" v="775" actId="1076"/>
+          <ac:chgData name="Juan Pablo Pérez Quintero" userId="6fe6871bd987dafa" providerId="LiveId" clId="{DAD87656-F046-4098-A41F-B67A8327FA3A}" dt="2019-10-24T04:11:53.709" v="816" actId="1076"/>
           <ac:picMkLst>
             <pc:docMk/>
             <pc:sldMk cId="2434059115" sldId="261"/>
@@ -7148,7 +7156,7 @@
         </p:blipFill>
         <p:spPr>
           <a:xfrm>
-            <a:off x="3199996" y="1195145"/>
+            <a:off x="2383870" y="1195145"/>
             <a:ext cx="5792008" cy="1400370"/>
           </a:xfrm>
           <a:prstGeom prst="rect">
@@ -7158,10 +7166,10 @@
       </p:pic>
       <p:pic>
         <p:nvPicPr>
-          <p:cNvPr id="12" name="Imagen 11" descr="Captura de pantalla de un celular&#10;&#10;Descripción generada automáticamente">
+          <p:cNvPr id="16" name="Imagen 15" descr="Captura de pantalla de un celular&#10;&#10;Descripción generada automáticamente">
             <a:extLst>
               <a:ext uri="{FF2B5EF4-FFF2-40B4-BE49-F238E27FC236}">
-                <a16:creationId xmlns:a16="http://schemas.microsoft.com/office/drawing/2014/main" id="{48DB4421-F82D-46D2-84E7-B47EFA7ACF6C}"/>
+                <a16:creationId xmlns:a16="http://schemas.microsoft.com/office/drawing/2014/main" id="{3C8A4163-098C-438B-A59B-879803FF761D}"/>
               </a:ext>
             </a:extLst>
           </p:cNvPr>
@@ -7184,8 +7192,8 @@
         </p:blipFill>
         <p:spPr>
           <a:xfrm>
-            <a:off x="3199996" y="3649212"/>
-            <a:ext cx="2896004" cy="1448002"/>
+            <a:off x="7373609" y="3637993"/>
+            <a:ext cx="4572000" cy="2571750"/>
           </a:xfrm>
           <a:prstGeom prst="rect">
             <a:avLst/>
@@ -7194,10 +7202,10 @@
       </p:pic>
       <p:pic>
         <p:nvPicPr>
-          <p:cNvPr id="16" name="Imagen 15" descr="Captura de pantalla de un celular&#10;&#10;Descripción generada automáticamente">
+          <p:cNvPr id="6" name="Imagen 5" descr="Captura de pantalla de un celular&#10;&#10;Descripción generada automáticamente">
             <a:extLst>
               <a:ext uri="{FF2B5EF4-FFF2-40B4-BE49-F238E27FC236}">
-                <a16:creationId xmlns:a16="http://schemas.microsoft.com/office/drawing/2014/main" id="{3C8A4163-098C-438B-A59B-879803FF761D}"/>
+                <a16:creationId xmlns:a16="http://schemas.microsoft.com/office/drawing/2014/main" id="{6C810241-522D-4976-95B4-01273ED20115}"/>
               </a:ext>
             </a:extLst>
           </p:cNvPr>
@@ -7220,7 +7228,7 @@
         </p:blipFill>
         <p:spPr>
           <a:xfrm>
-            <a:off x="6857999" y="3637993"/>
+            <a:off x="2383870" y="3649212"/>
             <a:ext cx="4572000" cy="2571750"/>
           </a:xfrm>
           <a:prstGeom prst="rect">

--- a/ptimera wpf/Proyecto de semestre.pptx
+++ b/ptimera wpf/Proyecto de semestre.pptx
@@ -134,10 +134,25 @@
   <pc:docChgLst>
     <pc:chgData name="Juan Pablo Pérez Quintero" userId="6fe6871bd987dafa" providerId="LiveId" clId="{DAD87656-F046-4098-A41F-B67A8327FA3A}"/>
     <pc:docChg chg="undo custSel addSld delSld modSld">
-      <pc:chgData name="Juan Pablo Pérez Quintero" userId="6fe6871bd987dafa" providerId="LiveId" clId="{DAD87656-F046-4098-A41F-B67A8327FA3A}" dt="2019-10-24T04:12:00.757" v="818" actId="1076"/>
+      <pc:chgData name="Juan Pablo Pérez Quintero" userId="6fe6871bd987dafa" providerId="LiveId" clId="{DAD87656-F046-4098-A41F-B67A8327FA3A}" dt="2019-10-26T00:30:29.584" v="935" actId="404"/>
       <pc:docMkLst>
         <pc:docMk/>
       </pc:docMkLst>
+      <pc:sldChg chg="modSp">
+        <pc:chgData name="Juan Pablo Pérez Quintero" userId="6fe6871bd987dafa" providerId="LiveId" clId="{DAD87656-F046-4098-A41F-B67A8327FA3A}" dt="2019-10-26T00:30:29.584" v="935" actId="404"/>
+        <pc:sldMkLst>
+          <pc:docMk/>
+          <pc:sldMk cId="476297298" sldId="256"/>
+        </pc:sldMkLst>
+        <pc:spChg chg="mod">
+          <ac:chgData name="Juan Pablo Pérez Quintero" userId="6fe6871bd987dafa" providerId="LiveId" clId="{DAD87656-F046-4098-A41F-B67A8327FA3A}" dt="2019-10-26T00:30:29.584" v="935" actId="404"/>
+          <ac:spMkLst>
+            <pc:docMk/>
+            <pc:sldMk cId="476297298" sldId="256"/>
+            <ac:spMk id="2" creationId="{1950273F-7B81-4560-A2E2-B50BC8E5B593}"/>
+          </ac:spMkLst>
+        </pc:spChg>
+      </pc:sldChg>
       <pc:sldChg chg="modSp">
         <pc:chgData name="Juan Pablo Pérez Quintero" userId="6fe6871bd987dafa" providerId="LiveId" clId="{DAD87656-F046-4098-A41F-B67A8327FA3A}" dt="2019-10-24T03:51:42.059" v="810" actId="20577"/>
         <pc:sldMkLst>
@@ -876,7 +891,7 @@
           <a:p>
             <a:fld id="{EA0C0817-A112-4847-8014-A94B7D2A4EA3}" type="datetime1">
               <a:rPr lang="en-US" smtClean="0"/>
-              <a:t>10/24/2019</a:t>
+              <a:t>10/25/2019</a:t>
             </a:fld>
             <a:endParaRPr lang="en-US" dirty="0"/>
           </a:p>
@@ -1078,7 +1093,7 @@
           <a:p>
             <a:fld id="{134F40B7-36AB-4376-BE14-EF7004D79BB9}" type="datetime1">
               <a:rPr lang="en-US" smtClean="0"/>
-              <a:t>10/24/2019</a:t>
+              <a:t>10/25/2019</a:t>
             </a:fld>
             <a:endParaRPr lang="en-US"/>
           </a:p>
@@ -1258,7 +1273,7 @@
           <a:p>
             <a:fld id="{FF87CAB8-DCAE-46A5-AADA-B3FAD11A54E0}" type="datetime1">
               <a:rPr lang="en-US" smtClean="0"/>
-              <a:t>10/24/2019</a:t>
+              <a:t>10/25/2019</a:t>
             </a:fld>
             <a:endParaRPr lang="en-US"/>
           </a:p>
@@ -1428,7 +1443,7 @@
           <a:p>
             <a:fld id="{7332B432-ACDA-4023-A761-2BAB76577B62}" type="datetime1">
               <a:rPr lang="en-US" smtClean="0"/>
-              <a:t>10/24/2019</a:t>
+              <a:t>10/25/2019</a:t>
             </a:fld>
             <a:endParaRPr lang="en-US"/>
           </a:p>
@@ -2027,7 +2042,7 @@
           <a:p>
             <a:fld id="{D9C646AA-F36E-4540-911D-FFFC0A0EF24A}" type="datetime1">
               <a:rPr lang="en-US" smtClean="0"/>
-              <a:t>10/24/2019</a:t>
+              <a:t>10/25/2019</a:t>
             </a:fld>
             <a:endParaRPr lang="en-US" dirty="0"/>
           </a:p>
@@ -2347,7 +2362,7 @@
           <a:p>
             <a:fld id="{69186D26-FA5F-4637-B602-B7C2DC34CFD4}" type="datetime1">
               <a:rPr lang="en-US" smtClean="0"/>
-              <a:t>10/24/2019</a:t>
+              <a:t>10/25/2019</a:t>
             </a:fld>
             <a:endParaRPr lang="en-US"/>
           </a:p>
@@ -2782,7 +2797,7 @@
           <a:p>
             <a:fld id="{8A7F15D8-96D1-4781-BC50-CA8A088B2FE4}" type="datetime1">
               <a:rPr lang="en-US" smtClean="0"/>
-              <a:t>10/24/2019</a:t>
+              <a:t>10/25/2019</a:t>
             </a:fld>
             <a:endParaRPr lang="en-US"/>
           </a:p>
@@ -2900,7 +2915,7 @@
           <a:p>
             <a:fld id="{F9A96C99-B8F8-4528-BD05-0E16E943DC09}" type="datetime1">
               <a:rPr lang="en-US" smtClean="0"/>
-              <a:t>10/24/2019</a:t>
+              <a:t>10/25/2019</a:t>
             </a:fld>
             <a:endParaRPr lang="en-US"/>
           </a:p>
@@ -2995,7 +3010,7 @@
           <a:p>
             <a:fld id="{03636942-C211-4B28-8DBD-C953E00AF71B}" type="datetime1">
               <a:rPr lang="en-US" smtClean="0"/>
-              <a:t>10/24/2019</a:t>
+              <a:t>10/25/2019</a:t>
             </a:fld>
             <a:endParaRPr lang="en-US"/>
           </a:p>
@@ -3412,7 +3427,7 @@
           <a:p>
             <a:fld id="{7E8D12A6-918A-48BD-8CB9-CA713993B0EA}" type="datetime1">
               <a:rPr lang="en-US" smtClean="0"/>
-              <a:t>10/24/2019</a:t>
+              <a:t>10/25/2019</a:t>
             </a:fld>
             <a:endParaRPr lang="en-US"/>
           </a:p>
@@ -3674,7 +3689,7 @@
             <a:fld id="{E778CE86-875F-4587-BCF6-FA054AFC0D53}" type="datetime1">
               <a:rPr lang="en-US" smtClean="0"/>
               <a:pPr/>
-              <a:t>10/24/2019</a:t>
+              <a:t>10/25/2019</a:t>
             </a:fld>
             <a:endParaRPr lang="en-US" dirty="0"/>
           </a:p>
@@ -4190,7 +4205,7 @@
           <a:p>
             <a:fld id="{F6FA2B21-3FCD-4721-B95C-427943F61125}" type="datetime1">
               <a:rPr lang="en-US" smtClean="0"/>
-              <a:t>10/24/2019</a:t>
+              <a:t>10/25/2019</a:t>
             </a:fld>
             <a:endParaRPr lang="en-US"/>
           </a:p>
@@ -4809,17 +4824,17 @@
         </p:spPr>
         <p:txBody>
           <a:bodyPr>
-            <a:normAutofit/>
+            <a:normAutofit fontScale="90000"/>
           </a:bodyPr>
           <a:lstStyle/>
           <a:p>
             <a:r>
-              <a:rPr lang="es-CO" sz="3200" dirty="0">
+              <a:rPr lang="es-CO" sz="2700" dirty="0">
                 <a:solidFill>
                   <a:schemeClr val="tx1"/>
                 </a:solidFill>
               </a:rPr>
-              <a:t>Proyecto de semestre</a:t>
+              <a:t>Aplicativo software para la administración de  propuestas de proyectos de investigación</a:t>
             </a:r>
             <a:br>
               <a:rPr lang="es-CO" sz="3200" dirty="0">

--- a/ptimera wpf/Proyecto de semestre.pptx
+++ b/ptimera wpf/Proyecto de semestre.pptx
@@ -8,13 +8,14 @@
     <p:sldId id="256" r:id="rId2"/>
     <p:sldId id="257" r:id="rId3"/>
     <p:sldId id="259" r:id="rId4"/>
-    <p:sldId id="258" r:id="rId5"/>
-    <p:sldId id="260" r:id="rId6"/>
-    <p:sldId id="266" r:id="rId7"/>
-    <p:sldId id="267" r:id="rId8"/>
-    <p:sldId id="261" r:id="rId9"/>
-    <p:sldId id="264" r:id="rId10"/>
-    <p:sldId id="265" r:id="rId11"/>
+    <p:sldId id="260" r:id="rId5"/>
+    <p:sldId id="258" r:id="rId6"/>
+    <p:sldId id="267" r:id="rId7"/>
+    <p:sldId id="268" r:id="rId8"/>
+    <p:sldId id="266" r:id="rId9"/>
+    <p:sldId id="261" r:id="rId10"/>
+    <p:sldId id="264" r:id="rId11"/>
+    <p:sldId id="265" r:id="rId12"/>
   </p:sldIdLst>
   <p:sldSz cx="12192000" cy="6858000"/>
   <p:notesSz cx="6858000" cy="9144000"/>
@@ -124,7 +125,7 @@
 <file path=ppt/revisionInfo.xml><?xml version="1.0" encoding="utf-8"?>
 <p1510:revInfo xmlns:a="http://schemas.openxmlformats.org/drawingml/2006/main" xmlns:r="http://schemas.openxmlformats.org/officeDocument/2006/relationships" xmlns:p1510="http://schemas.microsoft.com/office/powerpoint/2015/10/main">
   <p1510:revLst>
-    <p1510:client id="{DAD87656-F046-4098-A41F-B67A8327FA3A}" v="17" dt="2019-10-24T04:11:49.094"/>
+    <p1510:client id="{DAD87656-F046-4098-A41F-B67A8327FA3A}" v="30" dt="2019-10-30T00:43:51.580"/>
   </p1510:revLst>
 </p1510:revInfo>
 </file>
@@ -133,8 +134,8 @@
 <pc:chgInfo xmlns:a="http://schemas.openxmlformats.org/drawingml/2006/main" xmlns:r="http://schemas.openxmlformats.org/officeDocument/2006/relationships" xmlns:ac="http://schemas.microsoft.com/office/drawing/2013/main/command" xmlns:pc="http://schemas.microsoft.com/office/powerpoint/2013/main/command">
   <pc:docChgLst>
     <pc:chgData name="Juan Pablo Pérez Quintero" userId="6fe6871bd987dafa" providerId="LiveId" clId="{DAD87656-F046-4098-A41F-B67A8327FA3A}"/>
-    <pc:docChg chg="undo custSel addSld delSld modSld">
-      <pc:chgData name="Juan Pablo Pérez Quintero" userId="6fe6871bd987dafa" providerId="LiveId" clId="{DAD87656-F046-4098-A41F-B67A8327FA3A}" dt="2019-10-26T00:30:29.584" v="935" actId="404"/>
+    <pc:docChg chg="undo custSel addSld delSld modSld sldOrd">
+      <pc:chgData name="Juan Pablo Pérez Quintero" userId="6fe6871bd987dafa" providerId="LiveId" clId="{DAD87656-F046-4098-A41F-B67A8327FA3A}" dt="2019-10-30T00:43:53.930" v="1939" actId="20577"/>
       <pc:docMkLst>
         <pc:docMk/>
       </pc:docMkLst>
@@ -154,13 +155,13 @@
         </pc:spChg>
       </pc:sldChg>
       <pc:sldChg chg="modSp">
-        <pc:chgData name="Juan Pablo Pérez Quintero" userId="6fe6871bd987dafa" providerId="LiveId" clId="{DAD87656-F046-4098-A41F-B67A8327FA3A}" dt="2019-10-24T03:51:42.059" v="810" actId="20577"/>
+        <pc:chgData name="Juan Pablo Pérez Quintero" userId="6fe6871bd987dafa" providerId="LiveId" clId="{DAD87656-F046-4098-A41F-B67A8327FA3A}" dt="2019-10-30T00:43:29.793" v="1921" actId="20577"/>
         <pc:sldMkLst>
           <pc:docMk/>
           <pc:sldMk cId="2568326067" sldId="257"/>
         </pc:sldMkLst>
         <pc:spChg chg="mod">
-          <ac:chgData name="Juan Pablo Pérez Quintero" userId="6fe6871bd987dafa" providerId="LiveId" clId="{DAD87656-F046-4098-A41F-B67A8327FA3A}" dt="2019-10-24T03:51:42.059" v="810" actId="20577"/>
+          <ac:chgData name="Juan Pablo Pérez Quintero" userId="6fe6871bd987dafa" providerId="LiveId" clId="{DAD87656-F046-4098-A41F-B67A8327FA3A}" dt="2019-10-30T00:43:29.793" v="1921" actId="20577"/>
           <ac:spMkLst>
             <pc:docMk/>
             <pc:sldMk cId="2568326067" sldId="257"/>
@@ -175,6 +176,28 @@
             <ac:picMk id="4" creationId="{7A52FE74-D32D-4179-8F6A-FC30D9387580}"/>
           </ac:picMkLst>
         </pc:picChg>
+      </pc:sldChg>
+      <pc:sldChg chg="ord">
+        <pc:chgData name="Juan Pablo Pérez Quintero" userId="6fe6871bd987dafa" providerId="LiveId" clId="{DAD87656-F046-4098-A41F-B67A8327FA3A}" dt="2019-10-30T00:32:54.555" v="1132"/>
+        <pc:sldMkLst>
+          <pc:docMk/>
+          <pc:sldMk cId="3765006785" sldId="258"/>
+        </pc:sldMkLst>
+      </pc:sldChg>
+      <pc:sldChg chg="modSp">
+        <pc:chgData name="Juan Pablo Pérez Quintero" userId="6fe6871bd987dafa" providerId="LiveId" clId="{DAD87656-F046-4098-A41F-B67A8327FA3A}" dt="2019-10-30T00:32:45.275" v="1131" actId="20577"/>
+        <pc:sldMkLst>
+          <pc:docMk/>
+          <pc:sldMk cId="3053174766" sldId="259"/>
+        </pc:sldMkLst>
+        <pc:spChg chg="mod">
+          <ac:chgData name="Juan Pablo Pérez Quintero" userId="6fe6871bd987dafa" providerId="LiveId" clId="{DAD87656-F046-4098-A41F-B67A8327FA3A}" dt="2019-10-30T00:32:45.275" v="1131" actId="20577"/>
+          <ac:spMkLst>
+            <pc:docMk/>
+            <pc:sldMk cId="3053174766" sldId="259"/>
+            <ac:spMk id="6" creationId="{9E913F4A-490C-4F57-9586-B2A93E45F890}"/>
+          </ac:spMkLst>
+        </pc:spChg>
       </pc:sldChg>
       <pc:sldChg chg="modSp">
         <pc:chgData name="Juan Pablo Pérez Quintero" userId="6fe6871bd987dafa" providerId="LiveId" clId="{DAD87656-F046-4098-A41F-B67A8327FA3A}" dt="2019-10-24T02:34:31.099" v="61" actId="1076"/>
@@ -284,14 +307,29 @@
           <pc:sldMk cId="2829767490" sldId="263"/>
         </pc:sldMkLst>
       </pc:sldChg>
+      <pc:sldChg chg="addSp modSp">
+        <pc:chgData name="Juan Pablo Pérez Quintero" userId="6fe6871bd987dafa" providerId="LiveId" clId="{DAD87656-F046-4098-A41F-B67A8327FA3A}" dt="2019-10-30T00:42:26.341" v="1904" actId="1076"/>
+        <pc:sldMkLst>
+          <pc:docMk/>
+          <pc:sldMk cId="2758517890" sldId="264"/>
+        </pc:sldMkLst>
+        <pc:spChg chg="add mod">
+          <ac:chgData name="Juan Pablo Pérez Quintero" userId="6fe6871bd987dafa" providerId="LiveId" clId="{DAD87656-F046-4098-A41F-B67A8327FA3A}" dt="2019-10-30T00:42:26.341" v="1904" actId="1076"/>
+          <ac:spMkLst>
+            <pc:docMk/>
+            <pc:sldMk cId="2758517890" sldId="264"/>
+            <ac:spMk id="2" creationId="{30DFC929-34C5-4044-87D8-D5F036907D53}"/>
+          </ac:spMkLst>
+        </pc:spChg>
+      </pc:sldChg>
       <pc:sldChg chg="modSp">
-        <pc:chgData name="Juan Pablo Pérez Quintero" userId="6fe6871bd987dafa" providerId="LiveId" clId="{DAD87656-F046-4098-A41F-B67A8327FA3A}" dt="2019-10-24T03:20:21.707" v="748" actId="1076"/>
+        <pc:chgData name="Juan Pablo Pérez Quintero" userId="6fe6871bd987dafa" providerId="LiveId" clId="{DAD87656-F046-4098-A41F-B67A8327FA3A}" dt="2019-10-30T00:38:40.001" v="1396" actId="1076"/>
         <pc:sldMkLst>
           <pc:docMk/>
           <pc:sldMk cId="1029081814" sldId="265"/>
         </pc:sldMkLst>
         <pc:spChg chg="mod">
-          <ac:chgData name="Juan Pablo Pérez Quintero" userId="6fe6871bd987dafa" providerId="LiveId" clId="{DAD87656-F046-4098-A41F-B67A8327FA3A}" dt="2019-10-24T03:20:21.707" v="748" actId="1076"/>
+          <ac:chgData name="Juan Pablo Pérez Quintero" userId="6fe6871bd987dafa" providerId="LiveId" clId="{DAD87656-F046-4098-A41F-B67A8327FA3A}" dt="2019-10-30T00:38:40.001" v="1396" actId="1076"/>
           <ac:spMkLst>
             <pc:docMk/>
             <pc:sldMk cId="1029081814" sldId="265"/>
@@ -299,14 +337,22 @@
           </ac:spMkLst>
         </pc:spChg>
       </pc:sldChg>
-      <pc:sldChg chg="modSp">
-        <pc:chgData name="Juan Pablo Pérez Quintero" userId="6fe6871bd987dafa" providerId="LiveId" clId="{DAD87656-F046-4098-A41F-B67A8327FA3A}" dt="2019-10-24T02:38:03.713" v="144" actId="20577"/>
+      <pc:sldChg chg="addSp modSp">
+        <pc:chgData name="Juan Pablo Pérez Quintero" userId="6fe6871bd987dafa" providerId="LiveId" clId="{DAD87656-F046-4098-A41F-B67A8327FA3A}" dt="2019-10-30T00:32:30.302" v="1100" actId="1076"/>
         <pc:sldMkLst>
           <pc:docMk/>
           <pc:sldMk cId="1805812107" sldId="266"/>
         </pc:sldMkLst>
         <pc:spChg chg="mod">
-          <ac:chgData name="Juan Pablo Pérez Quintero" userId="6fe6871bd987dafa" providerId="LiveId" clId="{DAD87656-F046-4098-A41F-B67A8327FA3A}" dt="2019-10-24T02:37:35.259" v="131" actId="1076"/>
+          <ac:chgData name="Juan Pablo Pérez Quintero" userId="6fe6871bd987dafa" providerId="LiveId" clId="{DAD87656-F046-4098-A41F-B67A8327FA3A}" dt="2019-10-30T00:21:17.936" v="936" actId="14100"/>
+          <ac:spMkLst>
+            <pc:docMk/>
+            <pc:sldMk cId="1805812107" sldId="266"/>
+            <ac:spMk id="6" creationId="{6A7D4576-B8CE-4806-BE6A-83DA67F89DB9}"/>
+          </ac:spMkLst>
+        </pc:spChg>
+        <pc:spChg chg="mod">
+          <ac:chgData name="Juan Pablo Pérez Quintero" userId="6fe6871bd987dafa" providerId="LiveId" clId="{DAD87656-F046-4098-A41F-B67A8327FA3A}" dt="2019-10-30T00:26:25.989" v="1011" actId="1076"/>
           <ac:spMkLst>
             <pc:docMk/>
             <pc:sldMk cId="1805812107" sldId="266"/>
@@ -314,7 +360,23 @@
           </ac:spMkLst>
         </pc:spChg>
         <pc:spChg chg="mod">
-          <ac:chgData name="Juan Pablo Pérez Quintero" userId="6fe6871bd987dafa" providerId="LiveId" clId="{DAD87656-F046-4098-A41F-B67A8327FA3A}" dt="2019-10-24T02:36:37.101" v="125" actId="1076"/>
+          <ac:chgData name="Juan Pablo Pérez Quintero" userId="6fe6871bd987dafa" providerId="LiveId" clId="{DAD87656-F046-4098-A41F-B67A8327FA3A}" dt="2019-10-30T00:32:08.117" v="1093" actId="1076"/>
+          <ac:spMkLst>
+            <pc:docMk/>
+            <pc:sldMk cId="1805812107" sldId="266"/>
+            <ac:spMk id="8" creationId="{5EDEE5A1-F44F-4A66-9D4A-CF6881987984}"/>
+          </ac:spMkLst>
+        </pc:spChg>
+        <pc:spChg chg="mod">
+          <ac:chgData name="Juan Pablo Pérez Quintero" userId="6fe6871bd987dafa" providerId="LiveId" clId="{DAD87656-F046-4098-A41F-B67A8327FA3A}" dt="2019-10-30T00:22:24.185" v="948" actId="1076"/>
+          <ac:spMkLst>
+            <pc:docMk/>
+            <pc:sldMk cId="1805812107" sldId="266"/>
+            <ac:spMk id="9" creationId="{4595087A-FEA7-4E26-86CB-96A4258A64CE}"/>
+          </ac:spMkLst>
+        </pc:spChg>
+        <pc:spChg chg="mod">
+          <ac:chgData name="Juan Pablo Pérez Quintero" userId="6fe6871bd987dafa" providerId="LiveId" clId="{DAD87656-F046-4098-A41F-B67A8327FA3A}" dt="2019-10-30T00:21:25.527" v="939" actId="1076"/>
           <ac:spMkLst>
             <pc:docMk/>
             <pc:sldMk cId="1805812107" sldId="266"/>
@@ -322,7 +384,7 @@
           </ac:spMkLst>
         </pc:spChg>
         <pc:spChg chg="mod">
-          <ac:chgData name="Juan Pablo Pérez Quintero" userId="6fe6871bd987dafa" providerId="LiveId" clId="{DAD87656-F046-4098-A41F-B67A8327FA3A}" dt="2019-10-24T02:36:48.390" v="127" actId="1076"/>
+          <ac:chgData name="Juan Pablo Pérez Quintero" userId="6fe6871bd987dafa" providerId="LiveId" clId="{DAD87656-F046-4098-A41F-B67A8327FA3A}" dt="2019-10-30T00:22:28.712" v="949" actId="1076"/>
           <ac:spMkLst>
             <pc:docMk/>
             <pc:sldMk cId="1805812107" sldId="266"/>
@@ -330,7 +392,7 @@
           </ac:spMkLst>
         </pc:spChg>
         <pc:spChg chg="mod">
-          <ac:chgData name="Juan Pablo Pérez Quintero" userId="6fe6871bd987dafa" providerId="LiveId" clId="{DAD87656-F046-4098-A41F-B67A8327FA3A}" dt="2019-10-24T02:38:03.713" v="144" actId="20577"/>
+          <ac:chgData name="Juan Pablo Pérez Quintero" userId="6fe6871bd987dafa" providerId="LiveId" clId="{DAD87656-F046-4098-A41F-B67A8327FA3A}" dt="2019-10-30T00:32:30.302" v="1100" actId="1076"/>
           <ac:spMkLst>
             <pc:docMk/>
             <pc:sldMk cId="1805812107" sldId="266"/>
@@ -338,15 +400,39 @@
           </ac:spMkLst>
         </pc:spChg>
         <pc:spChg chg="mod">
-          <ac:chgData name="Juan Pablo Pérez Quintero" userId="6fe6871bd987dafa" providerId="LiveId" clId="{DAD87656-F046-4098-A41F-B67A8327FA3A}" dt="2019-10-24T02:37:48.892" v="133" actId="20577"/>
+          <ac:chgData name="Juan Pablo Pérez Quintero" userId="6fe6871bd987dafa" providerId="LiveId" clId="{DAD87656-F046-4098-A41F-B67A8327FA3A}" dt="2019-10-30T00:32:17.461" v="1097" actId="1076"/>
           <ac:spMkLst>
             <pc:docMk/>
             <pc:sldMk cId="1805812107" sldId="266"/>
             <ac:spMk id="18" creationId="{37327442-9B11-4CFA-9692-9337B01CC0B0}"/>
           </ac:spMkLst>
         </pc:spChg>
+        <pc:spChg chg="add mod">
+          <ac:chgData name="Juan Pablo Pérez Quintero" userId="6fe6871bd987dafa" providerId="LiveId" clId="{DAD87656-F046-4098-A41F-B67A8327FA3A}" dt="2019-10-30T00:26:37.790" v="1035" actId="20577"/>
+          <ac:spMkLst>
+            <pc:docMk/>
+            <pc:sldMk cId="1805812107" sldId="266"/>
+            <ac:spMk id="31" creationId="{EAF2544C-2386-4A77-A715-310DCED65A93}"/>
+          </ac:spMkLst>
+        </pc:spChg>
+        <pc:spChg chg="add mod">
+          <ac:chgData name="Juan Pablo Pérez Quintero" userId="6fe6871bd987dafa" providerId="LiveId" clId="{DAD87656-F046-4098-A41F-B67A8327FA3A}" dt="2019-10-30T00:29:13.878" v="1041" actId="1076"/>
+          <ac:spMkLst>
+            <pc:docMk/>
+            <pc:sldMk cId="1805812107" sldId="266"/>
+            <ac:spMk id="36" creationId="{8C8FF6B1-7D44-451E-8631-AB65A9E45502}"/>
+          </ac:spMkLst>
+        </pc:spChg>
+        <pc:spChg chg="add mod">
+          <ac:chgData name="Juan Pablo Pérez Quintero" userId="6fe6871bd987dafa" providerId="LiveId" clId="{DAD87656-F046-4098-A41F-B67A8327FA3A}" dt="2019-10-30T00:30:19.334" v="1088" actId="1076"/>
+          <ac:spMkLst>
+            <pc:docMk/>
+            <pc:sldMk cId="1805812107" sldId="266"/>
+            <ac:spMk id="37" creationId="{764CD734-47F9-4AEB-BD5E-1A96CEFD2BF9}"/>
+          </ac:spMkLst>
+        </pc:spChg>
         <pc:picChg chg="mod">
-          <ac:chgData name="Juan Pablo Pérez Quintero" userId="6fe6871bd987dafa" providerId="LiveId" clId="{DAD87656-F046-4098-A41F-B67A8327FA3A}" dt="2019-10-24T02:36:21.813" v="123" actId="1076"/>
+          <ac:chgData name="Juan Pablo Pérez Quintero" userId="6fe6871bd987dafa" providerId="LiveId" clId="{DAD87656-F046-4098-A41F-B67A8327FA3A}" dt="2019-10-30T00:32:21.924" v="1099" actId="1076"/>
           <ac:picMkLst>
             <pc:docMk/>
             <pc:sldMk cId="1805812107" sldId="266"/>
@@ -354,7 +440,15 @@
           </ac:picMkLst>
         </pc:picChg>
         <pc:cxnChg chg="mod">
-          <ac:chgData name="Juan Pablo Pérez Quintero" userId="6fe6871bd987dafa" providerId="LiveId" clId="{DAD87656-F046-4098-A41F-B67A8327FA3A}" dt="2019-10-24T02:37:42.761" v="132" actId="14100"/>
+          <ac:chgData name="Juan Pablo Pérez Quintero" userId="6fe6871bd987dafa" providerId="LiveId" clId="{DAD87656-F046-4098-A41F-B67A8327FA3A}" dt="2019-10-30T00:22:24.185" v="948" actId="1076"/>
+          <ac:cxnSpMkLst>
+            <pc:docMk/>
+            <pc:sldMk cId="1805812107" sldId="266"/>
+            <ac:cxnSpMk id="11" creationId="{2BE8A0A2-9082-4145-BD7F-8AAADAC49D2B}"/>
+          </ac:cxnSpMkLst>
+        </pc:cxnChg>
+        <pc:cxnChg chg="mod">
+          <ac:chgData name="Juan Pablo Pérez Quintero" userId="6fe6871bd987dafa" providerId="LiveId" clId="{DAD87656-F046-4098-A41F-B67A8327FA3A}" dt="2019-10-30T00:31:51.879" v="1090" actId="1076"/>
           <ac:cxnSpMkLst>
             <pc:docMk/>
             <pc:sldMk cId="1805812107" sldId="266"/>
@@ -362,7 +456,7 @@
           </ac:cxnSpMkLst>
         </pc:cxnChg>
         <pc:cxnChg chg="mod">
-          <ac:chgData name="Juan Pablo Pérez Quintero" userId="6fe6871bd987dafa" providerId="LiveId" clId="{DAD87656-F046-4098-A41F-B67A8327FA3A}" dt="2019-10-24T02:37:35.259" v="131" actId="1076"/>
+          <ac:chgData name="Juan Pablo Pérez Quintero" userId="6fe6871bd987dafa" providerId="LiveId" clId="{DAD87656-F046-4098-A41F-B67A8327FA3A}" dt="2019-10-30T00:26:25.989" v="1011" actId="1076"/>
           <ac:cxnSpMkLst>
             <pc:docMk/>
             <pc:sldMk cId="1805812107" sldId="266"/>
@@ -370,8 +464,8 @@
           </ac:cxnSpMkLst>
         </pc:cxnChg>
       </pc:sldChg>
-      <pc:sldChg chg="addSp delSp modSp add">
-        <pc:chgData name="Juan Pablo Pérez Quintero" userId="6fe6871bd987dafa" providerId="LiveId" clId="{DAD87656-F046-4098-A41F-B67A8327FA3A}" dt="2019-10-24T03:07:21.066" v="373" actId="1076"/>
+      <pc:sldChg chg="addSp delSp modSp add ord">
+        <pc:chgData name="Juan Pablo Pérez Quintero" userId="6fe6871bd987dafa" providerId="LiveId" clId="{DAD87656-F046-4098-A41F-B67A8327FA3A}" dt="2019-10-30T00:38:11.377" v="1395" actId="20577"/>
         <pc:sldMkLst>
           <pc:docMk/>
           <pc:sldMk cId="1957248737" sldId="267"/>
@@ -401,7 +495,7 @@
           </ac:spMkLst>
         </pc:spChg>
         <pc:spChg chg="add mod">
-          <ac:chgData name="Juan Pablo Pérez Quintero" userId="6fe6871bd987dafa" providerId="LiveId" clId="{DAD87656-F046-4098-A41F-B67A8327FA3A}" dt="2019-10-24T03:07:21.066" v="373" actId="1076"/>
+          <ac:chgData name="Juan Pablo Pérez Quintero" userId="6fe6871bd987dafa" providerId="LiveId" clId="{DAD87656-F046-4098-A41F-B67A8327FA3A}" dt="2019-10-30T00:38:11.377" v="1395" actId="20577"/>
           <ac:spMkLst>
             <pc:docMk/>
             <pc:sldMk cId="1957248737" sldId="267"/>
@@ -414,6 +508,45 @@
             <pc:docMk/>
             <pc:sldMk cId="1957248737" sldId="267"/>
             <ac:picMk id="4" creationId="{8C60EF36-931B-4336-9139-93E273112EBB}"/>
+          </ac:picMkLst>
+        </pc:picChg>
+      </pc:sldChg>
+      <pc:sldChg chg="addSp delSp modSp add">
+        <pc:chgData name="Juan Pablo Pérez Quintero" userId="6fe6871bd987dafa" providerId="LiveId" clId="{DAD87656-F046-4098-A41F-B67A8327FA3A}" dt="2019-10-30T00:43:53.930" v="1939" actId="20577"/>
+        <pc:sldMkLst>
+          <pc:docMk/>
+          <pc:sldMk cId="2093812207" sldId="268"/>
+        </pc:sldMkLst>
+        <pc:spChg chg="del">
+          <ac:chgData name="Juan Pablo Pérez Quintero" userId="6fe6871bd987dafa" providerId="LiveId" clId="{DAD87656-F046-4098-A41F-B67A8327FA3A}" dt="2019-10-30T00:43:03.219" v="1906" actId="478"/>
+          <ac:spMkLst>
+            <pc:docMk/>
+            <pc:sldMk cId="2093812207" sldId="268"/>
+            <ac:spMk id="2" creationId="{A2663262-F500-4FB0-961F-ACDCE1FCF18A}"/>
+          </ac:spMkLst>
+        </pc:spChg>
+        <pc:spChg chg="del">
+          <ac:chgData name="Juan Pablo Pérez Quintero" userId="6fe6871bd987dafa" providerId="LiveId" clId="{DAD87656-F046-4098-A41F-B67A8327FA3A}" dt="2019-10-30T00:43:03.219" v="1906" actId="478"/>
+          <ac:spMkLst>
+            <pc:docMk/>
+            <pc:sldMk cId="2093812207" sldId="268"/>
+            <ac:spMk id="3" creationId="{B8F51C4F-C3EF-4F29-9660-9A118C0FE2E1}"/>
+          </ac:spMkLst>
+        </pc:spChg>
+        <pc:spChg chg="add mod">
+          <ac:chgData name="Juan Pablo Pérez Quintero" userId="6fe6871bd987dafa" providerId="LiveId" clId="{DAD87656-F046-4098-A41F-B67A8327FA3A}" dt="2019-10-30T00:43:53.930" v="1939" actId="20577"/>
+          <ac:spMkLst>
+            <pc:docMk/>
+            <pc:sldMk cId="2093812207" sldId="268"/>
+            <ac:spMk id="5" creationId="{3CD72518-307F-4565-9EAA-BD17204FA8B9}"/>
+          </ac:spMkLst>
+        </pc:spChg>
+        <pc:picChg chg="add">
+          <ac:chgData name="Juan Pablo Pérez Quintero" userId="6fe6871bd987dafa" providerId="LiveId" clId="{DAD87656-F046-4098-A41F-B67A8327FA3A}" dt="2019-10-30T00:43:06.810" v="1907"/>
+          <ac:picMkLst>
+            <pc:docMk/>
+            <pc:sldMk cId="2093812207" sldId="268"/>
+            <ac:picMk id="4" creationId="{8FD01EFB-5D6C-4672-8079-C4199FF8ED05}"/>
           </ac:picMkLst>
         </pc:picChg>
       </pc:sldChg>
@@ -891,7 +1024,7 @@
           <a:p>
             <a:fld id="{EA0C0817-A112-4847-8014-A94B7D2A4EA3}" type="datetime1">
               <a:rPr lang="en-US" smtClean="0"/>
-              <a:t>10/25/2019</a:t>
+              <a:t>10/29/2019</a:t>
             </a:fld>
             <a:endParaRPr lang="en-US" dirty="0"/>
           </a:p>
@@ -1093,7 +1226,7 @@
           <a:p>
             <a:fld id="{134F40B7-36AB-4376-BE14-EF7004D79BB9}" type="datetime1">
               <a:rPr lang="en-US" smtClean="0"/>
-              <a:t>10/25/2019</a:t>
+              <a:t>10/29/2019</a:t>
             </a:fld>
             <a:endParaRPr lang="en-US"/>
           </a:p>
@@ -1273,7 +1406,7 @@
           <a:p>
             <a:fld id="{FF87CAB8-DCAE-46A5-AADA-B3FAD11A54E0}" type="datetime1">
               <a:rPr lang="en-US" smtClean="0"/>
-              <a:t>10/25/2019</a:t>
+              <a:t>10/29/2019</a:t>
             </a:fld>
             <a:endParaRPr lang="en-US"/>
           </a:p>
@@ -1443,7 +1576,7 @@
           <a:p>
             <a:fld id="{7332B432-ACDA-4023-A761-2BAB76577B62}" type="datetime1">
               <a:rPr lang="en-US" smtClean="0"/>
-              <a:t>10/25/2019</a:t>
+              <a:t>10/29/2019</a:t>
             </a:fld>
             <a:endParaRPr lang="en-US"/>
           </a:p>
@@ -2042,7 +2175,7 @@
           <a:p>
             <a:fld id="{D9C646AA-F36E-4540-911D-FFFC0A0EF24A}" type="datetime1">
               <a:rPr lang="en-US" smtClean="0"/>
-              <a:t>10/25/2019</a:t>
+              <a:t>10/29/2019</a:t>
             </a:fld>
             <a:endParaRPr lang="en-US" dirty="0"/>
           </a:p>
@@ -2362,7 +2495,7 @@
           <a:p>
             <a:fld id="{69186D26-FA5F-4637-B602-B7C2DC34CFD4}" type="datetime1">
               <a:rPr lang="en-US" smtClean="0"/>
-              <a:t>10/25/2019</a:t>
+              <a:t>10/29/2019</a:t>
             </a:fld>
             <a:endParaRPr lang="en-US"/>
           </a:p>
@@ -2797,7 +2930,7 @@
           <a:p>
             <a:fld id="{8A7F15D8-96D1-4781-BC50-CA8A088B2FE4}" type="datetime1">
               <a:rPr lang="en-US" smtClean="0"/>
-              <a:t>10/25/2019</a:t>
+              <a:t>10/29/2019</a:t>
             </a:fld>
             <a:endParaRPr lang="en-US"/>
           </a:p>
@@ -2915,7 +3048,7 @@
           <a:p>
             <a:fld id="{F9A96C99-B8F8-4528-BD05-0E16E943DC09}" type="datetime1">
               <a:rPr lang="en-US" smtClean="0"/>
-              <a:t>10/25/2019</a:t>
+              <a:t>10/29/2019</a:t>
             </a:fld>
             <a:endParaRPr lang="en-US"/>
           </a:p>
@@ -3010,7 +3143,7 @@
           <a:p>
             <a:fld id="{03636942-C211-4B28-8DBD-C953E00AF71B}" type="datetime1">
               <a:rPr lang="en-US" smtClean="0"/>
-              <a:t>10/25/2019</a:t>
+              <a:t>10/29/2019</a:t>
             </a:fld>
             <a:endParaRPr lang="en-US"/>
           </a:p>
@@ -3427,7 +3560,7 @@
           <a:p>
             <a:fld id="{7E8D12A6-918A-48BD-8CB9-CA713993B0EA}" type="datetime1">
               <a:rPr lang="en-US" smtClean="0"/>
-              <a:t>10/25/2019</a:t>
+              <a:t>10/29/2019</a:t>
             </a:fld>
             <a:endParaRPr lang="en-US"/>
           </a:p>
@@ -3689,7 +3822,7 @@
             <a:fld id="{E778CE86-875F-4587-BCF6-FA054AFC0D53}" type="datetime1">
               <a:rPr lang="en-US" smtClean="0"/>
               <a:pPr/>
-              <a:t>10/25/2019</a:t>
+              <a:t>10/29/2019</a:t>
             </a:fld>
             <a:endParaRPr lang="en-US" dirty="0"/>
           </a:p>
@@ -4205,7 +4338,7 @@
           <a:p>
             <a:fld id="{F6FA2B21-3FCD-4721-B95C-427943F61125}" type="datetime1">
               <a:rPr lang="en-US" smtClean="0"/>
-              <a:t>10/25/2019</a:t>
+              <a:t>10/29/2019</a:t>
             </a:fld>
             <a:endParaRPr lang="en-US"/>
           </a:p>
@@ -4955,6 +5088,196 @@
           <p:cNvPr id="4" name="Picture 3">
             <a:extLst>
               <a:ext uri="{FF2B5EF4-FFF2-40B4-BE49-F238E27FC236}">
+                <a16:creationId xmlns:a16="http://schemas.microsoft.com/office/drawing/2014/main" id="{2969FA04-4E11-420F-8D0A-5EE4A729EB42}"/>
+              </a:ext>
+            </a:extLst>
+          </p:cNvPr>
+          <p:cNvPicPr>
+            <a:picLocks noChangeAspect="1"/>
+          </p:cNvPicPr>
+          <p:nvPr/>
+        </p:nvPicPr>
+        <p:blipFill rotWithShape="1">
+          <a:blip r:embed="rId2"/>
+          <a:srcRect t="9535" b="3926"/>
+          <a:stretch/>
+        </p:blipFill>
+        <p:spPr>
+          <a:xfrm>
+            <a:off x="20" y="10"/>
+            <a:ext cx="12191979" cy="6857990"/>
+          </a:xfrm>
+          <a:prstGeom prst="rect">
+            <a:avLst/>
+          </a:prstGeom>
+        </p:spPr>
+      </p:pic>
+      <p:sp>
+        <p:nvSpPr>
+          <p:cNvPr id="5" name="Rectángulo 4">
+            <a:extLst>
+              <a:ext uri="{FF2B5EF4-FFF2-40B4-BE49-F238E27FC236}">
+                <a16:creationId xmlns:a16="http://schemas.microsoft.com/office/drawing/2014/main" id="{D103DCE1-3905-4B02-B46F-E33809D3216A}"/>
+              </a:ext>
+            </a:extLst>
+          </p:cNvPr>
+          <p:cNvSpPr/>
+          <p:nvPr/>
+        </p:nvSpPr>
+        <p:spPr>
+          <a:xfrm>
+            <a:off x="4287171" y="0"/>
+            <a:ext cx="3617658" cy="923330"/>
+          </a:xfrm>
+          <a:prstGeom prst="rect">
+            <a:avLst/>
+          </a:prstGeom>
+          <a:noFill/>
+        </p:spPr>
+        <p:txBody>
+          <a:bodyPr wrap="none" lIns="91440" tIns="45720" rIns="91440" bIns="45720">
+            <a:spAutoFit/>
+          </a:bodyPr>
+          <a:lstStyle/>
+          <a:p>
+            <a:pPr algn="ctr"/>
+            <a:r>
+              <a:rPr lang="es-ES" sz="5400" b="0" cap="none" spc="0" dirty="0">
+                <a:ln w="0"/>
+                <a:solidFill>
+                  <a:schemeClr val="bg1"/>
+                </a:solidFill>
+                <a:effectLst>
+                  <a:outerShdw blurRad="38100" dist="19050" dir="2700000" algn="tl" rotWithShape="0">
+                    <a:schemeClr val="dk1">
+                      <a:alpha val="40000"/>
+                    </a:schemeClr>
+                  </a:outerShdw>
+                </a:effectLst>
+              </a:rPr>
+              <a:t>Resultados:</a:t>
+            </a:r>
+          </a:p>
+        </p:txBody>
+      </p:sp>
+      <p:sp>
+        <p:nvSpPr>
+          <p:cNvPr id="2" name="Rectángulo 1">
+            <a:extLst>
+              <a:ext uri="{FF2B5EF4-FFF2-40B4-BE49-F238E27FC236}">
+                <a16:creationId xmlns:a16="http://schemas.microsoft.com/office/drawing/2014/main" id="{30DFC929-34C5-4044-87D8-D5F036907D53}"/>
+              </a:ext>
+            </a:extLst>
+          </p:cNvPr>
+          <p:cNvSpPr/>
+          <p:nvPr/>
+        </p:nvSpPr>
+        <p:spPr>
+          <a:xfrm>
+            <a:off x="0" y="1228397"/>
+            <a:ext cx="12192000" cy="4401205"/>
+          </a:xfrm>
+          <a:prstGeom prst="rect">
+            <a:avLst/>
+          </a:prstGeom>
+          <a:noFill/>
+        </p:spPr>
+        <p:txBody>
+          <a:bodyPr wrap="square" lIns="91440" tIns="45720" rIns="91440" bIns="45720">
+            <a:spAutoFit/>
+          </a:bodyPr>
+          <a:lstStyle/>
+          <a:p>
+            <a:pPr algn="ctr"/>
+            <a:r>
+              <a:rPr lang="es-ES" sz="4000" b="0" cap="none" spc="0" dirty="0">
+                <a:ln w="0"/>
+                <a:solidFill>
+                  <a:schemeClr val="bg1"/>
+                </a:solidFill>
+                <a:effectLst>
+                  <a:outerShdw blurRad="38100" dist="19050" dir="2700000" algn="tl" rotWithShape="0">
+                    <a:schemeClr val="dk1">
+                      <a:alpha val="40000"/>
+                    </a:schemeClr>
+                  </a:outerShdw>
+                </a:effectLst>
+              </a:rPr>
+              <a:t>El proyecto a este punto, puede, generar</a:t>
+            </a:r>
+          </a:p>
+          <a:p>
+            <a:pPr algn="ctr"/>
+            <a:r>
+              <a:rPr lang="es-ES" sz="4000" dirty="0">
+                <a:ln w="0"/>
+                <a:solidFill>
+                  <a:schemeClr val="bg1"/>
+                </a:solidFill>
+                <a:effectLst>
+                  <a:outerShdw blurRad="38100" dist="19050" dir="2700000" algn="tl" rotWithShape="0">
+                    <a:schemeClr val="dk1">
+                      <a:alpha val="40000"/>
+                    </a:schemeClr>
+                  </a:outerShdw>
+                </a:effectLst>
+              </a:rPr>
+              <a:t>archivos de guardado, los cuales se pueden administrar de las propuestas básicas mencionadas anteriormente, lo cual era el objetivo principal que se buscaba. Pero también logramos como resultado secundario que la información de los proyectos propuestos se ordenara bajo un criterio</a:t>
+            </a:r>
+            <a:r>
+              <a:rPr lang="es-ES" sz="4000" b="0" cap="none" spc="0" dirty="0">
+                <a:ln w="0"/>
+                <a:solidFill>
+                  <a:schemeClr val="bg1"/>
+                </a:solidFill>
+                <a:effectLst>
+                  <a:outerShdw blurRad="38100" dist="19050" dir="2700000" algn="tl" rotWithShape="0">
+                    <a:schemeClr val="dk1">
+                      <a:alpha val="40000"/>
+                    </a:schemeClr>
+                  </a:outerShdw>
+                </a:effectLst>
+              </a:rPr>
+              <a:t> específico.</a:t>
+            </a:r>
+          </a:p>
+        </p:txBody>
+      </p:sp>
+    </p:spTree>
+    <p:extLst>
+      <p:ext uri="{BB962C8B-B14F-4D97-AF65-F5344CB8AC3E}">
+        <p14:creationId xmlns:p14="http://schemas.microsoft.com/office/powerpoint/2010/main" val="2758517890"/>
+      </p:ext>
+    </p:extLst>
+  </p:cSld>
+  <p:clrMapOvr>
+    <a:masterClrMapping/>
+  </p:clrMapOvr>
+</p:sld>
+</file>
+
+<file path=ppt/slides/slide11.xml><?xml version="1.0" encoding="utf-8"?>
+<p:sld xmlns:a="http://schemas.openxmlformats.org/drawingml/2006/main" xmlns:r="http://schemas.openxmlformats.org/officeDocument/2006/relationships" xmlns:p="http://schemas.openxmlformats.org/presentationml/2006/main">
+  <p:cSld>
+    <p:spTree>
+      <p:nvGrpSpPr>
+        <p:cNvPr id="1" name=""/>
+        <p:cNvGrpSpPr/>
+        <p:nvPr/>
+      </p:nvGrpSpPr>
+      <p:grpSpPr>
+        <a:xfrm>
+          <a:off x="0" y="0"/>
+          <a:ext cx="0" cy="0"/>
+          <a:chOff x="0" y="0"/>
+          <a:chExt cx="0" cy="0"/>
+        </a:xfrm>
+      </p:grpSpPr>
+      <p:pic>
+        <p:nvPicPr>
+          <p:cNvPr id="4" name="Picture 3">
+            <a:extLst>
+              <a:ext uri="{FF2B5EF4-FFF2-40B4-BE49-F238E27FC236}">
                 <a16:creationId xmlns:a16="http://schemas.microsoft.com/office/drawing/2014/main" id="{1F6DE140-7334-451C-AA6C-0789DAD3AC76}"/>
               </a:ext>
             </a:extLst>
@@ -5041,7 +5364,7 @@
         </p:nvSpPr>
         <p:spPr>
           <a:xfrm>
-            <a:off x="20" y="1351508"/>
+            <a:off x="0" y="1158561"/>
             <a:ext cx="12191980" cy="5078313"/>
           </a:xfrm>
           <a:prstGeom prst="rect">
@@ -5235,8 +5558,8 @@
         </p:nvSpPr>
         <p:spPr>
           <a:xfrm>
-            <a:off x="0" y="-79653"/>
-            <a:ext cx="10246725" cy="7017306"/>
+            <a:off x="0" y="12626"/>
+            <a:ext cx="10246725" cy="6247864"/>
           </a:xfrm>
           <a:prstGeom prst="rect">
             <a:avLst/>
@@ -5250,7 +5573,7 @@
           <a:lstStyle/>
           <a:p>
             <a:r>
-              <a:rPr lang="es-ES" sz="5000" dirty="0">
+              <a:rPr lang="es-ES" sz="4000" dirty="0">
                 <a:ln w="0"/>
                 <a:solidFill>
                   <a:schemeClr val="bg1"/>
@@ -5268,7 +5591,7 @@
           </a:p>
           <a:p>
             <a:r>
-              <a:rPr lang="es-ES" sz="5000" dirty="0">
+              <a:rPr lang="es-ES" sz="4000" dirty="0">
                 <a:ln w="0"/>
                 <a:solidFill>
                   <a:schemeClr val="bg1"/>
@@ -5281,12 +5604,30 @@
                   </a:outerShdw>
                 </a:effectLst>
               </a:rPr>
-              <a:t>-Problemática</a:t>
-            </a:r>
-          </a:p>
-          <a:p>
-            <a:r>
-              <a:rPr lang="es-ES" sz="5000" dirty="0">
+              <a:t>-Planteamiento</a:t>
+            </a:r>
+          </a:p>
+          <a:p>
+            <a:r>
+              <a:rPr lang="es-ES" sz="4000" dirty="0">
+                <a:ln w="0"/>
+                <a:solidFill>
+                  <a:schemeClr val="bg1"/>
+                </a:solidFill>
+                <a:effectLst>
+                  <a:outerShdw blurRad="38100" dist="19050" dir="2700000" algn="tl" rotWithShape="0">
+                    <a:schemeClr val="dk1">
+                      <a:alpha val="40000"/>
+                    </a:schemeClr>
+                  </a:outerShdw>
+                </a:effectLst>
+              </a:rPr>
+              <a:t>-Objetivo principal</a:t>
+            </a:r>
+          </a:p>
+          <a:p>
+            <a:r>
+              <a:rPr lang="es-ES" sz="4000" b="0" cap="none" spc="0" dirty="0">
                 <a:ln w="0"/>
                 <a:solidFill>
                   <a:schemeClr val="bg1"/>
@@ -5301,62 +5642,23 @@
               </a:rPr>
               <a:t>-Proyecto propuesto</a:t>
             </a:r>
-          </a:p>
-          <a:p>
-            <a:r>
-              <a:rPr lang="es-ES" sz="5000" dirty="0">
-                <a:ln w="0"/>
-                <a:solidFill>
-                  <a:schemeClr val="bg1"/>
-                </a:solidFill>
-                <a:effectLst>
-                  <a:outerShdw blurRad="38100" dist="19050" dir="2700000" algn="tl" rotWithShape="0">
-                    <a:schemeClr val="dk1">
-                      <a:alpha val="40000"/>
-                    </a:schemeClr>
-                  </a:outerShdw>
-                </a:effectLst>
-              </a:rPr>
-              <a:t>-Solución principal</a:t>
-            </a:r>
-          </a:p>
-          <a:p>
-            <a:r>
-              <a:rPr lang="es-ES" sz="5000" b="0" cap="none" spc="0" dirty="0">
-                <a:ln w="0"/>
-                <a:solidFill>
-                  <a:schemeClr val="bg1"/>
-                </a:solidFill>
-                <a:effectLst>
-                  <a:outerShdw blurRad="38100" dist="19050" dir="2700000" algn="tl" rotWithShape="0">
-                    <a:schemeClr val="dk1">
-                      <a:alpha val="40000"/>
-                    </a:schemeClr>
-                  </a:outerShdw>
-                </a:effectLst>
-              </a:rPr>
-              <a:t>-</a:t>
-            </a:r>
-            <a:r>
-              <a:rPr lang="es-ES" sz="5000" dirty="0">
-                <a:ln w="0"/>
-                <a:solidFill>
-                  <a:schemeClr val="bg1"/>
-                </a:solidFill>
-                <a:effectLst>
-                  <a:outerShdw blurRad="38100" dist="19050" dir="2700000" algn="tl" rotWithShape="0">
-                    <a:schemeClr val="dk1">
-                      <a:alpha val="40000"/>
-                    </a:schemeClr>
-                  </a:outerShdw>
-                </a:effectLst>
-              </a:rPr>
-              <a:t>Metodología</a:t>
-            </a:r>
-          </a:p>
-          <a:p>
-            <a:r>
-              <a:rPr lang="es-ES" sz="5000" b="0" cap="none" spc="0" dirty="0">
+            <a:endParaRPr lang="es-ES" sz="4000" dirty="0">
+              <a:ln w="0"/>
+              <a:solidFill>
+                <a:schemeClr val="bg1"/>
+              </a:solidFill>
+              <a:effectLst>
+                <a:outerShdw blurRad="38100" dist="19050" dir="2700000" algn="tl" rotWithShape="0">
+                  <a:schemeClr val="dk1">
+                    <a:alpha val="40000"/>
+                  </a:schemeClr>
+                </a:outerShdw>
+              </a:effectLst>
+            </a:endParaRPr>
+          </a:p>
+          <a:p>
+            <a:r>
+              <a:rPr lang="es-ES" sz="4000" b="0" cap="none" spc="0" dirty="0">
                 <a:ln w="0"/>
                 <a:solidFill>
                   <a:schemeClr val="bg1"/>
@@ -5374,7 +5676,69 @@
           </a:p>
           <a:p>
             <a:r>
-              <a:rPr lang="es-ES" sz="5000" dirty="0">
+              <a:rPr lang="es-ES" sz="4000" dirty="0">
+                <a:ln w="0"/>
+                <a:solidFill>
+                  <a:schemeClr val="bg1"/>
+                </a:solidFill>
+                <a:effectLst>
+                  <a:outerShdw blurRad="38100" dist="19050" dir="2700000" algn="tl" rotWithShape="0">
+                    <a:schemeClr val="dk1">
+                      <a:alpha val="40000"/>
+                    </a:schemeClr>
+                  </a:outerShdw>
+                </a:effectLst>
+              </a:rPr>
+              <a:t>-Diagrama UML</a:t>
+            </a:r>
+            <a:endParaRPr lang="es-ES" sz="4000" b="0" cap="none" spc="0" dirty="0">
+              <a:ln w="0"/>
+              <a:solidFill>
+                <a:schemeClr val="bg1"/>
+              </a:solidFill>
+              <a:effectLst>
+                <a:outerShdw blurRad="38100" dist="19050" dir="2700000" algn="tl" rotWithShape="0">
+                  <a:schemeClr val="dk1">
+                    <a:alpha val="40000"/>
+                  </a:schemeClr>
+                </a:outerShdw>
+              </a:effectLst>
+            </a:endParaRPr>
+          </a:p>
+          <a:p>
+            <a:r>
+              <a:rPr lang="es-ES" sz="4000" dirty="0">
+                <a:ln w="0"/>
+                <a:solidFill>
+                  <a:schemeClr val="bg1"/>
+                </a:solidFill>
+                <a:effectLst>
+                  <a:outerShdw blurRad="38100" dist="19050" dir="2700000" algn="tl" rotWithShape="0">
+                    <a:schemeClr val="dk1">
+                      <a:alpha val="40000"/>
+                    </a:schemeClr>
+                  </a:outerShdw>
+                </a:effectLst>
+              </a:rPr>
+              <a:t>-Metodología</a:t>
+            </a:r>
+            <a:endParaRPr lang="es-ES" sz="4000" b="0" cap="none" spc="0" dirty="0">
+              <a:ln w="0"/>
+              <a:solidFill>
+                <a:schemeClr val="bg1"/>
+              </a:solidFill>
+              <a:effectLst>
+                <a:outerShdw blurRad="38100" dist="19050" dir="2700000" algn="tl" rotWithShape="0">
+                  <a:schemeClr val="dk1">
+                    <a:alpha val="40000"/>
+                  </a:schemeClr>
+                </a:outerShdw>
+              </a:effectLst>
+            </a:endParaRPr>
+          </a:p>
+          <a:p>
+            <a:r>
+              <a:rPr lang="es-ES" sz="4000" dirty="0">
                 <a:ln w="0"/>
                 <a:solidFill>
                   <a:schemeClr val="bg1"/>
@@ -5392,7 +5756,7 @@
           </a:p>
           <a:p>
             <a:r>
-              <a:rPr lang="es-ES" sz="5000" dirty="0">
+              <a:rPr lang="es-ES" sz="4000" dirty="0">
                 <a:ln w="0"/>
                 <a:solidFill>
                   <a:schemeClr val="bg1"/>
@@ -5410,7 +5774,7 @@
           </a:p>
           <a:p>
             <a:r>
-              <a:rPr lang="es-ES" sz="5000" b="0" cap="none" spc="0" dirty="0">
+              <a:rPr lang="es-ES" sz="4000" b="0" cap="none" spc="0" dirty="0">
                 <a:ln w="0"/>
                 <a:solidFill>
                   <a:schemeClr val="bg1"/>
@@ -5581,8 +5945,8 @@
         </p:nvSpPr>
         <p:spPr>
           <a:xfrm>
-            <a:off x="3995744" y="0"/>
-            <a:ext cx="4200509" cy="923330"/>
+            <a:off x="3799472" y="0"/>
+            <a:ext cx="4593053" cy="923330"/>
           </a:xfrm>
           <a:prstGeom prst="rect">
             <a:avLst/>
@@ -5610,7 +5974,7 @@
                   </a:outerShdw>
                 </a:effectLst>
               </a:rPr>
-              <a:t>Problemática:</a:t>
+              <a:t>Planteamiento:</a:t>
             </a:r>
             <a:endParaRPr lang="es-ES" sz="5400" b="0" cap="none" spc="0" dirty="0">
               <a:ln w="0"/>
@@ -5663,7 +6027,7 @@
           <p:cNvPr id="4" name="Picture 3">
             <a:extLst>
               <a:ext uri="{FF2B5EF4-FFF2-40B4-BE49-F238E27FC236}">
-                <a16:creationId xmlns:a16="http://schemas.microsoft.com/office/drawing/2014/main" id="{EC9B1AB3-365C-4039-B5C0-81572C08509D}"/>
+                <a16:creationId xmlns:a16="http://schemas.microsoft.com/office/drawing/2014/main" id="{822A5ADB-035F-48A6-AAA5-B6BCC9549EC2}"/>
               </a:ext>
             </a:extLst>
           </p:cNvPr>
@@ -5679,7 +6043,7 @@
         </p:blipFill>
         <p:spPr>
           <a:xfrm>
-            <a:off x="0" y="10"/>
+            <a:off x="20" y="10"/>
             <a:ext cx="12191979" cy="6857990"/>
           </a:xfrm>
           <a:prstGeom prst="rect">
@@ -5692,7 +6056,7 @@
           <p:cNvPr id="5" name="Rectángulo 4">
             <a:extLst>
               <a:ext uri="{FF2B5EF4-FFF2-40B4-BE49-F238E27FC236}">
-                <a16:creationId xmlns:a16="http://schemas.microsoft.com/office/drawing/2014/main" id="{6E094EF0-9B68-4385-A9DE-028C8BECEDD4}"/>
+                <a16:creationId xmlns:a16="http://schemas.microsoft.com/office/drawing/2014/main" id="{0A60D098-3C63-4F52-BE64-A6ABB1414A05}"/>
               </a:ext>
             </a:extLst>
           </p:cNvPr>
@@ -5701,8 +6065,8 @@
         </p:nvSpPr>
         <p:spPr>
           <a:xfrm>
-            <a:off x="819215" y="1264778"/>
-            <a:ext cx="10553548" cy="707886"/>
+            <a:off x="-1" y="1351508"/>
+            <a:ext cx="12191978" cy="5078313"/>
           </a:xfrm>
           <a:prstGeom prst="rect">
             <a:avLst/>
@@ -5717,7 +6081,7 @@
           <a:p>
             <a:pPr algn="ctr"/>
             <a:r>
-              <a:rPr lang="es-ES" sz="4000" b="0" cap="none" spc="0" dirty="0">
+              <a:rPr lang="es-ES" sz="5400" b="0" cap="none" spc="0" dirty="0">
                 <a:ln w="0"/>
                 <a:solidFill>
                   <a:schemeClr val="bg1"/>
@@ -5730,41 +6094,10 @@
                   </a:outerShdw>
                 </a:effectLst>
               </a:rPr>
-              <a:t>Aplicativo para la administración de proyectos</a:t>
-            </a:r>
-          </a:p>
-        </p:txBody>
-      </p:sp>
-      <p:sp>
-        <p:nvSpPr>
-          <p:cNvPr id="6" name="Rectángulo 5">
-            <a:extLst>
-              <a:ext uri="{FF2B5EF4-FFF2-40B4-BE49-F238E27FC236}">
-                <a16:creationId xmlns:a16="http://schemas.microsoft.com/office/drawing/2014/main" id="{70CA0C36-6069-42EA-B51A-79CC977C3F3D}"/>
-              </a:ext>
-            </a:extLst>
-          </p:cNvPr>
-          <p:cNvSpPr/>
-          <p:nvPr/>
-        </p:nvSpPr>
-        <p:spPr>
-          <a:xfrm>
-            <a:off x="595619" y="2333675"/>
-            <a:ext cx="5990602" cy="4031873"/>
-          </a:xfrm>
-          <a:prstGeom prst="rect">
-            <a:avLst/>
-          </a:prstGeom>
-          <a:noFill/>
-        </p:spPr>
-        <p:txBody>
-          <a:bodyPr wrap="square" lIns="91440" tIns="45720" rIns="91440" bIns="45720">
-            <a:spAutoFit/>
-          </a:bodyPr>
-          <a:lstStyle/>
-          <a:p>
-            <a:r>
-              <a:rPr lang="es-ES" sz="3200" b="0" cap="none" spc="0" dirty="0">
+              <a:t>Generar una plantilla para llenar los datos de las propuestas investigativas, acompañado por indicaciones simples para mantener un </a:t>
+            </a:r>
+            <a:r>
+              <a:rPr lang="es-ES" sz="5400" dirty="0">
                 <a:ln w="0"/>
                 <a:solidFill>
                   <a:schemeClr val="bg1"/>
@@ -5777,116 +6110,7 @@
                   </a:outerShdw>
                 </a:effectLst>
               </a:rPr>
-              <a:t>Este aplicativo tiene el propósito de </a:t>
-            </a:r>
-            <a:r>
-              <a:rPr lang="es-ES" sz="3200" dirty="0">
-                <a:ln w="0"/>
-                <a:solidFill>
-                  <a:schemeClr val="bg1"/>
-                </a:solidFill>
-                <a:effectLst>
-                  <a:outerShdw blurRad="38100" dist="19050" dir="2700000" algn="tl" rotWithShape="0">
-                    <a:schemeClr val="dk1">
-                      <a:alpha val="40000"/>
-                    </a:schemeClr>
-                  </a:outerShdw>
-                </a:effectLst>
-              </a:rPr>
-              <a:t>crear, guardar, editar y eliminar</a:t>
-            </a:r>
-            <a:r>
-              <a:rPr lang="es-ES" sz="3200" b="0" cap="none" spc="0" dirty="0">
-                <a:ln w="0"/>
-                <a:solidFill>
-                  <a:schemeClr val="bg1"/>
-                </a:solidFill>
-                <a:effectLst>
-                  <a:outerShdw blurRad="38100" dist="19050" dir="2700000" algn="tl" rotWithShape="0">
-                    <a:schemeClr val="dk1">
-                      <a:alpha val="40000"/>
-                    </a:schemeClr>
-                  </a:outerShdw>
-                </a:effectLst>
-              </a:rPr>
-              <a:t> propuestas de proyectos investigativos administrados por un ente empresarial; Al cua</a:t>
-            </a:r>
-            <a:r>
-              <a:rPr lang="es-ES" sz="3200" dirty="0">
-                <a:ln w="0"/>
-                <a:solidFill>
-                  <a:schemeClr val="bg1"/>
-                </a:solidFill>
-                <a:effectLst>
-                  <a:outerShdw blurRad="38100" dist="19050" dir="2700000" algn="tl" rotWithShape="0">
-                    <a:schemeClr val="dk1">
-                      <a:alpha val="40000"/>
-                    </a:schemeClr>
-                  </a:outerShdw>
-                </a:effectLst>
-              </a:rPr>
-              <a:t>l tomaremos como ejemplo a la Universidad Pontificia Bolivariana.</a:t>
-            </a:r>
-            <a:endParaRPr lang="es-ES" sz="3200" b="0" cap="none" spc="0" dirty="0">
-              <a:ln w="0"/>
-              <a:solidFill>
-                <a:schemeClr val="bg1"/>
-              </a:solidFill>
-              <a:effectLst>
-                <a:outerShdw blurRad="38100" dist="19050" dir="2700000" algn="tl" rotWithShape="0">
-                  <a:schemeClr val="dk1">
-                    <a:alpha val="40000"/>
-                  </a:schemeClr>
-                </a:outerShdw>
-              </a:effectLst>
-            </a:endParaRPr>
-          </a:p>
-        </p:txBody>
-      </p:sp>
-      <p:sp>
-        <p:nvSpPr>
-          <p:cNvPr id="9" name="Rectángulo 8">
-            <a:extLst>
-              <a:ext uri="{FF2B5EF4-FFF2-40B4-BE49-F238E27FC236}">
-                <a16:creationId xmlns:a16="http://schemas.microsoft.com/office/drawing/2014/main" id="{635F8D97-E707-4B5F-85CB-5A617643B385}"/>
-              </a:ext>
-            </a:extLst>
-          </p:cNvPr>
-          <p:cNvSpPr/>
-          <p:nvPr/>
-        </p:nvSpPr>
-        <p:spPr>
-          <a:xfrm>
-            <a:off x="3127644" y="170729"/>
-            <a:ext cx="5936690" cy="923330"/>
-          </a:xfrm>
-          <a:prstGeom prst="rect">
-            <a:avLst/>
-          </a:prstGeom>
-          <a:noFill/>
-        </p:spPr>
-        <p:txBody>
-          <a:bodyPr wrap="none" lIns="91440" tIns="45720" rIns="91440" bIns="45720">
-            <a:spAutoFit/>
-          </a:bodyPr>
-          <a:lstStyle/>
-          <a:p>
-            <a:pPr algn="ctr"/>
-            <a:r>
-              <a:rPr lang="es-ES" sz="5400" dirty="0">
-                <a:ln w="0"/>
-                <a:solidFill>
-                  <a:schemeClr val="bg1"/>
-                </a:solidFill>
-                <a:effectLst>
-                  <a:outerShdw blurRad="38100" dist="19050" dir="2700000" algn="tl" rotWithShape="0">
-                    <a:schemeClr val="dk1">
-                      <a:alpha val="40000"/>
-                    </a:schemeClr>
-                  </a:outerShdw>
-                </a:effectLst>
-              </a:rPr>
-              <a:t>Proyecto propuesto:</a:t>
+              <a:t>uso óptimo del aplicativo y un almacenamiento correcto de datos.</a:t>
             </a:r>
             <a:endParaRPr lang="es-ES" sz="5400" b="0" cap="none" spc="0" dirty="0">
               <a:ln w="0"/>
@@ -5904,40 +6128,71 @@
           </a:p>
         </p:txBody>
       </p:sp>
-      <p:pic>
-        <p:nvPicPr>
-          <p:cNvPr id="2" name="Imagen 1">
+      <p:sp>
+        <p:nvSpPr>
+          <p:cNvPr id="7" name="Rectángulo 6">
             <a:extLst>
               <a:ext uri="{FF2B5EF4-FFF2-40B4-BE49-F238E27FC236}">
-                <a16:creationId xmlns:a16="http://schemas.microsoft.com/office/drawing/2014/main" id="{BA58ECE5-B5B5-4D4A-9125-A36927386A44}"/>
+                <a16:creationId xmlns:a16="http://schemas.microsoft.com/office/drawing/2014/main" id="{A5B55A4C-8CFF-47F8-8AC9-AF66C455D983}"/>
               </a:ext>
             </a:extLst>
           </p:cNvPr>
-          <p:cNvPicPr>
-            <a:picLocks noChangeAspect="1"/>
-          </p:cNvPicPr>
+          <p:cNvSpPr/>
           <p:nvPr/>
-        </p:nvPicPr>
-        <p:blipFill>
-          <a:blip r:embed="rId3"/>
-          <a:stretch>
-            <a:fillRect/>
-          </a:stretch>
-        </p:blipFill>
-        <p:spPr>
-          <a:xfrm>
-            <a:off x="6640221" y="3476644"/>
-            <a:ext cx="4848225" cy="2238375"/>
+        </p:nvSpPr>
+        <p:spPr>
+          <a:xfrm>
+            <a:off x="3311604" y="0"/>
+            <a:ext cx="5568769" cy="923330"/>
           </a:xfrm>
           <a:prstGeom prst="rect">
             <a:avLst/>
           </a:prstGeom>
-        </p:spPr>
-      </p:pic>
+          <a:noFill/>
+        </p:spPr>
+        <p:txBody>
+          <a:bodyPr wrap="none" lIns="91440" tIns="45720" rIns="91440" bIns="45720">
+            <a:spAutoFit/>
+          </a:bodyPr>
+          <a:lstStyle/>
+          <a:p>
+            <a:pPr algn="ctr"/>
+            <a:r>
+              <a:rPr lang="es-ES" sz="5400" dirty="0">
+                <a:ln w="0"/>
+                <a:solidFill>
+                  <a:schemeClr val="bg1"/>
+                </a:solidFill>
+                <a:effectLst>
+                  <a:outerShdw blurRad="38100" dist="19050" dir="2700000" algn="tl" rotWithShape="0">
+                    <a:schemeClr val="dk1">
+                      <a:alpha val="40000"/>
+                    </a:schemeClr>
+                  </a:outerShdw>
+                </a:effectLst>
+              </a:rPr>
+              <a:t>Objetivo principal:</a:t>
+            </a:r>
+            <a:endParaRPr lang="es-ES" sz="5400" b="0" cap="none" spc="0" dirty="0">
+              <a:ln w="0"/>
+              <a:solidFill>
+                <a:schemeClr val="bg1"/>
+              </a:solidFill>
+              <a:effectLst>
+                <a:outerShdw blurRad="38100" dist="19050" dir="2700000" algn="tl" rotWithShape="0">
+                  <a:schemeClr val="dk1">
+                    <a:alpha val="40000"/>
+                  </a:schemeClr>
+                </a:outerShdw>
+              </a:effectLst>
+            </a:endParaRPr>
+          </a:p>
+        </p:txBody>
+      </p:sp>
     </p:spTree>
     <p:extLst>
       <p:ext uri="{BB962C8B-B14F-4D97-AF65-F5344CB8AC3E}">
-        <p14:creationId xmlns:p14="http://schemas.microsoft.com/office/powerpoint/2010/main" val="3765006785"/>
+        <p14:creationId xmlns:p14="http://schemas.microsoft.com/office/powerpoint/2010/main" val="177133906"/>
       </p:ext>
     </p:extLst>
   </p:cSld>
@@ -5969,7 +6224,7 @@
           <p:cNvPr id="4" name="Picture 3">
             <a:extLst>
               <a:ext uri="{FF2B5EF4-FFF2-40B4-BE49-F238E27FC236}">
-                <a16:creationId xmlns:a16="http://schemas.microsoft.com/office/drawing/2014/main" id="{822A5ADB-035F-48A6-AAA5-B6BCC9549EC2}"/>
+                <a16:creationId xmlns:a16="http://schemas.microsoft.com/office/drawing/2014/main" id="{EC9B1AB3-365C-4039-B5C0-81572C08509D}"/>
               </a:ext>
             </a:extLst>
           </p:cNvPr>
@@ -5985,7 +6240,7 @@
         </p:blipFill>
         <p:spPr>
           <a:xfrm>
-            <a:off x="20" y="10"/>
+            <a:off x="0" y="10"/>
             <a:ext cx="12191979" cy="6857990"/>
           </a:xfrm>
           <a:prstGeom prst="rect">
@@ -5998,7 +6253,7 @@
           <p:cNvPr id="5" name="Rectángulo 4">
             <a:extLst>
               <a:ext uri="{FF2B5EF4-FFF2-40B4-BE49-F238E27FC236}">
-                <a16:creationId xmlns:a16="http://schemas.microsoft.com/office/drawing/2014/main" id="{0A60D098-3C63-4F52-BE64-A6ABB1414A05}"/>
+                <a16:creationId xmlns:a16="http://schemas.microsoft.com/office/drawing/2014/main" id="{6E094EF0-9B68-4385-A9DE-028C8BECEDD4}"/>
               </a:ext>
             </a:extLst>
           </p:cNvPr>
@@ -6007,8 +6262,8 @@
         </p:nvSpPr>
         <p:spPr>
           <a:xfrm>
-            <a:off x="-1" y="1351508"/>
-            <a:ext cx="12191978" cy="5078313"/>
+            <a:off x="819215" y="1264778"/>
+            <a:ext cx="10553548" cy="707886"/>
           </a:xfrm>
           <a:prstGeom prst="rect">
             <a:avLst/>
@@ -6023,7 +6278,7 @@
           <a:p>
             <a:pPr algn="ctr"/>
             <a:r>
-              <a:rPr lang="es-ES" sz="5400" b="0" cap="none" spc="0" dirty="0">
+              <a:rPr lang="es-ES" sz="4000" b="0" cap="none" spc="0" dirty="0">
                 <a:ln w="0"/>
                 <a:solidFill>
                   <a:schemeClr val="bg1"/>
@@ -6036,10 +6291,41 @@
                   </a:outerShdw>
                 </a:effectLst>
               </a:rPr>
-              <a:t>Generar una plantilla para llenar los datos de las propuestas investigativas, acompañado por indicaciones simples para mantener un </a:t>
-            </a:r>
-            <a:r>
-              <a:rPr lang="es-ES" sz="5400" dirty="0">
+              <a:t>Aplicativo para la administración de proyectos</a:t>
+            </a:r>
+          </a:p>
+        </p:txBody>
+      </p:sp>
+      <p:sp>
+        <p:nvSpPr>
+          <p:cNvPr id="6" name="Rectángulo 5">
+            <a:extLst>
+              <a:ext uri="{FF2B5EF4-FFF2-40B4-BE49-F238E27FC236}">
+                <a16:creationId xmlns:a16="http://schemas.microsoft.com/office/drawing/2014/main" id="{70CA0C36-6069-42EA-B51A-79CC977C3F3D}"/>
+              </a:ext>
+            </a:extLst>
+          </p:cNvPr>
+          <p:cNvSpPr/>
+          <p:nvPr/>
+        </p:nvSpPr>
+        <p:spPr>
+          <a:xfrm>
+            <a:off x="595619" y="2333675"/>
+            <a:ext cx="5990602" cy="4031873"/>
+          </a:xfrm>
+          <a:prstGeom prst="rect">
+            <a:avLst/>
+          </a:prstGeom>
+          <a:noFill/>
+        </p:spPr>
+        <p:txBody>
+          <a:bodyPr wrap="square" lIns="91440" tIns="45720" rIns="91440" bIns="45720">
+            <a:spAutoFit/>
+          </a:bodyPr>
+          <a:lstStyle/>
+          <a:p>
+            <a:r>
+              <a:rPr lang="es-ES" sz="3200" b="0" cap="none" spc="0" dirty="0">
                 <a:ln w="0"/>
                 <a:solidFill>
                   <a:schemeClr val="bg1"/>
@@ -6052,7 +6338,116 @@
                   </a:outerShdw>
                 </a:effectLst>
               </a:rPr>
-              <a:t>uso óptimo del aplicativo y un almacenamiento correcto de datos.</a:t>
+              <a:t>Este aplicativo tiene el propósito de </a:t>
+            </a:r>
+            <a:r>
+              <a:rPr lang="es-ES" sz="3200" dirty="0">
+                <a:ln w="0"/>
+                <a:solidFill>
+                  <a:schemeClr val="bg1"/>
+                </a:solidFill>
+                <a:effectLst>
+                  <a:outerShdw blurRad="38100" dist="19050" dir="2700000" algn="tl" rotWithShape="0">
+                    <a:schemeClr val="dk1">
+                      <a:alpha val="40000"/>
+                    </a:schemeClr>
+                  </a:outerShdw>
+                </a:effectLst>
+              </a:rPr>
+              <a:t>crear, guardar, editar y eliminar</a:t>
+            </a:r>
+            <a:r>
+              <a:rPr lang="es-ES" sz="3200" b="0" cap="none" spc="0" dirty="0">
+                <a:ln w="0"/>
+                <a:solidFill>
+                  <a:schemeClr val="bg1"/>
+                </a:solidFill>
+                <a:effectLst>
+                  <a:outerShdw blurRad="38100" dist="19050" dir="2700000" algn="tl" rotWithShape="0">
+                    <a:schemeClr val="dk1">
+                      <a:alpha val="40000"/>
+                    </a:schemeClr>
+                  </a:outerShdw>
+                </a:effectLst>
+              </a:rPr>
+              <a:t> propuestas de proyectos investigativos administrados por un ente empresarial; Al cua</a:t>
+            </a:r>
+            <a:r>
+              <a:rPr lang="es-ES" sz="3200" dirty="0">
+                <a:ln w="0"/>
+                <a:solidFill>
+                  <a:schemeClr val="bg1"/>
+                </a:solidFill>
+                <a:effectLst>
+                  <a:outerShdw blurRad="38100" dist="19050" dir="2700000" algn="tl" rotWithShape="0">
+                    <a:schemeClr val="dk1">
+                      <a:alpha val="40000"/>
+                    </a:schemeClr>
+                  </a:outerShdw>
+                </a:effectLst>
+              </a:rPr>
+              <a:t>l tomaremos como ejemplo a la Universidad Pontificia Bolivariana.</a:t>
+            </a:r>
+            <a:endParaRPr lang="es-ES" sz="3200" b="0" cap="none" spc="0" dirty="0">
+              <a:ln w="0"/>
+              <a:solidFill>
+                <a:schemeClr val="bg1"/>
+              </a:solidFill>
+              <a:effectLst>
+                <a:outerShdw blurRad="38100" dist="19050" dir="2700000" algn="tl" rotWithShape="0">
+                  <a:schemeClr val="dk1">
+                    <a:alpha val="40000"/>
+                  </a:schemeClr>
+                </a:outerShdw>
+              </a:effectLst>
+            </a:endParaRPr>
+          </a:p>
+        </p:txBody>
+      </p:sp>
+      <p:sp>
+        <p:nvSpPr>
+          <p:cNvPr id="9" name="Rectángulo 8">
+            <a:extLst>
+              <a:ext uri="{FF2B5EF4-FFF2-40B4-BE49-F238E27FC236}">
+                <a16:creationId xmlns:a16="http://schemas.microsoft.com/office/drawing/2014/main" id="{635F8D97-E707-4B5F-85CB-5A617643B385}"/>
+              </a:ext>
+            </a:extLst>
+          </p:cNvPr>
+          <p:cNvSpPr/>
+          <p:nvPr/>
+        </p:nvSpPr>
+        <p:spPr>
+          <a:xfrm>
+            <a:off x="3127644" y="170729"/>
+            <a:ext cx="5936690" cy="923330"/>
+          </a:xfrm>
+          <a:prstGeom prst="rect">
+            <a:avLst/>
+          </a:prstGeom>
+          <a:noFill/>
+        </p:spPr>
+        <p:txBody>
+          <a:bodyPr wrap="none" lIns="91440" tIns="45720" rIns="91440" bIns="45720">
+            <a:spAutoFit/>
+          </a:bodyPr>
+          <a:lstStyle/>
+          <a:p>
+            <a:pPr algn="ctr"/>
+            <a:r>
+              <a:rPr lang="es-ES" sz="5400" dirty="0">
+                <a:ln w="0"/>
+                <a:solidFill>
+                  <a:schemeClr val="bg1"/>
+                </a:solidFill>
+                <a:effectLst>
+                  <a:outerShdw blurRad="38100" dist="19050" dir="2700000" algn="tl" rotWithShape="0">
+                    <a:schemeClr val="dk1">
+                      <a:alpha val="40000"/>
+                    </a:schemeClr>
+                  </a:outerShdw>
+                </a:effectLst>
+              </a:rPr>
+              <a:t>Proyecto propuesto:</a:t>
             </a:r>
             <a:endParaRPr lang="es-ES" sz="5400" b="0" cap="none" spc="0" dirty="0">
               <a:ln w="0"/>
@@ -6070,71 +6465,40 @@
           </a:p>
         </p:txBody>
       </p:sp>
-      <p:sp>
-        <p:nvSpPr>
-          <p:cNvPr id="7" name="Rectángulo 6">
+      <p:pic>
+        <p:nvPicPr>
+          <p:cNvPr id="2" name="Imagen 1">
             <a:extLst>
               <a:ext uri="{FF2B5EF4-FFF2-40B4-BE49-F238E27FC236}">
-                <a16:creationId xmlns:a16="http://schemas.microsoft.com/office/drawing/2014/main" id="{A5B55A4C-8CFF-47F8-8AC9-AF66C455D983}"/>
+                <a16:creationId xmlns:a16="http://schemas.microsoft.com/office/drawing/2014/main" id="{BA58ECE5-B5B5-4D4A-9125-A36927386A44}"/>
               </a:ext>
             </a:extLst>
           </p:cNvPr>
-          <p:cNvSpPr/>
+          <p:cNvPicPr>
+            <a:picLocks noChangeAspect="1"/>
+          </p:cNvPicPr>
           <p:nvPr/>
-        </p:nvSpPr>
-        <p:spPr>
-          <a:xfrm>
-            <a:off x="3311604" y="0"/>
-            <a:ext cx="5568769" cy="923330"/>
+        </p:nvPicPr>
+        <p:blipFill>
+          <a:blip r:embed="rId3"/>
+          <a:stretch>
+            <a:fillRect/>
+          </a:stretch>
+        </p:blipFill>
+        <p:spPr>
+          <a:xfrm>
+            <a:off x="6640221" y="3476644"/>
+            <a:ext cx="4848225" cy="2238375"/>
           </a:xfrm>
           <a:prstGeom prst="rect">
             <a:avLst/>
           </a:prstGeom>
-          <a:noFill/>
-        </p:spPr>
-        <p:txBody>
-          <a:bodyPr wrap="none" lIns="91440" tIns="45720" rIns="91440" bIns="45720">
-            <a:spAutoFit/>
-          </a:bodyPr>
-          <a:lstStyle/>
-          <a:p>
-            <a:pPr algn="ctr"/>
-            <a:r>
-              <a:rPr lang="es-ES" sz="5400" dirty="0">
-                <a:ln w="0"/>
-                <a:solidFill>
-                  <a:schemeClr val="bg1"/>
-                </a:solidFill>
-                <a:effectLst>
-                  <a:outerShdw blurRad="38100" dist="19050" dir="2700000" algn="tl" rotWithShape="0">
-                    <a:schemeClr val="dk1">
-                      <a:alpha val="40000"/>
-                    </a:schemeClr>
-                  </a:outerShdw>
-                </a:effectLst>
-              </a:rPr>
-              <a:t>Objetivo principal:</a:t>
-            </a:r>
-            <a:endParaRPr lang="es-ES" sz="5400" b="0" cap="none" spc="0" dirty="0">
-              <a:ln w="0"/>
-              <a:solidFill>
-                <a:schemeClr val="bg1"/>
-              </a:solidFill>
-              <a:effectLst>
-                <a:outerShdw blurRad="38100" dist="19050" dir="2700000" algn="tl" rotWithShape="0">
-                  <a:schemeClr val="dk1">
-                    <a:alpha val="40000"/>
-                  </a:schemeClr>
-                </a:outerShdw>
-              </a:effectLst>
-            </a:endParaRPr>
-          </a:p>
-        </p:txBody>
-      </p:sp>
+        </p:spPr>
+      </p:pic>
     </p:spTree>
     <p:extLst>
       <p:ext uri="{BB962C8B-B14F-4D97-AF65-F5344CB8AC3E}">
-        <p14:creationId xmlns:p14="http://schemas.microsoft.com/office/powerpoint/2010/main" val="177133906"/>
+        <p14:creationId xmlns:p14="http://schemas.microsoft.com/office/powerpoint/2010/main" val="3765006785"/>
       </p:ext>
     </p:extLst>
   </p:cSld>
@@ -6145,6 +6509,355 @@
 </file>
 
 <file path=ppt/slides/slide6.xml><?xml version="1.0" encoding="utf-8"?>
+<p:sld xmlns:a="http://schemas.openxmlformats.org/drawingml/2006/main" xmlns:r="http://schemas.openxmlformats.org/officeDocument/2006/relationships" xmlns:p="http://schemas.openxmlformats.org/presentationml/2006/main">
+  <p:cSld>
+    <p:spTree>
+      <p:nvGrpSpPr>
+        <p:cNvPr id="1" name=""/>
+        <p:cNvGrpSpPr/>
+        <p:nvPr/>
+      </p:nvGrpSpPr>
+      <p:grpSpPr>
+        <a:xfrm>
+          <a:off x="0" y="0"/>
+          <a:ext cx="0" cy="0"/>
+          <a:chOff x="0" y="0"/>
+          <a:chExt cx="0" cy="0"/>
+        </a:xfrm>
+      </p:grpSpPr>
+      <p:pic>
+        <p:nvPicPr>
+          <p:cNvPr id="4" name="Picture 3">
+            <a:extLst>
+              <a:ext uri="{FF2B5EF4-FFF2-40B4-BE49-F238E27FC236}">
+                <a16:creationId xmlns:a16="http://schemas.microsoft.com/office/drawing/2014/main" id="{8C60EF36-931B-4336-9139-93E273112EBB}"/>
+              </a:ext>
+            </a:extLst>
+          </p:cNvPr>
+          <p:cNvPicPr>
+            <a:picLocks noChangeAspect="1"/>
+          </p:cNvPicPr>
+          <p:nvPr/>
+        </p:nvPicPr>
+        <p:blipFill rotWithShape="1">
+          <a:blip r:embed="rId2"/>
+          <a:srcRect t="9535" b="3926"/>
+          <a:stretch/>
+        </p:blipFill>
+        <p:spPr>
+          <a:xfrm>
+            <a:off x="0" y="10"/>
+            <a:ext cx="12191979" cy="6857990"/>
+          </a:xfrm>
+          <a:prstGeom prst="rect">
+            <a:avLst/>
+          </a:prstGeom>
+        </p:spPr>
+      </p:pic>
+      <p:sp>
+        <p:nvSpPr>
+          <p:cNvPr id="5" name="Rectángulo 4">
+            <a:extLst>
+              <a:ext uri="{FF2B5EF4-FFF2-40B4-BE49-F238E27FC236}">
+                <a16:creationId xmlns:a16="http://schemas.microsoft.com/office/drawing/2014/main" id="{A6EC0B43-15B8-456D-BC6B-8D357266BBA9}"/>
+              </a:ext>
+            </a:extLst>
+          </p:cNvPr>
+          <p:cNvSpPr/>
+          <p:nvPr/>
+        </p:nvSpPr>
+        <p:spPr>
+          <a:xfrm>
+            <a:off x="3923695" y="0"/>
+            <a:ext cx="4344587" cy="923330"/>
+          </a:xfrm>
+          <a:prstGeom prst="rect">
+            <a:avLst/>
+          </a:prstGeom>
+          <a:noFill/>
+        </p:spPr>
+        <p:txBody>
+          <a:bodyPr wrap="none" lIns="91440" tIns="45720" rIns="91440" bIns="45720">
+            <a:spAutoFit/>
+          </a:bodyPr>
+          <a:lstStyle/>
+          <a:p>
+            <a:pPr algn="ctr"/>
+            <a:r>
+              <a:rPr lang="es-ES" sz="5400" b="0" cap="none" spc="0" dirty="0">
+                <a:ln w="0"/>
+                <a:solidFill>
+                  <a:schemeClr val="bg1"/>
+                </a:solidFill>
+                <a:effectLst>
+                  <a:outerShdw blurRad="38100" dist="19050" dir="2700000" algn="tl" rotWithShape="0">
+                    <a:schemeClr val="dk1">
+                      <a:alpha val="40000"/>
+                    </a:schemeClr>
+                  </a:outerShdw>
+                </a:effectLst>
+              </a:rPr>
+              <a:t>Marco teórico:</a:t>
+            </a:r>
+          </a:p>
+        </p:txBody>
+      </p:sp>
+      <p:sp>
+        <p:nvSpPr>
+          <p:cNvPr id="6" name="Rectángulo 5">
+            <a:extLst>
+              <a:ext uri="{FF2B5EF4-FFF2-40B4-BE49-F238E27FC236}">
+                <a16:creationId xmlns:a16="http://schemas.microsoft.com/office/drawing/2014/main" id="{FA99C200-0A6E-4AC3-ABCD-E32E499F4D7F}"/>
+              </a:ext>
+            </a:extLst>
+          </p:cNvPr>
+          <p:cNvSpPr/>
+          <p:nvPr/>
+        </p:nvSpPr>
+        <p:spPr>
+          <a:xfrm>
+            <a:off x="21" y="1351508"/>
+            <a:ext cx="12191979" cy="4247317"/>
+          </a:xfrm>
+          <a:prstGeom prst="rect">
+            <a:avLst/>
+          </a:prstGeom>
+          <a:noFill/>
+        </p:spPr>
+        <p:txBody>
+          <a:bodyPr wrap="square" lIns="91440" tIns="45720" rIns="91440" bIns="45720">
+            <a:spAutoFit/>
+          </a:bodyPr>
+          <a:lstStyle/>
+          <a:p>
+            <a:r>
+              <a:rPr lang="es-ES" sz="5400" dirty="0">
+                <a:ln w="0"/>
+                <a:solidFill>
+                  <a:schemeClr val="bg1"/>
+                </a:solidFill>
+                <a:effectLst>
+                  <a:outerShdw blurRad="38100" dist="19050" dir="2700000" algn="tl" rotWithShape="0">
+                    <a:schemeClr val="dk1">
+                      <a:alpha val="40000"/>
+                    </a:schemeClr>
+                  </a:outerShdw>
+                </a:effectLst>
+              </a:rPr>
+              <a:t>-Programación orientada a objetos (POO)</a:t>
+            </a:r>
+          </a:p>
+          <a:p>
+            <a:r>
+              <a:rPr lang="es-ES" sz="5400" b="0" cap="none" spc="0" dirty="0">
+                <a:ln w="0"/>
+                <a:solidFill>
+                  <a:schemeClr val="bg1"/>
+                </a:solidFill>
+                <a:effectLst>
+                  <a:outerShdw blurRad="38100" dist="19050" dir="2700000" algn="tl" rotWithShape="0">
+                    <a:schemeClr val="dk1">
+                      <a:alpha val="40000"/>
+                    </a:schemeClr>
+                  </a:outerShdw>
+                </a:effectLst>
+              </a:rPr>
+              <a:t>-Lenguaje de programación C#</a:t>
+            </a:r>
+          </a:p>
+          <a:p>
+            <a:r>
+              <a:rPr lang="es-ES" sz="5400" dirty="0">
+                <a:ln w="0"/>
+                <a:solidFill>
+                  <a:schemeClr val="bg1"/>
+                </a:solidFill>
+                <a:effectLst>
+                  <a:outerShdw blurRad="38100" dist="19050" dir="2700000" algn="tl" rotWithShape="0">
+                    <a:schemeClr val="dk1">
+                      <a:alpha val="40000"/>
+                    </a:schemeClr>
+                  </a:outerShdw>
+                </a:effectLst>
+              </a:rPr>
+              <a:t>-WPF (Microsoft .NET)</a:t>
+            </a:r>
+          </a:p>
+          <a:p>
+            <a:r>
+              <a:rPr lang="es-ES" sz="5400" b="0" cap="none" spc="0" dirty="0">
+                <a:ln w="0"/>
+                <a:solidFill>
+                  <a:schemeClr val="bg1"/>
+                </a:solidFill>
+                <a:effectLst>
+                  <a:outerShdw blurRad="38100" dist="19050" dir="2700000" algn="tl" rotWithShape="0">
+                    <a:schemeClr val="dk1">
+                      <a:alpha val="40000"/>
+                    </a:schemeClr>
+                  </a:outerShdw>
+                </a:effectLst>
+              </a:rPr>
+              <a:t>-Arch</a:t>
+            </a:r>
+            <a:r>
+              <a:rPr lang="es-ES" sz="5400" dirty="0">
+                <a:ln w="0"/>
+                <a:solidFill>
+                  <a:schemeClr val="bg1"/>
+                </a:solidFill>
+                <a:effectLst>
+                  <a:outerShdw blurRad="38100" dist="19050" dir="2700000" algn="tl" rotWithShape="0">
+                    <a:schemeClr val="dk1">
+                      <a:alpha val="40000"/>
+                    </a:schemeClr>
+                  </a:outerShdw>
+                </a:effectLst>
+              </a:rPr>
+              <a:t>ivos JSON</a:t>
+            </a:r>
+          </a:p>
+          <a:p>
+            <a:r>
+              <a:rPr lang="es-ES" sz="5400" b="0" cap="none" spc="0" dirty="0">
+                <a:ln w="0"/>
+                <a:solidFill>
+                  <a:schemeClr val="bg1"/>
+                </a:solidFill>
+                <a:effectLst>
+                  <a:outerShdw blurRad="38100" dist="19050" dir="2700000" algn="tl" rotWithShape="0">
+                    <a:schemeClr val="dk1">
+                      <a:alpha val="40000"/>
+                    </a:schemeClr>
+                  </a:outerShdw>
+                </a:effectLst>
+              </a:rPr>
+              <a:t>-UML</a:t>
+            </a:r>
+          </a:p>
+        </p:txBody>
+      </p:sp>
+    </p:spTree>
+    <p:extLst>
+      <p:ext uri="{BB962C8B-B14F-4D97-AF65-F5344CB8AC3E}">
+        <p14:creationId xmlns:p14="http://schemas.microsoft.com/office/powerpoint/2010/main" val="1957248737"/>
+      </p:ext>
+    </p:extLst>
+  </p:cSld>
+  <p:clrMapOvr>
+    <a:masterClrMapping/>
+  </p:clrMapOvr>
+</p:sld>
+</file>
+
+<file path=ppt/slides/slide7.xml><?xml version="1.0" encoding="utf-8"?>
+<p:sld xmlns:a="http://schemas.openxmlformats.org/drawingml/2006/main" xmlns:r="http://schemas.openxmlformats.org/officeDocument/2006/relationships" xmlns:p="http://schemas.openxmlformats.org/presentationml/2006/main">
+  <p:cSld>
+    <p:spTree>
+      <p:nvGrpSpPr>
+        <p:cNvPr id="1" name=""/>
+        <p:cNvGrpSpPr/>
+        <p:nvPr/>
+      </p:nvGrpSpPr>
+      <p:grpSpPr>
+        <a:xfrm>
+          <a:off x="0" y="0"/>
+          <a:ext cx="0" cy="0"/>
+          <a:chOff x="0" y="0"/>
+          <a:chExt cx="0" cy="0"/>
+        </a:xfrm>
+      </p:grpSpPr>
+      <p:pic>
+        <p:nvPicPr>
+          <p:cNvPr id="4" name="Picture 3">
+            <a:extLst>
+              <a:ext uri="{FF2B5EF4-FFF2-40B4-BE49-F238E27FC236}">
+                <a16:creationId xmlns:a16="http://schemas.microsoft.com/office/drawing/2014/main" id="{8FD01EFB-5D6C-4672-8079-C4199FF8ED05}"/>
+              </a:ext>
+            </a:extLst>
+          </p:cNvPr>
+          <p:cNvPicPr>
+            <a:picLocks noChangeAspect="1"/>
+          </p:cNvPicPr>
+          <p:nvPr/>
+        </p:nvPicPr>
+        <p:blipFill rotWithShape="1">
+          <a:blip r:embed="rId2"/>
+          <a:srcRect t="9535" b="3926"/>
+          <a:stretch/>
+        </p:blipFill>
+        <p:spPr>
+          <a:xfrm>
+            <a:off x="0" y="10"/>
+            <a:ext cx="12191979" cy="6857990"/>
+          </a:xfrm>
+          <a:prstGeom prst="rect">
+            <a:avLst/>
+          </a:prstGeom>
+        </p:spPr>
+      </p:pic>
+      <p:sp>
+        <p:nvSpPr>
+          <p:cNvPr id="5" name="Rectángulo 4">
+            <a:extLst>
+              <a:ext uri="{FF2B5EF4-FFF2-40B4-BE49-F238E27FC236}">
+                <a16:creationId xmlns:a16="http://schemas.microsoft.com/office/drawing/2014/main" id="{3CD72518-307F-4565-9EAA-BD17204FA8B9}"/>
+              </a:ext>
+            </a:extLst>
+          </p:cNvPr>
+          <p:cNvSpPr/>
+          <p:nvPr/>
+        </p:nvSpPr>
+        <p:spPr>
+          <a:xfrm>
+            <a:off x="3753040" y="0"/>
+            <a:ext cx="4685898" cy="923330"/>
+          </a:xfrm>
+          <a:prstGeom prst="rect">
+            <a:avLst/>
+          </a:prstGeom>
+          <a:noFill/>
+        </p:spPr>
+        <p:txBody>
+          <a:bodyPr wrap="none" lIns="91440" tIns="45720" rIns="91440" bIns="45720">
+            <a:spAutoFit/>
+          </a:bodyPr>
+          <a:lstStyle/>
+          <a:p>
+            <a:pPr algn="ctr"/>
+            <a:r>
+              <a:rPr lang="es-ES" sz="5400" b="0" cap="none" spc="0" dirty="0">
+                <a:ln w="0"/>
+                <a:solidFill>
+                  <a:schemeClr val="bg1"/>
+                </a:solidFill>
+                <a:effectLst>
+                  <a:outerShdw blurRad="38100" dist="19050" dir="2700000" algn="tl" rotWithShape="0">
+                    <a:schemeClr val="dk1">
+                      <a:alpha val="40000"/>
+                    </a:schemeClr>
+                  </a:outerShdw>
+                </a:effectLst>
+              </a:rPr>
+              <a:t>Diagrama UML:</a:t>
+            </a:r>
+          </a:p>
+        </p:txBody>
+      </p:sp>
+    </p:spTree>
+    <p:extLst>
+      <p:ext uri="{BB962C8B-B14F-4D97-AF65-F5344CB8AC3E}">
+        <p14:creationId xmlns:p14="http://schemas.microsoft.com/office/powerpoint/2010/main" val="2093812207"/>
+      </p:ext>
+    </p:extLst>
+  </p:cSld>
+  <p:clrMapOvr>
+    <a:masterClrMapping/>
+  </p:clrMapOvr>
+</p:sld>
+</file>
+
+<file path=ppt/slides/slide8.xml><?xml version="1.0" encoding="utf-8"?>
 <p:sld xmlns:a="http://schemas.openxmlformats.org/drawingml/2006/main" xmlns:r="http://schemas.openxmlformats.org/officeDocument/2006/relationships" xmlns:p="http://schemas.openxmlformats.org/presentationml/2006/main">
   <p:cSld>
     <p:spTree>
@@ -6252,8 +6965,8 @@
         </p:nvSpPr>
         <p:spPr>
           <a:xfrm>
-            <a:off x="304800" y="923330"/>
-            <a:ext cx="4312024" cy="1981235"/>
+            <a:off x="304800" y="923331"/>
+            <a:ext cx="2958517" cy="1359342"/>
           </a:xfrm>
           <a:prstGeom prst="rect">
             <a:avLst/>
@@ -6304,8 +7017,8 @@
         </p:nvSpPr>
         <p:spPr>
           <a:xfrm>
-            <a:off x="6921809" y="3875903"/>
-            <a:ext cx="5009161" cy="2301547"/>
+            <a:off x="8559557" y="923325"/>
+            <a:ext cx="3327643" cy="1359342"/>
           </a:xfrm>
           <a:prstGeom prst="rect">
             <a:avLst/>
@@ -6356,8 +7069,8 @@
         </p:nvSpPr>
         <p:spPr>
           <a:xfrm>
-            <a:off x="304800" y="3953436"/>
-            <a:ext cx="4312024" cy="1981235"/>
+            <a:off x="333867" y="4264381"/>
+            <a:ext cx="2958517" cy="1359342"/>
           </a:xfrm>
           <a:prstGeom prst="rect">
             <a:avLst/>
@@ -6408,8 +7121,8 @@
         </p:nvSpPr>
         <p:spPr>
           <a:xfrm>
-            <a:off x="7270378" y="918812"/>
-            <a:ext cx="4312024" cy="1981235"/>
+            <a:off x="4432167" y="923331"/>
+            <a:ext cx="3327643" cy="1359342"/>
           </a:xfrm>
           <a:prstGeom prst="rect">
             <a:avLst/>
@@ -6456,15 +7169,16 @@
             </a:extLst>
           </p:cNvPr>
           <p:cNvCxnSpPr>
+            <a:cxnSpLocks/>
             <a:stCxn id="6" idx="3"/>
             <a:endCxn id="9" idx="1"/>
           </p:cNvCxnSpPr>
           <p:nvPr/>
         </p:nvCxnSpPr>
         <p:spPr>
-          <a:xfrm flipV="1">
-            <a:off x="4616824" y="1909430"/>
-            <a:ext cx="2653554" cy="4518"/>
+          <a:xfrm>
+            <a:off x="3263317" y="1603002"/>
+            <a:ext cx="1168850" cy="0"/>
           </a:xfrm>
           <a:prstGeom prst="straightConnector1">
             <a:avLst/>
@@ -6502,13 +7216,12 @@
           </p:cNvPr>
           <p:cNvCxnSpPr>
             <a:cxnSpLocks/>
-            <a:endCxn id="8" idx="3"/>
           </p:cNvCxnSpPr>
           <p:nvPr/>
         </p:nvCxnSpPr>
         <p:spPr>
           <a:xfrm flipH="1">
-            <a:off x="4616824" y="4944054"/>
+            <a:off x="2460812" y="2779694"/>
             <a:ext cx="2304985" cy="0"/>
           </a:xfrm>
           <a:prstGeom prst="straightConnector1">
@@ -6547,15 +7260,15 @@
           </p:cNvPr>
           <p:cNvCxnSpPr>
             <a:cxnSpLocks/>
-            <a:stCxn id="9" idx="2"/>
-            <a:endCxn id="7" idx="0"/>
+            <a:stCxn id="16" idx="3"/>
+            <a:endCxn id="7" idx="1"/>
           </p:cNvCxnSpPr>
           <p:nvPr/>
         </p:nvCxnSpPr>
         <p:spPr>
-          <a:xfrm>
-            <a:off x="9426390" y="2900047"/>
-            <a:ext cx="0" cy="975856"/>
+          <a:xfrm flipV="1">
+            <a:off x="7759810" y="1602996"/>
+            <a:ext cx="799747" cy="6"/>
           </a:xfrm>
           <a:prstGeom prst="straightConnector1">
             <a:avLst/>
@@ -6596,7 +7309,7 @@
         </p:nvSpPr>
         <p:spPr>
           <a:xfrm>
-            <a:off x="333867" y="1678596"/>
+            <a:off x="-363564" y="1372165"/>
             <a:ext cx="4312024" cy="461665"/>
           </a:xfrm>
           <a:prstGeom prst="rect">
@@ -6644,8 +7357,8 @@
         </p:nvSpPr>
         <p:spPr>
           <a:xfrm>
-            <a:off x="7270378" y="1501242"/>
-            <a:ext cx="4312024" cy="830997"/>
+            <a:off x="4432167" y="1002837"/>
+            <a:ext cx="3327643" cy="1200329"/>
           </a:xfrm>
           <a:prstGeom prst="rect">
             <a:avLst/>
@@ -6692,7 +7405,7 @@
         </p:nvSpPr>
         <p:spPr>
           <a:xfrm>
-            <a:off x="7270379" y="3886147"/>
+            <a:off x="8036120" y="1892045"/>
             <a:ext cx="4312024" cy="2308324"/>
           </a:xfrm>
           <a:prstGeom prst="rect">
@@ -6772,8 +7485,8 @@
         </p:nvSpPr>
         <p:spPr>
           <a:xfrm>
-            <a:off x="333867" y="4463524"/>
-            <a:ext cx="4282957" cy="830997"/>
+            <a:off x="319333" y="4343887"/>
+            <a:ext cx="2987584" cy="1200329"/>
           </a:xfrm>
           <a:prstGeom prst="rect">
             <a:avLst/>
@@ -6802,6 +7515,167 @@
                 </a:effectLst>
               </a:rPr>
               <a:t>Solución final y sustentación del trabajo realizado.</a:t>
+            </a:r>
+          </a:p>
+        </p:txBody>
+      </p:sp>
+      <p:sp>
+        <p:nvSpPr>
+          <p:cNvPr id="31" name="Rectángulo 30">
+            <a:extLst>
+              <a:ext uri="{FF2B5EF4-FFF2-40B4-BE49-F238E27FC236}">
+                <a16:creationId xmlns:a16="http://schemas.microsoft.com/office/drawing/2014/main" id="{EAF2544C-2386-4A77-A715-310DCED65A93}"/>
+              </a:ext>
+            </a:extLst>
+          </p:cNvPr>
+          <p:cNvSpPr/>
+          <p:nvPr/>
+        </p:nvSpPr>
+        <p:spPr>
+          <a:xfrm>
+            <a:off x="8559558" y="1187498"/>
+            <a:ext cx="3327654" cy="830997"/>
+          </a:xfrm>
+          <a:prstGeom prst="rect">
+            <a:avLst/>
+          </a:prstGeom>
+          <a:noFill/>
+        </p:spPr>
+        <p:txBody>
+          <a:bodyPr wrap="square" lIns="91440" tIns="45720" rIns="91440" bIns="45720">
+            <a:spAutoFit/>
+          </a:bodyPr>
+          <a:lstStyle/>
+          <a:p>
+            <a:pPr algn="ctr"/>
+            <a:r>
+              <a:rPr lang="es-ES" sz="2400" dirty="0">
+                <a:ln w="0"/>
+                <a:solidFill>
+                  <a:schemeClr val="bg1"/>
+                </a:solidFill>
+                <a:effectLst>
+                  <a:outerShdw blurRad="38100" dist="19050" dir="2700000" algn="tl" rotWithShape="0">
+                    <a:schemeClr val="dk1">
+                      <a:alpha val="40000"/>
+                    </a:schemeClr>
+                  </a:outerShdw>
+                </a:effectLst>
+              </a:rPr>
+              <a:t>Construcción de diagrama UML.</a:t>
+            </a:r>
+            <a:endParaRPr lang="es-ES" sz="2400" b="0" cap="none" spc="0" dirty="0">
+              <a:ln w="0"/>
+              <a:solidFill>
+                <a:schemeClr val="bg1"/>
+              </a:solidFill>
+              <a:effectLst>
+                <a:outerShdw blurRad="38100" dist="19050" dir="2700000" algn="tl" rotWithShape="0">
+                  <a:schemeClr val="dk1">
+                    <a:alpha val="40000"/>
+                  </a:schemeClr>
+                </a:outerShdw>
+              </a:effectLst>
+            </a:endParaRPr>
+          </a:p>
+        </p:txBody>
+      </p:sp>
+      <p:sp>
+        <p:nvSpPr>
+          <p:cNvPr id="36" name="Rectángulo 35">
+            <a:extLst>
+              <a:ext uri="{FF2B5EF4-FFF2-40B4-BE49-F238E27FC236}">
+                <a16:creationId xmlns:a16="http://schemas.microsoft.com/office/drawing/2014/main" id="{8C8FF6B1-7D44-451E-8631-AB65A9E45502}"/>
+              </a:ext>
+            </a:extLst>
+          </p:cNvPr>
+          <p:cNvSpPr/>
+          <p:nvPr/>
+        </p:nvSpPr>
+        <p:spPr>
+          <a:xfrm>
+            <a:off x="8559557" y="4199351"/>
+            <a:ext cx="3327643" cy="1359342"/>
+          </a:xfrm>
+          <a:prstGeom prst="rect">
+            <a:avLst/>
+          </a:prstGeom>
+          <a:noFill/>
+          <a:ln>
+            <a:solidFill>
+              <a:srgbClr val="FFC000"/>
+            </a:solidFill>
+          </a:ln>
+        </p:spPr>
+        <p:style>
+          <a:lnRef idx="2">
+            <a:schemeClr val="accent1">
+              <a:shade val="50000"/>
+            </a:schemeClr>
+          </a:lnRef>
+          <a:fillRef idx="1">
+            <a:schemeClr val="accent1"/>
+          </a:fillRef>
+          <a:effectRef idx="0">
+            <a:schemeClr val="accent1"/>
+          </a:effectRef>
+          <a:fontRef idx="minor">
+            <a:schemeClr val="lt1"/>
+          </a:fontRef>
+        </p:style>
+        <p:txBody>
+          <a:bodyPr rtlCol="0" anchor="ctr"/>
+          <a:lstStyle/>
+          <a:p>
+            <a:pPr algn="ctr"/>
+            <a:endParaRPr lang="es-419"/>
+          </a:p>
+        </p:txBody>
+      </p:sp>
+      <p:sp>
+        <p:nvSpPr>
+          <p:cNvPr id="37" name="Rectángulo 36">
+            <a:extLst>
+              <a:ext uri="{FF2B5EF4-FFF2-40B4-BE49-F238E27FC236}">
+                <a16:creationId xmlns:a16="http://schemas.microsoft.com/office/drawing/2014/main" id="{764CD734-47F9-4AEB-BD5E-1A96CEFD2BF9}"/>
+              </a:ext>
+            </a:extLst>
+          </p:cNvPr>
+          <p:cNvSpPr/>
+          <p:nvPr/>
+        </p:nvSpPr>
+        <p:spPr>
+          <a:xfrm>
+            <a:off x="8559557" y="4528554"/>
+            <a:ext cx="3298576" cy="830997"/>
+          </a:xfrm>
+          <a:prstGeom prst="rect">
+            <a:avLst/>
+          </a:prstGeom>
+          <a:noFill/>
+        </p:spPr>
+        <p:txBody>
+          <a:bodyPr wrap="square" lIns="91440" tIns="45720" rIns="91440" bIns="45720">
+            <a:spAutoFit/>
+          </a:bodyPr>
+          <a:lstStyle/>
+          <a:p>
+            <a:pPr algn="ctr"/>
+            <a:r>
+              <a:rPr lang="es-ES" sz="2400" b="0" cap="none" spc="0" dirty="0">
+                <a:ln w="0"/>
+                <a:solidFill>
+                  <a:schemeClr val="bg1"/>
+                </a:solidFill>
+                <a:effectLst>
+                  <a:outerShdw blurRad="38100" dist="19050" dir="2700000" algn="tl" rotWithShape="0">
+                    <a:schemeClr val="dk1">
+                      <a:alpha val="40000"/>
+                    </a:schemeClr>
+                  </a:outerShdw>
+                </a:effectLst>
+              </a:rPr>
+              <a:t>Creación de interfaz gráfica.</a:t>
             </a:r>
           </a:p>
         </p:txBody>
@@ -6819,197 +7693,7 @@
 </p:sld>
 </file>
 
-<file path=ppt/slides/slide7.xml><?xml version="1.0" encoding="utf-8"?>
-<p:sld xmlns:a="http://schemas.openxmlformats.org/drawingml/2006/main" xmlns:r="http://schemas.openxmlformats.org/officeDocument/2006/relationships" xmlns:p="http://schemas.openxmlformats.org/presentationml/2006/main">
-  <p:cSld>
-    <p:spTree>
-      <p:nvGrpSpPr>
-        <p:cNvPr id="1" name=""/>
-        <p:cNvGrpSpPr/>
-        <p:nvPr/>
-      </p:nvGrpSpPr>
-      <p:grpSpPr>
-        <a:xfrm>
-          <a:off x="0" y="0"/>
-          <a:ext cx="0" cy="0"/>
-          <a:chOff x="0" y="0"/>
-          <a:chExt cx="0" cy="0"/>
-        </a:xfrm>
-      </p:grpSpPr>
-      <p:pic>
-        <p:nvPicPr>
-          <p:cNvPr id="4" name="Picture 3">
-            <a:extLst>
-              <a:ext uri="{FF2B5EF4-FFF2-40B4-BE49-F238E27FC236}">
-                <a16:creationId xmlns:a16="http://schemas.microsoft.com/office/drawing/2014/main" id="{8C60EF36-931B-4336-9139-93E273112EBB}"/>
-              </a:ext>
-            </a:extLst>
-          </p:cNvPr>
-          <p:cNvPicPr>
-            <a:picLocks noChangeAspect="1"/>
-          </p:cNvPicPr>
-          <p:nvPr/>
-        </p:nvPicPr>
-        <p:blipFill rotWithShape="1">
-          <a:blip r:embed="rId2"/>
-          <a:srcRect t="9535" b="3926"/>
-          <a:stretch/>
-        </p:blipFill>
-        <p:spPr>
-          <a:xfrm>
-            <a:off x="0" y="10"/>
-            <a:ext cx="12191979" cy="6857990"/>
-          </a:xfrm>
-          <a:prstGeom prst="rect">
-            <a:avLst/>
-          </a:prstGeom>
-        </p:spPr>
-      </p:pic>
-      <p:sp>
-        <p:nvSpPr>
-          <p:cNvPr id="5" name="Rectángulo 4">
-            <a:extLst>
-              <a:ext uri="{FF2B5EF4-FFF2-40B4-BE49-F238E27FC236}">
-                <a16:creationId xmlns:a16="http://schemas.microsoft.com/office/drawing/2014/main" id="{A6EC0B43-15B8-456D-BC6B-8D357266BBA9}"/>
-              </a:ext>
-            </a:extLst>
-          </p:cNvPr>
-          <p:cNvSpPr/>
-          <p:nvPr/>
-        </p:nvSpPr>
-        <p:spPr>
-          <a:xfrm>
-            <a:off x="3923695" y="0"/>
-            <a:ext cx="4344587" cy="923330"/>
-          </a:xfrm>
-          <a:prstGeom prst="rect">
-            <a:avLst/>
-          </a:prstGeom>
-          <a:noFill/>
-        </p:spPr>
-        <p:txBody>
-          <a:bodyPr wrap="none" lIns="91440" tIns="45720" rIns="91440" bIns="45720">
-            <a:spAutoFit/>
-          </a:bodyPr>
-          <a:lstStyle/>
-          <a:p>
-            <a:pPr algn="ctr"/>
-            <a:r>
-              <a:rPr lang="es-ES" sz="5400" b="0" cap="none" spc="0" dirty="0">
-                <a:ln w="0"/>
-                <a:solidFill>
-                  <a:schemeClr val="bg1"/>
-                </a:solidFill>
-                <a:effectLst>
-                  <a:outerShdw blurRad="38100" dist="19050" dir="2700000" algn="tl" rotWithShape="0">
-                    <a:schemeClr val="dk1">
-                      <a:alpha val="40000"/>
-                    </a:schemeClr>
-                  </a:outerShdw>
-                </a:effectLst>
-              </a:rPr>
-              <a:t>Marco teórico:</a:t>
-            </a:r>
-          </a:p>
-        </p:txBody>
-      </p:sp>
-      <p:sp>
-        <p:nvSpPr>
-          <p:cNvPr id="6" name="Rectángulo 5">
-            <a:extLst>
-              <a:ext uri="{FF2B5EF4-FFF2-40B4-BE49-F238E27FC236}">
-                <a16:creationId xmlns:a16="http://schemas.microsoft.com/office/drawing/2014/main" id="{FA99C200-0A6E-4AC3-ABCD-E32E499F4D7F}"/>
-              </a:ext>
-            </a:extLst>
-          </p:cNvPr>
-          <p:cNvSpPr/>
-          <p:nvPr/>
-        </p:nvSpPr>
-        <p:spPr>
-          <a:xfrm>
-            <a:off x="-2" y="2136338"/>
-            <a:ext cx="12191979" cy="2585323"/>
-          </a:xfrm>
-          <a:prstGeom prst="rect">
-            <a:avLst/>
-          </a:prstGeom>
-          <a:noFill/>
-        </p:spPr>
-        <p:txBody>
-          <a:bodyPr wrap="square" lIns="91440" tIns="45720" rIns="91440" bIns="45720">
-            <a:spAutoFit/>
-          </a:bodyPr>
-          <a:lstStyle/>
-          <a:p>
-            <a:r>
-              <a:rPr lang="es-ES" sz="5400" b="0" cap="none" spc="0" dirty="0">
-                <a:ln w="0"/>
-                <a:solidFill>
-                  <a:schemeClr val="bg1"/>
-                </a:solidFill>
-                <a:effectLst>
-                  <a:outerShdw blurRad="38100" dist="19050" dir="2700000" algn="tl" rotWithShape="0">
-                    <a:schemeClr val="dk1">
-                      <a:alpha val="40000"/>
-                    </a:schemeClr>
-                  </a:outerShdw>
-                </a:effectLst>
-              </a:rPr>
-              <a:t>-Software</a:t>
-            </a:r>
-          </a:p>
-          <a:p>
-            <a:r>
-              <a:rPr lang="es-ES" sz="5400" dirty="0">
-                <a:ln w="0"/>
-                <a:solidFill>
-                  <a:schemeClr val="bg1"/>
-                </a:solidFill>
-                <a:effectLst>
-                  <a:outerShdw blurRad="38100" dist="19050" dir="2700000" algn="tl" rotWithShape="0">
-                    <a:schemeClr val="dk1">
-                      <a:alpha val="40000"/>
-                    </a:schemeClr>
-                  </a:outerShdw>
-                </a:effectLst>
-              </a:rPr>
-              <a:t>-Programación orientada a objetos</a:t>
-            </a:r>
-          </a:p>
-          <a:p>
-            <a:r>
-              <a:rPr lang="es-ES" sz="5400" b="0" cap="none" spc="0" dirty="0">
-                <a:ln w="0"/>
-                <a:solidFill>
-                  <a:schemeClr val="bg1"/>
-                </a:solidFill>
-                <a:effectLst>
-                  <a:outerShdw blurRad="38100" dist="19050" dir="2700000" algn="tl" rotWithShape="0">
-                    <a:schemeClr val="dk1">
-                      <a:alpha val="40000"/>
-                    </a:schemeClr>
-                  </a:outerShdw>
-                </a:effectLst>
-              </a:rPr>
-              <a:t>-Lenguaje de programación C#</a:t>
-            </a:r>
-          </a:p>
-        </p:txBody>
-      </p:sp>
-    </p:spTree>
-    <p:extLst>
-      <p:ext uri="{BB962C8B-B14F-4D97-AF65-F5344CB8AC3E}">
-        <p14:creationId xmlns:p14="http://schemas.microsoft.com/office/powerpoint/2010/main" val="1957248737"/>
-      </p:ext>
-    </p:extLst>
-  </p:cSld>
-  <p:clrMapOvr>
-    <a:masterClrMapping/>
-  </p:clrMapOvr>
-</p:sld>
-</file>
-
-<file path=ppt/slides/slide8.xml><?xml version="1.0" encoding="utf-8"?>
+<file path=ppt/slides/slide9.xml><?xml version="1.0" encoding="utf-8"?>
 <p:sld xmlns:a="http://schemas.openxmlformats.org/drawingml/2006/main" xmlns:r="http://schemas.openxmlformats.org/officeDocument/2006/relationships" xmlns:p="http://schemas.openxmlformats.org/presentationml/2006/main">
   <p:cSld>
     <p:spTree>
@@ -7287,113 +7971,6 @@
     <p:extLst>
       <p:ext uri="{BB962C8B-B14F-4D97-AF65-F5344CB8AC3E}">
         <p14:creationId xmlns:p14="http://schemas.microsoft.com/office/powerpoint/2010/main" val="2434059115"/>
-      </p:ext>
-    </p:extLst>
-  </p:cSld>
-  <p:clrMapOvr>
-    <a:masterClrMapping/>
-  </p:clrMapOvr>
-</p:sld>
-</file>
-
-<file path=ppt/slides/slide9.xml><?xml version="1.0" encoding="utf-8"?>
-<p:sld xmlns:a="http://schemas.openxmlformats.org/drawingml/2006/main" xmlns:r="http://schemas.openxmlformats.org/officeDocument/2006/relationships" xmlns:p="http://schemas.openxmlformats.org/presentationml/2006/main">
-  <p:cSld>
-    <p:spTree>
-      <p:nvGrpSpPr>
-        <p:cNvPr id="1" name=""/>
-        <p:cNvGrpSpPr/>
-        <p:nvPr/>
-      </p:nvGrpSpPr>
-      <p:grpSpPr>
-        <a:xfrm>
-          <a:off x="0" y="0"/>
-          <a:ext cx="0" cy="0"/>
-          <a:chOff x="0" y="0"/>
-          <a:chExt cx="0" cy="0"/>
-        </a:xfrm>
-      </p:grpSpPr>
-      <p:pic>
-        <p:nvPicPr>
-          <p:cNvPr id="4" name="Picture 3">
-            <a:extLst>
-              <a:ext uri="{FF2B5EF4-FFF2-40B4-BE49-F238E27FC236}">
-                <a16:creationId xmlns:a16="http://schemas.microsoft.com/office/drawing/2014/main" id="{2969FA04-4E11-420F-8D0A-5EE4A729EB42}"/>
-              </a:ext>
-            </a:extLst>
-          </p:cNvPr>
-          <p:cNvPicPr>
-            <a:picLocks noChangeAspect="1"/>
-          </p:cNvPicPr>
-          <p:nvPr/>
-        </p:nvPicPr>
-        <p:blipFill rotWithShape="1">
-          <a:blip r:embed="rId2"/>
-          <a:srcRect t="9535" b="3926"/>
-          <a:stretch/>
-        </p:blipFill>
-        <p:spPr>
-          <a:xfrm>
-            <a:off x="20" y="10"/>
-            <a:ext cx="12191979" cy="6857990"/>
-          </a:xfrm>
-          <a:prstGeom prst="rect">
-            <a:avLst/>
-          </a:prstGeom>
-        </p:spPr>
-      </p:pic>
-      <p:sp>
-        <p:nvSpPr>
-          <p:cNvPr id="5" name="Rectángulo 4">
-            <a:extLst>
-              <a:ext uri="{FF2B5EF4-FFF2-40B4-BE49-F238E27FC236}">
-                <a16:creationId xmlns:a16="http://schemas.microsoft.com/office/drawing/2014/main" id="{D103DCE1-3905-4B02-B46F-E33809D3216A}"/>
-              </a:ext>
-            </a:extLst>
-          </p:cNvPr>
-          <p:cNvSpPr/>
-          <p:nvPr/>
-        </p:nvSpPr>
-        <p:spPr>
-          <a:xfrm>
-            <a:off x="4287171" y="0"/>
-            <a:ext cx="3617658" cy="923330"/>
-          </a:xfrm>
-          <a:prstGeom prst="rect">
-            <a:avLst/>
-          </a:prstGeom>
-          <a:noFill/>
-        </p:spPr>
-        <p:txBody>
-          <a:bodyPr wrap="none" lIns="91440" tIns="45720" rIns="91440" bIns="45720">
-            <a:spAutoFit/>
-          </a:bodyPr>
-          <a:lstStyle/>
-          <a:p>
-            <a:pPr algn="ctr"/>
-            <a:r>
-              <a:rPr lang="es-ES" sz="5400" b="0" cap="none" spc="0" dirty="0">
-                <a:ln w="0"/>
-                <a:solidFill>
-                  <a:schemeClr val="bg1"/>
-                </a:solidFill>
-                <a:effectLst>
-                  <a:outerShdw blurRad="38100" dist="19050" dir="2700000" algn="tl" rotWithShape="0">
-                    <a:schemeClr val="dk1">
-                      <a:alpha val="40000"/>
-                    </a:schemeClr>
-                  </a:outerShdw>
-                </a:effectLst>
-              </a:rPr>
-              <a:t>Resultados:</a:t>
-            </a:r>
-          </a:p>
-        </p:txBody>
-      </p:sp>
-    </p:spTree>
-    <p:extLst>
-      <p:ext uri="{BB962C8B-B14F-4D97-AF65-F5344CB8AC3E}">
-        <p14:creationId xmlns:p14="http://schemas.microsoft.com/office/powerpoint/2010/main" val="2758517890"/>
       </p:ext>
     </p:extLst>
   </p:cSld>

--- a/ptimera wpf/Proyecto de semestre.pptx
+++ b/ptimera wpf/Proyecto de semestre.pptx
@@ -125,7 +125,7 @@
 <file path=ppt/revisionInfo.xml><?xml version="1.0" encoding="utf-8"?>
 <p1510:revInfo xmlns:a="http://schemas.openxmlformats.org/drawingml/2006/main" xmlns:r="http://schemas.openxmlformats.org/officeDocument/2006/relationships" xmlns:p1510="http://schemas.microsoft.com/office/powerpoint/2015/10/main">
   <p1510:revLst>
-    <p1510:client id="{DAD87656-F046-4098-A41F-B67A8327FA3A}" v="30" dt="2019-10-30T00:43:51.580"/>
+    <p1510:client id="{DAD87656-F046-4098-A41F-B67A8327FA3A}" v="34" dt="2019-10-30T01:30:58.307"/>
   </p1510:revLst>
 </p1510:revInfo>
 </file>
@@ -135,7 +135,7 @@
   <pc:docChgLst>
     <pc:chgData name="Juan Pablo Pérez Quintero" userId="6fe6871bd987dafa" providerId="LiveId" clId="{DAD87656-F046-4098-A41F-B67A8327FA3A}"/>
     <pc:docChg chg="undo custSel addSld delSld modSld sldOrd">
-      <pc:chgData name="Juan Pablo Pérez Quintero" userId="6fe6871bd987dafa" providerId="LiveId" clId="{DAD87656-F046-4098-A41F-B67A8327FA3A}" dt="2019-10-30T00:43:53.930" v="1939" actId="20577"/>
+      <pc:chgData name="Juan Pablo Pérez Quintero" userId="6fe6871bd987dafa" providerId="LiveId" clId="{DAD87656-F046-4098-A41F-B67A8327FA3A}" dt="2019-10-30T01:31:07.142" v="1971" actId="14100"/>
       <pc:docMkLst>
         <pc:docMk/>
       </pc:docMkLst>
@@ -338,7 +338,7 @@
         </pc:spChg>
       </pc:sldChg>
       <pc:sldChg chg="addSp modSp">
-        <pc:chgData name="Juan Pablo Pérez Quintero" userId="6fe6871bd987dafa" providerId="LiveId" clId="{DAD87656-F046-4098-A41F-B67A8327FA3A}" dt="2019-10-30T00:32:30.302" v="1100" actId="1076"/>
+        <pc:chgData name="Juan Pablo Pérez Quintero" userId="6fe6871bd987dafa" providerId="LiveId" clId="{DAD87656-F046-4098-A41F-B67A8327FA3A}" dt="2019-10-30T01:31:07.142" v="1971" actId="14100"/>
         <pc:sldMkLst>
           <pc:docMk/>
           <pc:sldMk cId="1805812107" sldId="266"/>
@@ -392,7 +392,7 @@
           </ac:spMkLst>
         </pc:spChg>
         <pc:spChg chg="mod">
-          <ac:chgData name="Juan Pablo Pérez Quintero" userId="6fe6871bd987dafa" providerId="LiveId" clId="{DAD87656-F046-4098-A41F-B67A8327FA3A}" dt="2019-10-30T00:32:30.302" v="1100" actId="1076"/>
+          <ac:chgData name="Juan Pablo Pérez Quintero" userId="6fe6871bd987dafa" providerId="LiveId" clId="{DAD87656-F046-4098-A41F-B67A8327FA3A}" dt="2019-10-30T01:30:14.480" v="1963" actId="14100"/>
           <ac:spMkLst>
             <pc:docMk/>
             <pc:sldMk cId="1805812107" sldId="266"/>
@@ -405,6 +405,14 @@
             <pc:docMk/>
             <pc:sldMk cId="1805812107" sldId="266"/>
             <ac:spMk id="18" creationId="{37327442-9B11-4CFA-9692-9337B01CC0B0}"/>
+          </ac:spMkLst>
+        </pc:spChg>
+        <pc:spChg chg="add mod">
+          <ac:chgData name="Juan Pablo Pérez Quintero" userId="6fe6871bd987dafa" providerId="LiveId" clId="{DAD87656-F046-4098-A41F-B67A8327FA3A}" dt="2019-10-30T01:30:08.999" v="1960" actId="1076"/>
+          <ac:spMkLst>
+            <pc:docMk/>
+            <pc:sldMk cId="1805812107" sldId="266"/>
+            <ac:spMk id="20" creationId="{E1EE9278-2E86-4F9D-8D37-585A719130F4}"/>
           </ac:spMkLst>
         </pc:spChg>
         <pc:spChg chg="add mod">
@@ -439,8 +447,16 @@
             <ac:picMk id="4" creationId="{8B488B4C-C07C-42C5-83A9-DC14D51A894F}"/>
           </ac:picMkLst>
         </pc:picChg>
+        <pc:cxnChg chg="add mod">
+          <ac:chgData name="Juan Pablo Pérez Quintero" userId="6fe6871bd987dafa" providerId="LiveId" clId="{DAD87656-F046-4098-A41F-B67A8327FA3A}" dt="2019-10-30T01:29:16.716" v="1951" actId="1582"/>
+          <ac:cxnSpMkLst>
+            <pc:docMk/>
+            <pc:sldMk cId="1805812107" sldId="266"/>
+            <ac:cxnSpMk id="3" creationId="{68C7D18E-F3FA-439E-BFBC-0858691C66C4}"/>
+          </ac:cxnSpMkLst>
+        </pc:cxnChg>
         <pc:cxnChg chg="mod">
-          <ac:chgData name="Juan Pablo Pérez Quintero" userId="6fe6871bd987dafa" providerId="LiveId" clId="{DAD87656-F046-4098-A41F-B67A8327FA3A}" dt="2019-10-30T00:22:24.185" v="948" actId="1076"/>
+          <ac:chgData name="Juan Pablo Pérez Quintero" userId="6fe6871bd987dafa" providerId="LiveId" clId="{DAD87656-F046-4098-A41F-B67A8327FA3A}" dt="2019-10-30T01:26:40.306" v="1946" actId="1582"/>
           <ac:cxnSpMkLst>
             <pc:docMk/>
             <pc:sldMk cId="1805812107" sldId="266"/>
@@ -448,7 +464,7 @@
           </ac:cxnSpMkLst>
         </pc:cxnChg>
         <pc:cxnChg chg="mod">
-          <ac:chgData name="Juan Pablo Pérez Quintero" userId="6fe6871bd987dafa" providerId="LiveId" clId="{DAD87656-F046-4098-A41F-B67A8327FA3A}" dt="2019-10-30T00:31:51.879" v="1090" actId="1076"/>
+          <ac:chgData name="Juan Pablo Pérez Quintero" userId="6fe6871bd987dafa" providerId="LiveId" clId="{DAD87656-F046-4098-A41F-B67A8327FA3A}" dt="2019-10-30T01:30:48.995" v="1967" actId="1582"/>
           <ac:cxnSpMkLst>
             <pc:docMk/>
             <pc:sldMk cId="1805812107" sldId="266"/>
@@ -456,11 +472,19 @@
           </ac:cxnSpMkLst>
         </pc:cxnChg>
         <pc:cxnChg chg="mod">
-          <ac:chgData name="Juan Pablo Pérez Quintero" userId="6fe6871bd987dafa" providerId="LiveId" clId="{DAD87656-F046-4098-A41F-B67A8327FA3A}" dt="2019-10-30T00:26:25.989" v="1011" actId="1076"/>
+          <ac:chgData name="Juan Pablo Pérez Quintero" userId="6fe6871bd987dafa" providerId="LiveId" clId="{DAD87656-F046-4098-A41F-B67A8327FA3A}" dt="2019-10-30T01:26:58.175" v="1947" actId="1582"/>
           <ac:cxnSpMkLst>
             <pc:docMk/>
             <pc:sldMk cId="1805812107" sldId="266"/>
             <ac:cxnSpMk id="14" creationId="{11551E25-CF69-4417-ACA2-F3DA16D837F0}"/>
+          </ac:cxnSpMkLst>
+        </pc:cxnChg>
+        <pc:cxnChg chg="add mod">
+          <ac:chgData name="Juan Pablo Pérez Quintero" userId="6fe6871bd987dafa" providerId="LiveId" clId="{DAD87656-F046-4098-A41F-B67A8327FA3A}" dt="2019-10-30T01:31:07.142" v="1971" actId="14100"/>
+          <ac:cxnSpMkLst>
+            <pc:docMk/>
+            <pc:sldMk cId="1805812107" sldId="266"/>
+            <ac:cxnSpMk id="23" creationId="{91828470-0D04-467C-AD4B-41C9589CF1FA}"/>
           </ac:cxnSpMkLst>
         </pc:cxnChg>
       </pc:sldChg>
@@ -512,7 +536,7 @@
         </pc:picChg>
       </pc:sldChg>
       <pc:sldChg chg="addSp delSp modSp add">
-        <pc:chgData name="Juan Pablo Pérez Quintero" userId="6fe6871bd987dafa" providerId="LiveId" clId="{DAD87656-F046-4098-A41F-B67A8327FA3A}" dt="2019-10-30T00:43:53.930" v="1939" actId="20577"/>
+        <pc:chgData name="Juan Pablo Pérez Quintero" userId="6fe6871bd987dafa" providerId="LiveId" clId="{DAD87656-F046-4098-A41F-B67A8327FA3A}" dt="2019-10-30T01:24:13.709" v="1945" actId="1076"/>
         <pc:sldMkLst>
           <pc:docMk/>
           <pc:sldMk cId="2093812207" sldId="268"/>
@@ -541,6 +565,14 @@
             <ac:spMk id="5" creationId="{3CD72518-307F-4565-9EAA-BD17204FA8B9}"/>
           </ac:spMkLst>
         </pc:spChg>
+        <pc:picChg chg="add mod">
+          <ac:chgData name="Juan Pablo Pérez Quintero" userId="6fe6871bd987dafa" providerId="LiveId" clId="{DAD87656-F046-4098-A41F-B67A8327FA3A}" dt="2019-10-30T01:24:13.709" v="1945" actId="1076"/>
+          <ac:picMkLst>
+            <pc:docMk/>
+            <pc:sldMk cId="2093812207" sldId="268"/>
+            <ac:picMk id="3" creationId="{255D7DD3-ACFB-4FB1-AC74-14452DEC3434}"/>
+          </ac:picMkLst>
+        </pc:picChg>
         <pc:picChg chg="add">
           <ac:chgData name="Juan Pablo Pérez Quintero" userId="6fe6871bd987dafa" providerId="LiveId" clId="{DAD87656-F046-4098-A41F-B67A8327FA3A}" dt="2019-10-30T00:43:06.810" v="1907"/>
           <ac:picMkLst>
@@ -6844,6 +6876,42 @@
           </a:p>
         </p:txBody>
       </p:sp>
+      <p:pic>
+        <p:nvPicPr>
+          <p:cNvPr id="3" name="Imagen 2" descr="Captura de pantalla de un celular&#10;&#10;Descripción generada automáticamente">
+            <a:extLst>
+              <a:ext uri="{FF2B5EF4-FFF2-40B4-BE49-F238E27FC236}">
+                <a16:creationId xmlns:a16="http://schemas.microsoft.com/office/drawing/2014/main" id="{255D7DD3-ACFB-4FB1-AC74-14452DEC3434}"/>
+              </a:ext>
+            </a:extLst>
+          </p:cNvPr>
+          <p:cNvPicPr>
+            <a:picLocks noChangeAspect="1"/>
+          </p:cNvPicPr>
+          <p:nvPr/>
+        </p:nvPicPr>
+        <p:blipFill>
+          <a:blip r:embed="rId3">
+            <a:extLst>
+              <a:ext uri="{28A0092B-C50C-407E-A947-70E740481C1C}">
+                <a14:useLocalDpi xmlns:a14="http://schemas.microsoft.com/office/drawing/2010/main" val="0"/>
+              </a:ext>
+            </a:extLst>
+          </a:blip>
+          <a:stretch>
+            <a:fillRect/>
+          </a:stretch>
+        </p:blipFill>
+        <p:spPr>
+          <a:xfrm>
+            <a:off x="3835124" y="1155425"/>
+            <a:ext cx="4603814" cy="5268449"/>
+          </a:xfrm>
+          <a:prstGeom prst="rect">
+            <a:avLst/>
+          </a:prstGeom>
+        </p:spPr>
+      </p:pic>
     </p:spTree>
     <p:extLst>
       <p:ext uri="{BB962C8B-B14F-4D97-AF65-F5344CB8AC3E}">
@@ -7183,7 +7251,7 @@
           <a:prstGeom prst="straightConnector1">
             <a:avLst/>
           </a:prstGeom>
-          <a:ln>
+          <a:ln w="57150">
             <a:solidFill>
               <a:srgbClr val="FFC000"/>
             </a:solidFill>
@@ -7216,18 +7284,20 @@
           </p:cNvPr>
           <p:cNvCxnSpPr>
             <a:cxnSpLocks/>
+            <a:stCxn id="20" idx="1"/>
+            <a:endCxn id="18" idx="3"/>
           </p:cNvCxnSpPr>
           <p:nvPr/>
         </p:nvCxnSpPr>
         <p:spPr>
           <a:xfrm flipH="1">
-            <a:off x="2460812" y="2779694"/>
-            <a:ext cx="2304985" cy="0"/>
+            <a:off x="3306917" y="4944045"/>
+            <a:ext cx="390263" cy="7"/>
           </a:xfrm>
           <a:prstGeom prst="straightConnector1">
             <a:avLst/>
           </a:prstGeom>
-          <a:ln>
+          <a:ln w="57150">
             <a:solidFill>
               <a:srgbClr val="FFC000"/>
             </a:solidFill>
@@ -7273,7 +7343,7 @@
           <a:prstGeom prst="straightConnector1">
             <a:avLst/>
           </a:prstGeom>
-          <a:ln>
+          <a:ln w="57150">
             <a:solidFill>
               <a:srgbClr val="FFC000"/>
             </a:solidFill>
@@ -7405,8 +7475,8 @@
         </p:nvSpPr>
         <p:spPr>
           <a:xfrm>
-            <a:off x="8036120" y="1892045"/>
-            <a:ext cx="4312024" cy="2308324"/>
+            <a:off x="3697180" y="3789889"/>
+            <a:ext cx="4506634" cy="2308324"/>
           </a:xfrm>
           <a:prstGeom prst="rect">
             <a:avLst/>
@@ -7680,6 +7750,146 @@
           </a:p>
         </p:txBody>
       </p:sp>
+      <p:cxnSp>
+        <p:nvCxnSpPr>
+          <p:cNvPr id="3" name="Conector recto de flecha 2">
+            <a:extLst>
+              <a:ext uri="{FF2B5EF4-FFF2-40B4-BE49-F238E27FC236}">
+                <a16:creationId xmlns:a16="http://schemas.microsoft.com/office/drawing/2014/main" id="{68C7D18E-F3FA-439E-BFBC-0858691C66C4}"/>
+              </a:ext>
+            </a:extLst>
+          </p:cNvPr>
+          <p:cNvCxnSpPr>
+            <a:stCxn id="7" idx="2"/>
+          </p:cNvCxnSpPr>
+          <p:nvPr/>
+        </p:nvCxnSpPr>
+        <p:spPr>
+          <a:xfrm flipH="1">
+            <a:off x="10223378" y="2282667"/>
+            <a:ext cx="1" cy="1916684"/>
+          </a:xfrm>
+          <a:prstGeom prst="straightConnector1">
+            <a:avLst/>
+          </a:prstGeom>
+          <a:ln w="57150">
+            <a:solidFill>
+              <a:srgbClr val="FFC000"/>
+            </a:solidFill>
+            <a:tailEnd type="triangle"/>
+          </a:ln>
+        </p:spPr>
+        <p:style>
+          <a:lnRef idx="1">
+            <a:schemeClr val="accent1"/>
+          </a:lnRef>
+          <a:fillRef idx="0">
+            <a:schemeClr val="accent1"/>
+          </a:fillRef>
+          <a:effectRef idx="0">
+            <a:schemeClr val="accent1"/>
+          </a:effectRef>
+          <a:fontRef idx="minor">
+            <a:schemeClr val="tx1"/>
+          </a:fontRef>
+        </p:style>
+      </p:cxnSp>
+      <p:sp>
+        <p:nvSpPr>
+          <p:cNvPr id="20" name="Rectángulo 19">
+            <a:extLst>
+              <a:ext uri="{FF2B5EF4-FFF2-40B4-BE49-F238E27FC236}">
+                <a16:creationId xmlns:a16="http://schemas.microsoft.com/office/drawing/2014/main" id="{E1EE9278-2E86-4F9D-8D37-585A719130F4}"/>
+              </a:ext>
+            </a:extLst>
+          </p:cNvPr>
+          <p:cNvSpPr/>
+          <p:nvPr/>
+        </p:nvSpPr>
+        <p:spPr>
+          <a:xfrm>
+            <a:off x="3697180" y="3789889"/>
+            <a:ext cx="4506634" cy="2308312"/>
+          </a:xfrm>
+          <a:prstGeom prst="rect">
+            <a:avLst/>
+          </a:prstGeom>
+          <a:noFill/>
+          <a:ln>
+            <a:solidFill>
+              <a:srgbClr val="FFC000"/>
+            </a:solidFill>
+          </a:ln>
+        </p:spPr>
+        <p:style>
+          <a:lnRef idx="2">
+            <a:schemeClr val="accent1">
+              <a:shade val="50000"/>
+            </a:schemeClr>
+          </a:lnRef>
+          <a:fillRef idx="1">
+            <a:schemeClr val="accent1"/>
+          </a:fillRef>
+          <a:effectRef idx="0">
+            <a:schemeClr val="accent1"/>
+          </a:effectRef>
+          <a:fontRef idx="minor">
+            <a:schemeClr val="lt1"/>
+          </a:fontRef>
+        </p:style>
+        <p:txBody>
+          <a:bodyPr rtlCol="0" anchor="ctr"/>
+          <a:lstStyle/>
+          <a:p>
+            <a:pPr algn="ctr"/>
+            <a:endParaRPr lang="es-419"/>
+          </a:p>
+        </p:txBody>
+      </p:sp>
+      <p:cxnSp>
+        <p:nvCxnSpPr>
+          <p:cNvPr id="23" name="Conector recto de flecha 22">
+            <a:extLst>
+              <a:ext uri="{FF2B5EF4-FFF2-40B4-BE49-F238E27FC236}">
+                <a16:creationId xmlns:a16="http://schemas.microsoft.com/office/drawing/2014/main" id="{91828470-0D04-467C-AD4B-41C9589CF1FA}"/>
+              </a:ext>
+            </a:extLst>
+          </p:cNvPr>
+          <p:cNvCxnSpPr>
+            <a:cxnSpLocks/>
+          </p:cNvCxnSpPr>
+          <p:nvPr/>
+        </p:nvCxnSpPr>
+        <p:spPr>
+          <a:xfrm flipH="1">
+            <a:off x="8203815" y="4879022"/>
+            <a:ext cx="355742" cy="0"/>
+          </a:xfrm>
+          <a:prstGeom prst="straightConnector1">
+            <a:avLst/>
+          </a:prstGeom>
+          <a:ln w="57150">
+            <a:solidFill>
+              <a:srgbClr val="FFC000"/>
+            </a:solidFill>
+            <a:tailEnd type="triangle"/>
+          </a:ln>
+        </p:spPr>
+        <p:style>
+          <a:lnRef idx="1">
+            <a:schemeClr val="dk1"/>
+          </a:lnRef>
+          <a:fillRef idx="0">
+            <a:schemeClr val="dk1"/>
+          </a:fillRef>
+          <a:effectRef idx="0">
+            <a:schemeClr val="dk1"/>
+          </a:effectRef>
+          <a:fontRef idx="minor">
+            <a:schemeClr val="tx1"/>
+          </a:fontRef>
+        </p:style>
+      </p:cxnSp>
     </p:spTree>
     <p:extLst>
       <p:ext uri="{BB962C8B-B14F-4D97-AF65-F5344CB8AC3E}">

--- a/ptimera wpf/Proyecto de semestre.pptx
+++ b/ptimera wpf/Proyecto de semestre.pptx
@@ -16,6 +16,7 @@
     <p:sldId id="261" r:id="rId10"/>
     <p:sldId id="264" r:id="rId11"/>
     <p:sldId id="265" r:id="rId12"/>
+    <p:sldId id="269" r:id="rId13"/>
   </p:sldIdLst>
   <p:sldSz cx="12192000" cy="6858000"/>
   <p:notesSz cx="6858000" cy="9144000"/>
@@ -1056,7 +1057,7 @@
           <a:p>
             <a:fld id="{EA0C0817-A112-4847-8014-A94B7D2A4EA3}" type="datetime1">
               <a:rPr lang="en-US" smtClean="0"/>
-              <a:t>10/29/2019</a:t>
+              <a:t>10/31/2019</a:t>
             </a:fld>
             <a:endParaRPr lang="en-US" dirty="0"/>
           </a:p>
@@ -1258,7 +1259,7 @@
           <a:p>
             <a:fld id="{134F40B7-36AB-4376-BE14-EF7004D79BB9}" type="datetime1">
               <a:rPr lang="en-US" smtClean="0"/>
-              <a:t>10/29/2019</a:t>
+              <a:t>10/31/2019</a:t>
             </a:fld>
             <a:endParaRPr lang="en-US"/>
           </a:p>
@@ -1438,7 +1439,7 @@
           <a:p>
             <a:fld id="{FF87CAB8-DCAE-46A5-AADA-B3FAD11A54E0}" type="datetime1">
               <a:rPr lang="en-US" smtClean="0"/>
-              <a:t>10/29/2019</a:t>
+              <a:t>10/31/2019</a:t>
             </a:fld>
             <a:endParaRPr lang="en-US"/>
           </a:p>
@@ -1608,7 +1609,7 @@
           <a:p>
             <a:fld id="{7332B432-ACDA-4023-A761-2BAB76577B62}" type="datetime1">
               <a:rPr lang="en-US" smtClean="0"/>
-              <a:t>10/29/2019</a:t>
+              <a:t>10/31/2019</a:t>
             </a:fld>
             <a:endParaRPr lang="en-US"/>
           </a:p>
@@ -2207,7 +2208,7 @@
           <a:p>
             <a:fld id="{D9C646AA-F36E-4540-911D-FFFC0A0EF24A}" type="datetime1">
               <a:rPr lang="en-US" smtClean="0"/>
-              <a:t>10/29/2019</a:t>
+              <a:t>10/31/2019</a:t>
             </a:fld>
             <a:endParaRPr lang="en-US" dirty="0"/>
           </a:p>
@@ -2527,7 +2528,7 @@
           <a:p>
             <a:fld id="{69186D26-FA5F-4637-B602-B7C2DC34CFD4}" type="datetime1">
               <a:rPr lang="en-US" smtClean="0"/>
-              <a:t>10/29/2019</a:t>
+              <a:t>10/31/2019</a:t>
             </a:fld>
             <a:endParaRPr lang="en-US"/>
           </a:p>
@@ -2962,7 +2963,7 @@
           <a:p>
             <a:fld id="{8A7F15D8-96D1-4781-BC50-CA8A088B2FE4}" type="datetime1">
               <a:rPr lang="en-US" smtClean="0"/>
-              <a:t>10/29/2019</a:t>
+              <a:t>10/31/2019</a:t>
             </a:fld>
             <a:endParaRPr lang="en-US"/>
           </a:p>
@@ -3080,7 +3081,7 @@
           <a:p>
             <a:fld id="{F9A96C99-B8F8-4528-BD05-0E16E943DC09}" type="datetime1">
               <a:rPr lang="en-US" smtClean="0"/>
-              <a:t>10/29/2019</a:t>
+              <a:t>10/31/2019</a:t>
             </a:fld>
             <a:endParaRPr lang="en-US"/>
           </a:p>
@@ -3175,7 +3176,7 @@
           <a:p>
             <a:fld id="{03636942-C211-4B28-8DBD-C953E00AF71B}" type="datetime1">
               <a:rPr lang="en-US" smtClean="0"/>
-              <a:t>10/29/2019</a:t>
+              <a:t>10/31/2019</a:t>
             </a:fld>
             <a:endParaRPr lang="en-US"/>
           </a:p>
@@ -3592,7 +3593,7 @@
           <a:p>
             <a:fld id="{7E8D12A6-918A-48BD-8CB9-CA713993B0EA}" type="datetime1">
               <a:rPr lang="en-US" smtClean="0"/>
-              <a:t>10/29/2019</a:t>
+              <a:t>10/31/2019</a:t>
             </a:fld>
             <a:endParaRPr lang="en-US"/>
           </a:p>
@@ -3854,7 +3855,7 @@
             <a:fld id="{E778CE86-875F-4587-BCF6-FA054AFC0D53}" type="datetime1">
               <a:rPr lang="en-US" smtClean="0"/>
               <a:pPr/>
-              <a:t>10/29/2019</a:t>
+              <a:t>10/31/2019</a:t>
             </a:fld>
             <a:endParaRPr lang="en-US" dirty="0"/>
           </a:p>
@@ -4370,7 +4371,7 @@
           <a:p>
             <a:fld id="{F6FA2B21-3FCD-4721-B95C-427943F61125}" type="datetime1">
               <a:rPr lang="en-US" smtClean="0"/>
-              <a:t>10/29/2019</a:t>
+              <a:t>10/31/2019</a:t>
             </a:fld>
             <a:endParaRPr lang="en-US"/>
           </a:p>
@@ -5530,6 +5531,326 @@
 </p:sld>
 </file>
 
+<file path=ppt/slides/slide12.xml><?xml version="1.0" encoding="utf-8"?>
+<p:sld xmlns:a="http://schemas.openxmlformats.org/drawingml/2006/main" xmlns:r="http://schemas.openxmlformats.org/officeDocument/2006/relationships" xmlns:p="http://schemas.openxmlformats.org/presentationml/2006/main">
+  <p:cSld>
+    <p:spTree>
+      <p:nvGrpSpPr>
+        <p:cNvPr id="1" name=""/>
+        <p:cNvGrpSpPr/>
+        <p:nvPr/>
+      </p:nvGrpSpPr>
+      <p:grpSpPr>
+        <a:xfrm>
+          <a:off x="0" y="0"/>
+          <a:ext cx="0" cy="0"/>
+          <a:chOff x="0" y="0"/>
+          <a:chExt cx="0" cy="0"/>
+        </a:xfrm>
+      </p:grpSpPr>
+      <p:pic>
+        <p:nvPicPr>
+          <p:cNvPr id="4" name="Picture 3">
+            <a:extLst>
+              <a:ext uri="{FF2B5EF4-FFF2-40B4-BE49-F238E27FC236}">
+                <a16:creationId xmlns:a16="http://schemas.microsoft.com/office/drawing/2014/main" id="{466DC674-936E-4E01-9D3C-C9855316F433}"/>
+              </a:ext>
+            </a:extLst>
+          </p:cNvPr>
+          <p:cNvPicPr>
+            <a:picLocks noChangeAspect="1"/>
+          </p:cNvPicPr>
+          <p:nvPr/>
+        </p:nvPicPr>
+        <p:blipFill rotWithShape="1">
+          <a:blip r:embed="rId2"/>
+          <a:srcRect t="9535" b="3926"/>
+          <a:stretch/>
+        </p:blipFill>
+        <p:spPr>
+          <a:xfrm>
+            <a:off x="20" y="10"/>
+            <a:ext cx="12191979" cy="6857990"/>
+          </a:xfrm>
+          <a:prstGeom prst="rect">
+            <a:avLst/>
+          </a:prstGeom>
+        </p:spPr>
+      </p:pic>
+      <p:sp>
+        <p:nvSpPr>
+          <p:cNvPr id="5" name="Rectángulo 4">
+            <a:extLst>
+              <a:ext uri="{FF2B5EF4-FFF2-40B4-BE49-F238E27FC236}">
+                <a16:creationId xmlns:a16="http://schemas.microsoft.com/office/drawing/2014/main" id="{8C883640-977C-472E-BBA4-AF181913575F}"/>
+              </a:ext>
+            </a:extLst>
+          </p:cNvPr>
+          <p:cNvSpPr/>
+          <p:nvPr/>
+        </p:nvSpPr>
+        <p:spPr>
+          <a:xfrm>
+            <a:off x="4189195" y="0"/>
+            <a:ext cx="3813609" cy="923330"/>
+          </a:xfrm>
+          <a:prstGeom prst="rect">
+            <a:avLst/>
+          </a:prstGeom>
+          <a:noFill/>
+        </p:spPr>
+        <p:txBody>
+          <a:bodyPr wrap="none" lIns="91440" tIns="45720" rIns="91440" bIns="45720">
+            <a:spAutoFit/>
+          </a:bodyPr>
+          <a:lstStyle/>
+          <a:p>
+            <a:pPr algn="ctr"/>
+            <a:r>
+              <a:rPr lang="es-ES" sz="5400" dirty="0">
+                <a:ln w="0"/>
+                <a:solidFill>
+                  <a:schemeClr val="bg1"/>
+                </a:solidFill>
+                <a:effectLst>
+                  <a:outerShdw blurRad="38100" dist="19050" dir="2700000" algn="tl" rotWithShape="0">
+                    <a:schemeClr val="dk1">
+                      <a:alpha val="40000"/>
+                    </a:schemeClr>
+                  </a:outerShdw>
+                </a:effectLst>
+              </a:rPr>
+              <a:t>R</a:t>
+            </a:r>
+            <a:r>
+              <a:rPr lang="es-ES" sz="5400" b="0" cap="none" spc="0" dirty="0">
+                <a:ln w="0"/>
+                <a:solidFill>
+                  <a:schemeClr val="bg1"/>
+                </a:solidFill>
+                <a:effectLst>
+                  <a:outerShdw blurRad="38100" dist="19050" dir="2700000" algn="tl" rotWithShape="0">
+                    <a:schemeClr val="dk1">
+                      <a:alpha val="40000"/>
+                    </a:schemeClr>
+                  </a:outerShdw>
+                </a:effectLst>
+              </a:rPr>
+              <a:t>eferencias:</a:t>
+            </a:r>
+          </a:p>
+        </p:txBody>
+      </p:sp>
+      <p:sp>
+        <p:nvSpPr>
+          <p:cNvPr id="6" name="Rectángulo 5">
+            <a:extLst>
+              <a:ext uri="{FF2B5EF4-FFF2-40B4-BE49-F238E27FC236}">
+                <a16:creationId xmlns:a16="http://schemas.microsoft.com/office/drawing/2014/main" id="{4F973A37-2AB5-4408-80C8-1E17E59DDA5A}"/>
+              </a:ext>
+            </a:extLst>
+          </p:cNvPr>
+          <p:cNvSpPr/>
+          <p:nvPr/>
+        </p:nvSpPr>
+        <p:spPr>
+          <a:xfrm>
+            <a:off x="-20" y="1351508"/>
+            <a:ext cx="12192000" cy="5078313"/>
+          </a:xfrm>
+          <a:prstGeom prst="rect">
+            <a:avLst/>
+          </a:prstGeom>
+          <a:noFill/>
+        </p:spPr>
+        <p:txBody>
+          <a:bodyPr wrap="square" lIns="91440" tIns="45720" rIns="91440" bIns="45720">
+            <a:spAutoFit/>
+          </a:bodyPr>
+          <a:lstStyle/>
+          <a:p>
+            <a:r>
+              <a:rPr lang="es-ES" sz="5400" b="0" cap="none" spc="0" dirty="0">
+                <a:ln w="0"/>
+                <a:solidFill>
+                  <a:schemeClr val="bg1"/>
+                </a:solidFill>
+                <a:effectLst>
+                  <a:outerShdw blurRad="38100" dist="19050" dir="2700000" algn="tl" rotWithShape="0">
+                    <a:schemeClr val="dk1">
+                      <a:alpha val="40000"/>
+                    </a:schemeClr>
+                  </a:outerShdw>
+                </a:effectLst>
+              </a:rPr>
+              <a:t>-Juan Francisco Javier</a:t>
+            </a:r>
+          </a:p>
+          <a:p>
+            <a:r>
+              <a:rPr lang="es-ES" sz="5400" dirty="0">
+                <a:ln w="0"/>
+                <a:solidFill>
+                  <a:schemeClr val="bg1"/>
+                </a:solidFill>
+                <a:effectLst>
+                  <a:outerShdw blurRad="38100" dist="19050" dir="2700000" algn="tl" rotWithShape="0">
+                    <a:schemeClr val="dk1">
+                      <a:alpha val="40000"/>
+                    </a:schemeClr>
+                  </a:outerShdw>
+                </a:effectLst>
+              </a:rPr>
+              <a:t>-Diana Teresa Gómez Forero</a:t>
+            </a:r>
+          </a:p>
+          <a:p>
+            <a:r>
+              <a:rPr lang="es-ES" sz="5400" b="0" cap="none" spc="0" dirty="0">
+                <a:ln w="0"/>
+                <a:solidFill>
+                  <a:schemeClr val="bg1"/>
+                </a:solidFill>
+                <a:effectLst>
+                  <a:outerShdw blurRad="38100" dist="19050" dir="2700000" algn="tl" rotWithShape="0">
+                    <a:schemeClr val="dk1">
+                      <a:alpha val="40000"/>
+                    </a:schemeClr>
+                  </a:outerShdw>
+                </a:effectLst>
+              </a:rPr>
+              <a:t>-</a:t>
+            </a:r>
+            <a:r>
+              <a:rPr lang="es-ES" sz="5400" b="0" cap="none" spc="0" dirty="0" err="1">
+                <a:ln w="0"/>
+                <a:solidFill>
+                  <a:schemeClr val="bg1"/>
+                </a:solidFill>
+                <a:effectLst>
+                  <a:outerShdw blurRad="38100" dist="19050" dir="2700000" algn="tl" rotWithShape="0">
+                    <a:schemeClr val="dk1">
+                      <a:alpha val="40000"/>
+                    </a:schemeClr>
+                  </a:outerShdw>
+                </a:effectLst>
+              </a:rPr>
+              <a:t>Stac</a:t>
+            </a:r>
+            <a:r>
+              <a:rPr lang="es-ES" sz="5400" dirty="0" err="1">
+                <a:ln w="0"/>
+                <a:solidFill>
+                  <a:schemeClr val="bg1"/>
+                </a:solidFill>
+                <a:effectLst>
+                  <a:outerShdw blurRad="38100" dist="19050" dir="2700000" algn="tl" rotWithShape="0">
+                    <a:schemeClr val="dk1">
+                      <a:alpha val="40000"/>
+                    </a:schemeClr>
+                  </a:outerShdw>
+                </a:effectLst>
+              </a:rPr>
+              <a:t>k</a:t>
+            </a:r>
+            <a:r>
+              <a:rPr lang="es-ES" sz="5400" dirty="0">
+                <a:ln w="0"/>
+                <a:solidFill>
+                  <a:schemeClr val="bg1"/>
+                </a:solidFill>
+                <a:effectLst>
+                  <a:outerShdw blurRad="38100" dist="19050" dir="2700000" algn="tl" rotWithShape="0">
+                    <a:schemeClr val="dk1">
+                      <a:alpha val="40000"/>
+                    </a:schemeClr>
+                  </a:outerShdw>
+                </a:effectLst>
+              </a:rPr>
+              <a:t> </a:t>
+            </a:r>
+            <a:r>
+              <a:rPr lang="es-ES" sz="5400" dirty="0" err="1">
+                <a:ln w="0"/>
+                <a:solidFill>
+                  <a:schemeClr val="bg1"/>
+                </a:solidFill>
+                <a:effectLst>
+                  <a:outerShdw blurRad="38100" dist="19050" dir="2700000" algn="tl" rotWithShape="0">
+                    <a:schemeClr val="dk1">
+                      <a:alpha val="40000"/>
+                    </a:schemeClr>
+                  </a:outerShdw>
+                </a:effectLst>
+              </a:rPr>
+              <a:t>Overflow</a:t>
+            </a:r>
+            <a:endParaRPr lang="es-ES" sz="5400" dirty="0">
+              <a:ln w="0"/>
+              <a:solidFill>
+                <a:schemeClr val="bg1"/>
+              </a:solidFill>
+              <a:effectLst>
+                <a:outerShdw blurRad="38100" dist="19050" dir="2700000" algn="tl" rotWithShape="0">
+                  <a:schemeClr val="dk1">
+                    <a:alpha val="40000"/>
+                  </a:schemeClr>
+                </a:outerShdw>
+              </a:effectLst>
+            </a:endParaRPr>
+          </a:p>
+          <a:p>
+            <a:r>
+              <a:rPr lang="es-ES" sz="5400" b="0" cap="none" spc="0" dirty="0">
+                <a:ln w="0"/>
+                <a:solidFill>
+                  <a:schemeClr val="bg1"/>
+                </a:solidFill>
+                <a:effectLst>
+                  <a:outerShdw blurRad="38100" dist="19050" dir="2700000" algn="tl" rotWithShape="0">
+                    <a:schemeClr val="dk1">
+                      <a:alpha val="40000"/>
+                    </a:schemeClr>
+                  </a:outerShdw>
+                </a:effectLst>
+              </a:rPr>
+              <a:t>-</a:t>
+            </a:r>
+            <a:r>
+              <a:rPr lang="es-419" sz="5400" dirty="0">
+                <a:hlinkClick r:id="rId3"/>
+              </a:rPr>
+              <a:t>https://www.youtube.com/channel/UCPu39ATB3kHLuoBL2P4q49w/videos</a:t>
+            </a:r>
+            <a:endParaRPr lang="es-ES" sz="5400" b="0" cap="none" spc="0" dirty="0">
+              <a:ln w="0"/>
+              <a:solidFill>
+                <a:schemeClr val="bg1"/>
+              </a:solidFill>
+              <a:effectLst>
+                <a:outerShdw blurRad="38100" dist="19050" dir="2700000" algn="tl" rotWithShape="0">
+                  <a:schemeClr val="dk1">
+                    <a:alpha val="40000"/>
+                  </a:schemeClr>
+                </a:outerShdw>
+              </a:effectLst>
+            </a:endParaRPr>
+          </a:p>
+        </p:txBody>
+      </p:sp>
+    </p:spTree>
+    <p:extLst>
+      <p:ext uri="{BB962C8B-B14F-4D97-AF65-F5344CB8AC3E}">
+        <p14:creationId xmlns:p14="http://schemas.microsoft.com/office/powerpoint/2010/main" val="1874930236"/>
+      </p:ext>
+    </p:extLst>
+  </p:cSld>
+  <p:clrMapOvr>
+    <a:masterClrMapping/>
+  </p:clrMapOvr>
+</p:sld>
+</file>
+
 <file path=ppt/slides/slide2.xml><?xml version="1.0" encoding="utf-8"?>
 <p:sld xmlns:a="http://schemas.openxmlformats.org/drawingml/2006/main" xmlns:r="http://schemas.openxmlformats.org/officeDocument/2006/relationships" xmlns:p="http://schemas.openxmlformats.org/presentationml/2006/main">
   <p:cSld>
@@ -5591,7 +5912,7 @@
         <p:spPr>
           <a:xfrm>
             <a:off x="0" y="12626"/>
-            <a:ext cx="10246725" cy="6247864"/>
+            <a:ext cx="10246725" cy="6863417"/>
           </a:xfrm>
           <a:prstGeom prst="rect">
             <a:avLst/>
@@ -5821,6 +6142,37 @@
               </a:rPr>
               <a:t>-Conclusiones</a:t>
             </a:r>
+          </a:p>
+          <a:p>
+            <a:r>
+              <a:rPr lang="es-ES" sz="4000" dirty="0">
+                <a:ln w="0"/>
+                <a:solidFill>
+                  <a:schemeClr val="bg1"/>
+                </a:solidFill>
+                <a:effectLst>
+                  <a:outerShdw blurRad="38100" dist="19050" dir="2700000" algn="tl" rotWithShape="0">
+                    <a:schemeClr val="dk1">
+                      <a:alpha val="40000"/>
+                    </a:schemeClr>
+                  </a:outerShdw>
+                </a:effectLst>
+              </a:rPr>
+              <a:t>-Referencias</a:t>
+            </a:r>
+            <a:endParaRPr lang="es-ES" sz="4000" b="0" cap="none" spc="0" dirty="0">
+              <a:ln w="0"/>
+              <a:solidFill>
+                <a:schemeClr val="bg1"/>
+              </a:solidFill>
+              <a:effectLst>
+                <a:outerShdw blurRad="38100" dist="19050" dir="2700000" algn="tl" rotWithShape="0">
+                  <a:schemeClr val="dk1">
+                    <a:alpha val="40000"/>
+                  </a:schemeClr>
+                </a:outerShdw>
+              </a:effectLst>
+            </a:endParaRPr>
           </a:p>
         </p:txBody>
       </p:sp>
@@ -6294,8 +6646,8 @@
         </p:nvSpPr>
         <p:spPr>
           <a:xfrm>
-            <a:off x="819215" y="1264778"/>
-            <a:ext cx="10553548" cy="707886"/>
+            <a:off x="819215" y="1094059"/>
+            <a:ext cx="10553548" cy="1323439"/>
           </a:xfrm>
           <a:prstGeom prst="rect">
             <a:avLst/>
@@ -6323,7 +6675,7 @@
                   </a:outerShdw>
                 </a:effectLst>
               </a:rPr>
-              <a:t>Aplicativo para la administración de proyectos</a:t>
+              <a:t>Aplicativo para la administración de propuestas de proyectos</a:t>
             </a:r>
           </a:p>
         </p:txBody>
@@ -7067,7 +7419,7 @@
           <a:lstStyle/>
           <a:p>
             <a:pPr algn="ctr"/>
-            <a:endParaRPr lang="es-419"/>
+            <a:endParaRPr lang="es-419" dirty="0"/>
           </a:p>
         </p:txBody>
       </p:sp>
@@ -7119,7 +7471,7 @@
           <a:lstStyle/>
           <a:p>
             <a:pPr algn="ctr"/>
-            <a:endParaRPr lang="es-419"/>
+            <a:endParaRPr lang="es-419" dirty="0"/>
           </a:p>
         </p:txBody>
       </p:sp>
@@ -7171,7 +7523,7 @@
           <a:lstStyle/>
           <a:p>
             <a:pPr algn="ctr"/>
-            <a:endParaRPr lang="es-419"/>
+            <a:endParaRPr lang="es-419" dirty="0"/>
           </a:p>
         </p:txBody>
       </p:sp>
@@ -7223,7 +7575,7 @@
           <a:lstStyle/>
           <a:p>
             <a:pPr algn="ctr"/>
-            <a:endParaRPr lang="es-419"/>
+            <a:endParaRPr lang="es-419" dirty="0"/>
           </a:p>
         </p:txBody>
       </p:sp>
@@ -7698,7 +8050,7 @@
           <a:lstStyle/>
           <a:p>
             <a:pPr algn="ctr"/>
-            <a:endParaRPr lang="es-419"/>
+            <a:endParaRPr lang="es-419" dirty="0"/>
           </a:p>
         </p:txBody>
       </p:sp>
@@ -7842,7 +8194,7 @@
           <a:lstStyle/>
           <a:p>
             <a:pPr algn="ctr"/>
-            <a:endParaRPr lang="es-419"/>
+            <a:endParaRPr lang="es-419" dirty="0"/>
           </a:p>
         </p:txBody>
       </p:sp>

--- a/ptimera wpf/Proyecto de semestre.pptx
+++ b/ptimera wpf/Proyecto de semestre.pptx
@@ -11,8 +11,8 @@
     <p:sldId id="260" r:id="rId5"/>
     <p:sldId id="258" r:id="rId6"/>
     <p:sldId id="267" r:id="rId7"/>
-    <p:sldId id="268" r:id="rId8"/>
-    <p:sldId id="266" r:id="rId9"/>
+    <p:sldId id="266" r:id="rId8"/>
+    <p:sldId id="268" r:id="rId9"/>
     <p:sldId id="261" r:id="rId10"/>
     <p:sldId id="264" r:id="rId11"/>
     <p:sldId id="265" r:id="rId12"/>
@@ -5656,7 +5656,7 @@
         <p:spPr>
           <a:xfrm>
             <a:off x="-20" y="1351508"/>
-            <a:ext cx="12192000" cy="5078313"/>
+            <a:ext cx="12192000" cy="5539978"/>
           </a:xfrm>
           <a:prstGeom prst="rect">
             <a:avLst/>
@@ -5683,8 +5683,44 @@
                   </a:outerShdw>
                 </a:effectLst>
               </a:rPr>
-              <a:t>-Juan Francisco Javier</a:t>
-            </a:r>
+              <a:t>-Juan Francisco Javier:</a:t>
+            </a:r>
+          </a:p>
+          <a:p>
+            <a:r>
+              <a:rPr lang="es-419" sz="2800" dirty="0">
+                <a:solidFill>
+                  <a:schemeClr val="tx2">
+                    <a:lumMod val="10000"/>
+                    <a:lumOff val="90000"/>
+                  </a:schemeClr>
+                </a:solidFill>
+                <a:hlinkClick r:id="rId3">
+                  <a:extLst>
+                    <a:ext uri="{A12FA001-AC4F-418D-AE19-62706E023703}">
+                      <ahyp:hlinkClr xmlns:ahyp="http://schemas.microsoft.com/office/drawing/2018/hyperlinkcolor" val="tx"/>
+                    </a:ext>
+                  </a:extLst>
+                </a:hlinkClick>
+              </a:rPr>
+              <a:t>https://www.youtube.com/channel/UCPu39ATB3kHLuoBL2P4q49w/videos</a:t>
+            </a:r>
+            <a:endParaRPr lang="es-ES" sz="2800" dirty="0">
+              <a:ln w="0"/>
+              <a:solidFill>
+                <a:schemeClr val="tx2">
+                  <a:lumMod val="10000"/>
+                  <a:lumOff val="90000"/>
+                </a:schemeClr>
+              </a:solidFill>
+              <a:effectLst>
+                <a:outerShdw blurRad="38100" dist="19050" dir="2700000" algn="tl" rotWithShape="0">
+                  <a:schemeClr val="dk1">
+                    <a:alpha val="40000"/>
+                  </a:schemeClr>
+                </a:outerShdw>
+              </a:effectLst>
+            </a:endParaRPr>
           </a:p>
           <a:p>
             <a:r>
@@ -5701,7 +5737,7 @@
                   </a:outerShdw>
                 </a:effectLst>
               </a:rPr>
-              <a:t>-Diana Teresa Gómez Forero</a:t>
+              <a:t>-Diana Teresa Gómez Forero.</a:t>
             </a:r>
           </a:p>
           <a:p>
@@ -5785,7 +5821,112 @@
               </a:rPr>
               <a:t>Overflow</a:t>
             </a:r>
-            <a:endParaRPr lang="es-ES" sz="5400" dirty="0">
+            <a:r>
+              <a:rPr lang="es-ES" sz="5400" dirty="0">
+                <a:ln w="0"/>
+                <a:solidFill>
+                  <a:schemeClr val="bg1"/>
+                </a:solidFill>
+                <a:effectLst>
+                  <a:outerShdw blurRad="38100" dist="19050" dir="2700000" algn="tl" rotWithShape="0">
+                    <a:schemeClr val="dk1">
+                      <a:alpha val="40000"/>
+                    </a:schemeClr>
+                  </a:outerShdw>
+                </a:effectLst>
+              </a:rPr>
+              <a:t>:</a:t>
+            </a:r>
+          </a:p>
+          <a:p>
+            <a:r>
+              <a:rPr lang="es-419" sz="2800" dirty="0">
+                <a:solidFill>
+                  <a:schemeClr val="bg1"/>
+                </a:solidFill>
+                <a:hlinkClick r:id="rId4">
+                  <a:extLst>
+                    <a:ext uri="{A12FA001-AC4F-418D-AE19-62706E023703}">
+                      <ahyp:hlinkClr xmlns:ahyp="http://schemas.microsoft.com/office/drawing/2018/hyperlinkcolor" val="tx"/>
+                    </a:ext>
+                  </a:extLst>
+                </a:hlinkClick>
+              </a:rPr>
+              <a:t>https://es.stackoverflow.com/</a:t>
+            </a:r>
+            <a:endParaRPr lang="es-419" sz="2800" dirty="0">
+              <a:solidFill>
+                <a:schemeClr val="bg1"/>
+              </a:solidFill>
+            </a:endParaRPr>
+          </a:p>
+          <a:p>
+            <a:r>
+              <a:rPr lang="es-419" sz="5400" dirty="0">
+                <a:ln w="0"/>
+                <a:solidFill>
+                  <a:schemeClr val="bg1"/>
+                </a:solidFill>
+                <a:effectLst>
+                  <a:outerShdw blurRad="38100" dist="19050" dir="2700000" algn="tl" rotWithShape="0">
+                    <a:schemeClr val="dk1">
+                      <a:alpha val="40000"/>
+                    </a:schemeClr>
+                  </a:outerShdw>
+                </a:effectLst>
+              </a:rPr>
+              <a:t>-</a:t>
+            </a:r>
+            <a:r>
+              <a:rPr lang="es-419" sz="5400" dirty="0" err="1">
+                <a:ln w="0"/>
+                <a:solidFill>
+                  <a:schemeClr val="bg1"/>
+                </a:solidFill>
+                <a:effectLst>
+                  <a:outerShdw blurRad="38100" dist="19050" dir="2700000" algn="tl" rotWithShape="0">
+                    <a:schemeClr val="dk1">
+                      <a:alpha val="40000"/>
+                    </a:schemeClr>
+                  </a:outerShdw>
+                </a:effectLst>
+              </a:rPr>
+              <a:t>Documentacion</a:t>
+            </a:r>
+            <a:r>
+              <a:rPr lang="es-419" sz="5400" dirty="0">
+                <a:ln w="0"/>
+                <a:solidFill>
+                  <a:schemeClr val="bg1"/>
+                </a:solidFill>
+                <a:effectLst>
+                  <a:outerShdw blurRad="38100" dist="19050" dir="2700000" algn="tl" rotWithShape="0">
+                    <a:schemeClr val="dk1">
+                      <a:alpha val="40000"/>
+                    </a:schemeClr>
+                  </a:outerShdw>
+                </a:effectLst>
+              </a:rPr>
+              <a:t> C#:</a:t>
+            </a:r>
+          </a:p>
+          <a:p>
+            <a:r>
+              <a:rPr lang="es-419" sz="2800" dirty="0">
+                <a:solidFill>
+                  <a:schemeClr val="bg1"/>
+                </a:solidFill>
+                <a:hlinkClick r:id="rId5">
+                  <a:extLst>
+                    <a:ext uri="{A12FA001-AC4F-418D-AE19-62706E023703}">
+                      <ahyp:hlinkClr xmlns:ahyp="http://schemas.microsoft.com/office/drawing/2018/hyperlinkcolor" val="tx"/>
+                    </a:ext>
+                  </a:extLst>
+                </a:hlinkClick>
+              </a:rPr>
+              <a:t>https://docs.microsoft.com/en-us/dotnet/csharp/</a:t>
+            </a:r>
+            <a:endParaRPr lang="es-ES" sz="2800" dirty="0">
               <a:ln w="0"/>
               <a:solidFill>
                 <a:schemeClr val="bg1"/>
@@ -5800,29 +5941,7 @@
             </a:endParaRPr>
           </a:p>
           <a:p>
-            <a:r>
-              <a:rPr lang="es-ES" sz="5400" b="0" cap="none" spc="0" dirty="0">
-                <a:ln w="0"/>
-                <a:solidFill>
-                  <a:schemeClr val="bg1"/>
-                </a:solidFill>
-                <a:effectLst>
-                  <a:outerShdw blurRad="38100" dist="19050" dir="2700000" algn="tl" rotWithShape="0">
-                    <a:schemeClr val="dk1">
-                      <a:alpha val="40000"/>
-                    </a:schemeClr>
-                  </a:outerShdw>
-                </a:effectLst>
-              </a:rPr>
-              <a:t>-</a:t>
-            </a:r>
-            <a:r>
-              <a:rPr lang="es-419" sz="5400" dirty="0">
-                <a:hlinkClick r:id="rId3"/>
-              </a:rPr>
-              <a:t>https://www.youtube.com/channel/UCPu39ATB3kHLuoBL2P4q49w/videos</a:t>
-            </a:r>
-            <a:endParaRPr lang="es-ES" sz="5400" b="0" cap="none" spc="0" dirty="0">
+            <a:endParaRPr lang="es-ES" sz="5400" dirty="0">
               <a:ln w="0"/>
               <a:solidFill>
                 <a:schemeClr val="bg1"/>
@@ -6227,7 +6346,7 @@
         </p:blipFill>
         <p:spPr>
           <a:xfrm>
-            <a:off x="20" y="10"/>
+            <a:off x="20" y="9341"/>
             <a:ext cx="12191979" cy="6857990"/>
           </a:xfrm>
           <a:prstGeom prst="rect">
@@ -7156,7 +7275,7 @@
           <p:cNvPr id="4" name="Picture 3">
             <a:extLst>
               <a:ext uri="{FF2B5EF4-FFF2-40B4-BE49-F238E27FC236}">
-                <a16:creationId xmlns:a16="http://schemas.microsoft.com/office/drawing/2014/main" id="{8FD01EFB-5D6C-4672-8079-C4199FF8ED05}"/>
+                <a16:creationId xmlns:a16="http://schemas.microsoft.com/office/drawing/2014/main" id="{8B488B4C-C07C-42C5-83A9-DC14D51A894F}"/>
               </a:ext>
             </a:extLst>
           </p:cNvPr>
@@ -7185,7 +7304,7 @@
           <p:cNvPr id="5" name="Rectángulo 4">
             <a:extLst>
               <a:ext uri="{FF2B5EF4-FFF2-40B4-BE49-F238E27FC236}">
-                <a16:creationId xmlns:a16="http://schemas.microsoft.com/office/drawing/2014/main" id="{3CD72518-307F-4565-9EAA-BD17204FA8B9}"/>
+                <a16:creationId xmlns:a16="http://schemas.microsoft.com/office/drawing/2014/main" id="{917E4724-1752-4FD2-91E4-BD0263D543BF}"/>
               </a:ext>
             </a:extLst>
           </p:cNvPr>
@@ -7194,8 +7313,8 @@
         </p:nvSpPr>
         <p:spPr>
           <a:xfrm>
-            <a:off x="3753040" y="0"/>
-            <a:ext cx="4685898" cy="923330"/>
+            <a:off x="4119839" y="0"/>
+            <a:ext cx="3952300" cy="923330"/>
           </a:xfrm>
           <a:prstGeom prst="rect">
             <a:avLst/>
@@ -7223,51 +7342,886 @@
                   </a:outerShdw>
                 </a:effectLst>
               </a:rPr>
-              <a:t>Diagrama UML:</a:t>
-            </a:r>
-          </a:p>
-        </p:txBody>
-      </p:sp>
-      <p:pic>
-        <p:nvPicPr>
-          <p:cNvPr id="3" name="Imagen 2" descr="Captura de pantalla de un celular&#10;&#10;Descripción generada automáticamente">
+              <a:t>Metodología:</a:t>
+            </a:r>
+          </a:p>
+        </p:txBody>
+      </p:sp>
+      <p:sp>
+        <p:nvSpPr>
+          <p:cNvPr id="6" name="Rectángulo 5">
             <a:extLst>
               <a:ext uri="{FF2B5EF4-FFF2-40B4-BE49-F238E27FC236}">
-                <a16:creationId xmlns:a16="http://schemas.microsoft.com/office/drawing/2014/main" id="{255D7DD3-ACFB-4FB1-AC74-14452DEC3434}"/>
+                <a16:creationId xmlns:a16="http://schemas.microsoft.com/office/drawing/2014/main" id="{6A7D4576-B8CE-4806-BE6A-83DA67F89DB9}"/>
               </a:ext>
             </a:extLst>
           </p:cNvPr>
-          <p:cNvPicPr>
-            <a:picLocks noChangeAspect="1"/>
-          </p:cNvPicPr>
+          <p:cNvSpPr/>
           <p:nvPr/>
-        </p:nvPicPr>
-        <p:blipFill>
-          <a:blip r:embed="rId3">
-            <a:extLst>
-              <a:ext uri="{28A0092B-C50C-407E-A947-70E740481C1C}">
-                <a14:useLocalDpi xmlns:a14="http://schemas.microsoft.com/office/drawing/2010/main" val="0"/>
-              </a:ext>
-            </a:extLst>
-          </a:blip>
-          <a:stretch>
-            <a:fillRect/>
-          </a:stretch>
-        </p:blipFill>
-        <p:spPr>
-          <a:xfrm>
-            <a:off x="3835124" y="1155425"/>
-            <a:ext cx="4603814" cy="5268449"/>
+        </p:nvSpPr>
+        <p:spPr>
+          <a:xfrm>
+            <a:off x="304800" y="923331"/>
+            <a:ext cx="2958517" cy="1359342"/>
           </a:xfrm>
           <a:prstGeom prst="rect">
             <a:avLst/>
           </a:prstGeom>
-        </p:spPr>
-      </p:pic>
+          <a:noFill/>
+          <a:ln>
+            <a:solidFill>
+              <a:srgbClr val="FFC000"/>
+            </a:solidFill>
+          </a:ln>
+        </p:spPr>
+        <p:style>
+          <a:lnRef idx="2">
+            <a:schemeClr val="accent1">
+              <a:shade val="50000"/>
+            </a:schemeClr>
+          </a:lnRef>
+          <a:fillRef idx="1">
+            <a:schemeClr val="accent1"/>
+          </a:fillRef>
+          <a:effectRef idx="0">
+            <a:schemeClr val="accent1"/>
+          </a:effectRef>
+          <a:fontRef idx="minor">
+            <a:schemeClr val="lt1"/>
+          </a:fontRef>
+        </p:style>
+        <p:txBody>
+          <a:bodyPr rtlCol="0" anchor="ctr"/>
+          <a:lstStyle/>
+          <a:p>
+            <a:pPr algn="ctr"/>
+            <a:endParaRPr lang="es-419" dirty="0"/>
+          </a:p>
+        </p:txBody>
+      </p:sp>
+      <p:sp>
+        <p:nvSpPr>
+          <p:cNvPr id="7" name="Rectángulo 6">
+            <a:extLst>
+              <a:ext uri="{FF2B5EF4-FFF2-40B4-BE49-F238E27FC236}">
+                <a16:creationId xmlns:a16="http://schemas.microsoft.com/office/drawing/2014/main" id="{7AA40301-D28C-4672-9877-08F2CAF9EDAA}"/>
+              </a:ext>
+            </a:extLst>
+          </p:cNvPr>
+          <p:cNvSpPr/>
+          <p:nvPr/>
+        </p:nvSpPr>
+        <p:spPr>
+          <a:xfrm>
+            <a:off x="8559557" y="923325"/>
+            <a:ext cx="3327643" cy="1359342"/>
+          </a:xfrm>
+          <a:prstGeom prst="rect">
+            <a:avLst/>
+          </a:prstGeom>
+          <a:noFill/>
+          <a:ln>
+            <a:solidFill>
+              <a:srgbClr val="FFC000"/>
+            </a:solidFill>
+          </a:ln>
+        </p:spPr>
+        <p:style>
+          <a:lnRef idx="2">
+            <a:schemeClr val="accent1">
+              <a:shade val="50000"/>
+            </a:schemeClr>
+          </a:lnRef>
+          <a:fillRef idx="1">
+            <a:schemeClr val="accent1"/>
+          </a:fillRef>
+          <a:effectRef idx="0">
+            <a:schemeClr val="accent1"/>
+          </a:effectRef>
+          <a:fontRef idx="minor">
+            <a:schemeClr val="lt1"/>
+          </a:fontRef>
+        </p:style>
+        <p:txBody>
+          <a:bodyPr rtlCol="0" anchor="ctr"/>
+          <a:lstStyle/>
+          <a:p>
+            <a:pPr algn="ctr"/>
+            <a:endParaRPr lang="es-419" dirty="0"/>
+          </a:p>
+        </p:txBody>
+      </p:sp>
+      <p:sp>
+        <p:nvSpPr>
+          <p:cNvPr id="8" name="Rectángulo 7">
+            <a:extLst>
+              <a:ext uri="{FF2B5EF4-FFF2-40B4-BE49-F238E27FC236}">
+                <a16:creationId xmlns:a16="http://schemas.microsoft.com/office/drawing/2014/main" id="{5EDEE5A1-F44F-4A66-9D4A-CF6881987984}"/>
+              </a:ext>
+            </a:extLst>
+          </p:cNvPr>
+          <p:cNvSpPr/>
+          <p:nvPr/>
+        </p:nvSpPr>
+        <p:spPr>
+          <a:xfrm>
+            <a:off x="333867" y="4264381"/>
+            <a:ext cx="2958517" cy="1359342"/>
+          </a:xfrm>
+          <a:prstGeom prst="rect">
+            <a:avLst/>
+          </a:prstGeom>
+          <a:noFill/>
+          <a:ln>
+            <a:solidFill>
+              <a:srgbClr val="FFC000"/>
+            </a:solidFill>
+          </a:ln>
+        </p:spPr>
+        <p:style>
+          <a:lnRef idx="2">
+            <a:schemeClr val="accent1">
+              <a:shade val="50000"/>
+            </a:schemeClr>
+          </a:lnRef>
+          <a:fillRef idx="1">
+            <a:schemeClr val="accent1"/>
+          </a:fillRef>
+          <a:effectRef idx="0">
+            <a:schemeClr val="accent1"/>
+          </a:effectRef>
+          <a:fontRef idx="minor">
+            <a:schemeClr val="lt1"/>
+          </a:fontRef>
+        </p:style>
+        <p:txBody>
+          <a:bodyPr rtlCol="0" anchor="ctr"/>
+          <a:lstStyle/>
+          <a:p>
+            <a:pPr algn="ctr"/>
+            <a:endParaRPr lang="es-419" dirty="0"/>
+          </a:p>
+        </p:txBody>
+      </p:sp>
+      <p:sp>
+        <p:nvSpPr>
+          <p:cNvPr id="9" name="Rectángulo 8">
+            <a:extLst>
+              <a:ext uri="{FF2B5EF4-FFF2-40B4-BE49-F238E27FC236}">
+                <a16:creationId xmlns:a16="http://schemas.microsoft.com/office/drawing/2014/main" id="{4595087A-FEA7-4E26-86CB-96A4258A64CE}"/>
+              </a:ext>
+            </a:extLst>
+          </p:cNvPr>
+          <p:cNvSpPr/>
+          <p:nvPr/>
+        </p:nvSpPr>
+        <p:spPr>
+          <a:xfrm>
+            <a:off x="4432167" y="923331"/>
+            <a:ext cx="3327643" cy="1359342"/>
+          </a:xfrm>
+          <a:prstGeom prst="rect">
+            <a:avLst/>
+          </a:prstGeom>
+          <a:noFill/>
+          <a:ln>
+            <a:solidFill>
+              <a:srgbClr val="FFC000"/>
+            </a:solidFill>
+          </a:ln>
+        </p:spPr>
+        <p:style>
+          <a:lnRef idx="2">
+            <a:schemeClr val="accent1">
+              <a:shade val="50000"/>
+            </a:schemeClr>
+          </a:lnRef>
+          <a:fillRef idx="1">
+            <a:schemeClr val="accent1"/>
+          </a:fillRef>
+          <a:effectRef idx="0">
+            <a:schemeClr val="accent1"/>
+          </a:effectRef>
+          <a:fontRef idx="minor">
+            <a:schemeClr val="lt1"/>
+          </a:fontRef>
+        </p:style>
+        <p:txBody>
+          <a:bodyPr rtlCol="0" anchor="ctr"/>
+          <a:lstStyle/>
+          <a:p>
+            <a:pPr algn="ctr"/>
+            <a:endParaRPr lang="es-419" dirty="0"/>
+          </a:p>
+        </p:txBody>
+      </p:sp>
+      <p:cxnSp>
+        <p:nvCxnSpPr>
+          <p:cNvPr id="11" name="Conector recto de flecha 10">
+            <a:extLst>
+              <a:ext uri="{FF2B5EF4-FFF2-40B4-BE49-F238E27FC236}">
+                <a16:creationId xmlns:a16="http://schemas.microsoft.com/office/drawing/2014/main" id="{2BE8A0A2-9082-4145-BD7F-8AAADAC49D2B}"/>
+              </a:ext>
+            </a:extLst>
+          </p:cNvPr>
+          <p:cNvCxnSpPr>
+            <a:cxnSpLocks/>
+            <a:stCxn id="6" idx="3"/>
+            <a:endCxn id="9" idx="1"/>
+          </p:cNvCxnSpPr>
+          <p:nvPr/>
+        </p:nvCxnSpPr>
+        <p:spPr>
+          <a:xfrm>
+            <a:off x="3263317" y="1603002"/>
+            <a:ext cx="1168850" cy="0"/>
+          </a:xfrm>
+          <a:prstGeom prst="straightConnector1">
+            <a:avLst/>
+          </a:prstGeom>
+          <a:ln w="57150">
+            <a:solidFill>
+              <a:srgbClr val="FFC000"/>
+            </a:solidFill>
+            <a:tailEnd type="triangle"/>
+          </a:ln>
+        </p:spPr>
+        <p:style>
+          <a:lnRef idx="1">
+            <a:schemeClr val="dk1"/>
+          </a:lnRef>
+          <a:fillRef idx="0">
+            <a:schemeClr val="dk1"/>
+          </a:fillRef>
+          <a:effectRef idx="0">
+            <a:schemeClr val="dk1"/>
+          </a:effectRef>
+          <a:fontRef idx="minor">
+            <a:schemeClr val="tx1"/>
+          </a:fontRef>
+        </p:style>
+      </p:cxnSp>
+      <p:cxnSp>
+        <p:nvCxnSpPr>
+          <p:cNvPr id="12" name="Conector recto de flecha 11">
+            <a:extLst>
+              <a:ext uri="{FF2B5EF4-FFF2-40B4-BE49-F238E27FC236}">
+                <a16:creationId xmlns:a16="http://schemas.microsoft.com/office/drawing/2014/main" id="{6405A812-1C05-4B8B-AFAB-E79F8AB8B1DD}"/>
+              </a:ext>
+            </a:extLst>
+          </p:cNvPr>
+          <p:cNvCxnSpPr>
+            <a:cxnSpLocks/>
+            <a:stCxn id="20" idx="1"/>
+            <a:endCxn id="18" idx="3"/>
+          </p:cNvCxnSpPr>
+          <p:nvPr/>
+        </p:nvCxnSpPr>
+        <p:spPr>
+          <a:xfrm flipH="1">
+            <a:off x="3306917" y="4944045"/>
+            <a:ext cx="390263" cy="7"/>
+          </a:xfrm>
+          <a:prstGeom prst="straightConnector1">
+            <a:avLst/>
+          </a:prstGeom>
+          <a:ln w="57150">
+            <a:solidFill>
+              <a:srgbClr val="FFC000"/>
+            </a:solidFill>
+            <a:tailEnd type="triangle"/>
+          </a:ln>
+        </p:spPr>
+        <p:style>
+          <a:lnRef idx="1">
+            <a:schemeClr val="dk1"/>
+          </a:lnRef>
+          <a:fillRef idx="0">
+            <a:schemeClr val="dk1"/>
+          </a:fillRef>
+          <a:effectRef idx="0">
+            <a:schemeClr val="dk1"/>
+          </a:effectRef>
+          <a:fontRef idx="minor">
+            <a:schemeClr val="tx1"/>
+          </a:fontRef>
+        </p:style>
+      </p:cxnSp>
+      <p:cxnSp>
+        <p:nvCxnSpPr>
+          <p:cNvPr id="14" name="Conector recto de flecha 13">
+            <a:extLst>
+              <a:ext uri="{FF2B5EF4-FFF2-40B4-BE49-F238E27FC236}">
+                <a16:creationId xmlns:a16="http://schemas.microsoft.com/office/drawing/2014/main" id="{11551E25-CF69-4417-ACA2-F3DA16D837F0}"/>
+              </a:ext>
+            </a:extLst>
+          </p:cNvPr>
+          <p:cNvCxnSpPr>
+            <a:cxnSpLocks/>
+            <a:stCxn id="16" idx="3"/>
+            <a:endCxn id="7" idx="1"/>
+          </p:cNvCxnSpPr>
+          <p:nvPr/>
+        </p:nvCxnSpPr>
+        <p:spPr>
+          <a:xfrm flipV="1">
+            <a:off x="7759810" y="1602996"/>
+            <a:ext cx="799747" cy="6"/>
+          </a:xfrm>
+          <a:prstGeom prst="straightConnector1">
+            <a:avLst/>
+          </a:prstGeom>
+          <a:ln w="57150">
+            <a:solidFill>
+              <a:srgbClr val="FFC000"/>
+            </a:solidFill>
+            <a:tailEnd type="triangle"/>
+          </a:ln>
+        </p:spPr>
+        <p:style>
+          <a:lnRef idx="1">
+            <a:schemeClr val="dk1"/>
+          </a:lnRef>
+          <a:fillRef idx="0">
+            <a:schemeClr val="dk1"/>
+          </a:fillRef>
+          <a:effectRef idx="0">
+            <a:schemeClr val="dk1"/>
+          </a:effectRef>
+          <a:fontRef idx="minor">
+            <a:schemeClr val="tx1"/>
+          </a:fontRef>
+        </p:style>
+      </p:cxnSp>
+      <p:sp>
+        <p:nvSpPr>
+          <p:cNvPr id="15" name="Rectángulo 14">
+            <a:extLst>
+              <a:ext uri="{FF2B5EF4-FFF2-40B4-BE49-F238E27FC236}">
+                <a16:creationId xmlns:a16="http://schemas.microsoft.com/office/drawing/2014/main" id="{308F5B77-A310-4469-9CDF-58BA376E9AC6}"/>
+              </a:ext>
+            </a:extLst>
+          </p:cNvPr>
+          <p:cNvSpPr/>
+          <p:nvPr/>
+        </p:nvSpPr>
+        <p:spPr>
+          <a:xfrm>
+            <a:off x="-363564" y="1372165"/>
+            <a:ext cx="4312024" cy="461665"/>
+          </a:xfrm>
+          <a:prstGeom prst="rect">
+            <a:avLst/>
+          </a:prstGeom>
+          <a:noFill/>
+        </p:spPr>
+        <p:txBody>
+          <a:bodyPr wrap="square" lIns="91440" tIns="45720" rIns="91440" bIns="45720">
+            <a:spAutoFit/>
+          </a:bodyPr>
+          <a:lstStyle/>
+          <a:p>
+            <a:pPr algn="ctr"/>
+            <a:r>
+              <a:rPr lang="es-ES" sz="2400" b="0" cap="none" spc="0" dirty="0">
+                <a:ln w="0"/>
+                <a:solidFill>
+                  <a:schemeClr val="bg1"/>
+                </a:solidFill>
+                <a:effectLst>
+                  <a:outerShdw blurRad="38100" dist="19050" dir="2700000" algn="tl" rotWithShape="0">
+                    <a:schemeClr val="dk1">
+                      <a:alpha val="40000"/>
+                    </a:schemeClr>
+                  </a:outerShdw>
+                </a:effectLst>
+              </a:rPr>
+              <a:t>Situación problema.</a:t>
+            </a:r>
+          </a:p>
+        </p:txBody>
+      </p:sp>
+      <p:sp>
+        <p:nvSpPr>
+          <p:cNvPr id="16" name="Rectángulo 15">
+            <a:extLst>
+              <a:ext uri="{FF2B5EF4-FFF2-40B4-BE49-F238E27FC236}">
+                <a16:creationId xmlns:a16="http://schemas.microsoft.com/office/drawing/2014/main" id="{9ED1FEF7-183D-4873-944E-3F6681B8B9B1}"/>
+              </a:ext>
+            </a:extLst>
+          </p:cNvPr>
+          <p:cNvSpPr/>
+          <p:nvPr/>
+        </p:nvSpPr>
+        <p:spPr>
+          <a:xfrm>
+            <a:off x="4432167" y="1002837"/>
+            <a:ext cx="3327643" cy="1200329"/>
+          </a:xfrm>
+          <a:prstGeom prst="rect">
+            <a:avLst/>
+          </a:prstGeom>
+          <a:noFill/>
+        </p:spPr>
+        <p:txBody>
+          <a:bodyPr wrap="square" lIns="91440" tIns="45720" rIns="91440" bIns="45720">
+            <a:spAutoFit/>
+          </a:bodyPr>
+          <a:lstStyle/>
+          <a:p>
+            <a:pPr algn="ctr"/>
+            <a:r>
+              <a:rPr lang="es-ES" sz="2400" b="0" cap="none" spc="0" dirty="0">
+                <a:ln w="0"/>
+                <a:solidFill>
+                  <a:schemeClr val="bg1"/>
+                </a:solidFill>
+                <a:effectLst>
+                  <a:outerShdw blurRad="38100" dist="19050" dir="2700000" algn="tl" rotWithShape="0">
+                    <a:schemeClr val="dk1">
+                      <a:alpha val="40000"/>
+                    </a:schemeClr>
+                  </a:outerShdw>
+                </a:effectLst>
+              </a:rPr>
+              <a:t>Entrevista con la persona solicitadora del software.</a:t>
+            </a:r>
+          </a:p>
+        </p:txBody>
+      </p:sp>
+      <p:sp>
+        <p:nvSpPr>
+          <p:cNvPr id="17" name="Rectángulo 16">
+            <a:extLst>
+              <a:ext uri="{FF2B5EF4-FFF2-40B4-BE49-F238E27FC236}">
+                <a16:creationId xmlns:a16="http://schemas.microsoft.com/office/drawing/2014/main" id="{746F40B5-2D3E-44A5-83B9-9C6EC9F27D99}"/>
+              </a:ext>
+            </a:extLst>
+          </p:cNvPr>
+          <p:cNvSpPr/>
+          <p:nvPr/>
+        </p:nvSpPr>
+        <p:spPr>
+          <a:xfrm>
+            <a:off x="3697180" y="3789889"/>
+            <a:ext cx="4506634" cy="2308324"/>
+          </a:xfrm>
+          <a:prstGeom prst="rect">
+            <a:avLst/>
+          </a:prstGeom>
+          <a:noFill/>
+        </p:spPr>
+        <p:txBody>
+          <a:bodyPr wrap="square" lIns="91440" tIns="45720" rIns="91440" bIns="45720">
+            <a:spAutoFit/>
+          </a:bodyPr>
+          <a:lstStyle/>
+          <a:p>
+            <a:pPr algn="ctr"/>
+            <a:r>
+              <a:rPr lang="es-ES" sz="2400" b="0" cap="none" spc="0" dirty="0">
+                <a:ln w="0"/>
+                <a:solidFill>
+                  <a:schemeClr val="bg1"/>
+                </a:solidFill>
+                <a:effectLst>
+                  <a:outerShdw blurRad="38100" dist="19050" dir="2700000" algn="tl" rotWithShape="0">
+                    <a:schemeClr val="dk1">
+                      <a:alpha val="40000"/>
+                    </a:schemeClr>
+                  </a:outerShdw>
+                </a:effectLst>
+              </a:rPr>
+              <a:t>Búsqueda de posibles soluciones, estudio de la programación orientada a objetos</a:t>
+            </a:r>
+            <a:r>
+              <a:rPr lang="es-ES" sz="2400" dirty="0">
+                <a:ln w="0"/>
+                <a:solidFill>
+                  <a:schemeClr val="bg1"/>
+                </a:solidFill>
+                <a:effectLst>
+                  <a:outerShdw blurRad="38100" dist="19050" dir="2700000" algn="tl" rotWithShape="0">
+                    <a:schemeClr val="dk1">
+                      <a:alpha val="40000"/>
+                    </a:schemeClr>
+                  </a:outerShdw>
+                </a:effectLst>
+              </a:rPr>
+              <a:t> y </a:t>
+            </a:r>
+            <a:r>
+              <a:rPr lang="es-ES" sz="2400" b="0" cap="none" spc="0" dirty="0">
+                <a:ln w="0"/>
+                <a:solidFill>
+                  <a:schemeClr val="bg1"/>
+                </a:solidFill>
+                <a:effectLst>
+                  <a:outerShdw blurRad="38100" dist="19050" dir="2700000" algn="tl" rotWithShape="0">
+                    <a:schemeClr val="dk1">
+                      <a:alpha val="40000"/>
+                    </a:schemeClr>
+                  </a:outerShdw>
+                </a:effectLst>
+              </a:rPr>
+              <a:t>del lenguaje de programación C# para hacer un uso óptimo del lenguaje.</a:t>
+            </a:r>
+          </a:p>
+        </p:txBody>
+      </p:sp>
+      <p:sp>
+        <p:nvSpPr>
+          <p:cNvPr id="18" name="Rectángulo 17">
+            <a:extLst>
+              <a:ext uri="{FF2B5EF4-FFF2-40B4-BE49-F238E27FC236}">
+                <a16:creationId xmlns:a16="http://schemas.microsoft.com/office/drawing/2014/main" id="{37327442-9B11-4CFA-9692-9337B01CC0B0}"/>
+              </a:ext>
+            </a:extLst>
+          </p:cNvPr>
+          <p:cNvSpPr/>
+          <p:nvPr/>
+        </p:nvSpPr>
+        <p:spPr>
+          <a:xfrm>
+            <a:off x="319333" y="4343887"/>
+            <a:ext cx="2987584" cy="1200329"/>
+          </a:xfrm>
+          <a:prstGeom prst="rect">
+            <a:avLst/>
+          </a:prstGeom>
+          <a:noFill/>
+        </p:spPr>
+        <p:txBody>
+          <a:bodyPr wrap="square" lIns="91440" tIns="45720" rIns="91440" bIns="45720">
+            <a:spAutoFit/>
+          </a:bodyPr>
+          <a:lstStyle/>
+          <a:p>
+            <a:pPr algn="ctr"/>
+            <a:r>
+              <a:rPr lang="es-ES" sz="2400" b="0" cap="none" spc="0" dirty="0">
+                <a:ln w="0"/>
+                <a:solidFill>
+                  <a:schemeClr val="bg1"/>
+                </a:solidFill>
+                <a:effectLst>
+                  <a:outerShdw blurRad="38100" dist="19050" dir="2700000" algn="tl" rotWithShape="0">
+                    <a:schemeClr val="dk1">
+                      <a:alpha val="40000"/>
+                    </a:schemeClr>
+                  </a:outerShdw>
+                </a:effectLst>
+              </a:rPr>
+              <a:t>Solución final y sustentación del trabajo realizado.</a:t>
+            </a:r>
+          </a:p>
+        </p:txBody>
+      </p:sp>
+      <p:sp>
+        <p:nvSpPr>
+          <p:cNvPr id="31" name="Rectángulo 30">
+            <a:extLst>
+              <a:ext uri="{FF2B5EF4-FFF2-40B4-BE49-F238E27FC236}">
+                <a16:creationId xmlns:a16="http://schemas.microsoft.com/office/drawing/2014/main" id="{EAF2544C-2386-4A77-A715-310DCED65A93}"/>
+              </a:ext>
+            </a:extLst>
+          </p:cNvPr>
+          <p:cNvSpPr/>
+          <p:nvPr/>
+        </p:nvSpPr>
+        <p:spPr>
+          <a:xfrm>
+            <a:off x="8559558" y="1187498"/>
+            <a:ext cx="3327654" cy="830997"/>
+          </a:xfrm>
+          <a:prstGeom prst="rect">
+            <a:avLst/>
+          </a:prstGeom>
+          <a:noFill/>
+        </p:spPr>
+        <p:txBody>
+          <a:bodyPr wrap="square" lIns="91440" tIns="45720" rIns="91440" bIns="45720">
+            <a:spAutoFit/>
+          </a:bodyPr>
+          <a:lstStyle/>
+          <a:p>
+            <a:pPr algn="ctr"/>
+            <a:r>
+              <a:rPr lang="es-ES" sz="2400" dirty="0">
+                <a:ln w="0"/>
+                <a:solidFill>
+                  <a:schemeClr val="bg1"/>
+                </a:solidFill>
+                <a:effectLst>
+                  <a:outerShdw blurRad="38100" dist="19050" dir="2700000" algn="tl" rotWithShape="0">
+                    <a:schemeClr val="dk1">
+                      <a:alpha val="40000"/>
+                    </a:schemeClr>
+                  </a:outerShdw>
+                </a:effectLst>
+              </a:rPr>
+              <a:t>Construcción de diagrama UML.</a:t>
+            </a:r>
+            <a:endParaRPr lang="es-ES" sz="2400" b="0" cap="none" spc="0" dirty="0">
+              <a:ln w="0"/>
+              <a:solidFill>
+                <a:schemeClr val="bg1"/>
+              </a:solidFill>
+              <a:effectLst>
+                <a:outerShdw blurRad="38100" dist="19050" dir="2700000" algn="tl" rotWithShape="0">
+                  <a:schemeClr val="dk1">
+                    <a:alpha val="40000"/>
+                  </a:schemeClr>
+                </a:outerShdw>
+              </a:effectLst>
+            </a:endParaRPr>
+          </a:p>
+        </p:txBody>
+      </p:sp>
+      <p:sp>
+        <p:nvSpPr>
+          <p:cNvPr id="36" name="Rectángulo 35">
+            <a:extLst>
+              <a:ext uri="{FF2B5EF4-FFF2-40B4-BE49-F238E27FC236}">
+                <a16:creationId xmlns:a16="http://schemas.microsoft.com/office/drawing/2014/main" id="{8C8FF6B1-7D44-451E-8631-AB65A9E45502}"/>
+              </a:ext>
+            </a:extLst>
+          </p:cNvPr>
+          <p:cNvSpPr/>
+          <p:nvPr/>
+        </p:nvSpPr>
+        <p:spPr>
+          <a:xfrm>
+            <a:off x="8559557" y="4199351"/>
+            <a:ext cx="3327643" cy="1359342"/>
+          </a:xfrm>
+          <a:prstGeom prst="rect">
+            <a:avLst/>
+          </a:prstGeom>
+          <a:noFill/>
+          <a:ln>
+            <a:solidFill>
+              <a:srgbClr val="FFC000"/>
+            </a:solidFill>
+          </a:ln>
+        </p:spPr>
+        <p:style>
+          <a:lnRef idx="2">
+            <a:schemeClr val="accent1">
+              <a:shade val="50000"/>
+            </a:schemeClr>
+          </a:lnRef>
+          <a:fillRef idx="1">
+            <a:schemeClr val="accent1"/>
+          </a:fillRef>
+          <a:effectRef idx="0">
+            <a:schemeClr val="accent1"/>
+          </a:effectRef>
+          <a:fontRef idx="minor">
+            <a:schemeClr val="lt1"/>
+          </a:fontRef>
+        </p:style>
+        <p:txBody>
+          <a:bodyPr rtlCol="0" anchor="ctr"/>
+          <a:lstStyle/>
+          <a:p>
+            <a:pPr algn="ctr"/>
+            <a:endParaRPr lang="es-419" dirty="0"/>
+          </a:p>
+        </p:txBody>
+      </p:sp>
+      <p:sp>
+        <p:nvSpPr>
+          <p:cNvPr id="37" name="Rectángulo 36">
+            <a:extLst>
+              <a:ext uri="{FF2B5EF4-FFF2-40B4-BE49-F238E27FC236}">
+                <a16:creationId xmlns:a16="http://schemas.microsoft.com/office/drawing/2014/main" id="{764CD734-47F9-4AEB-BD5E-1A96CEFD2BF9}"/>
+              </a:ext>
+            </a:extLst>
+          </p:cNvPr>
+          <p:cNvSpPr/>
+          <p:nvPr/>
+        </p:nvSpPr>
+        <p:spPr>
+          <a:xfrm>
+            <a:off x="8559557" y="4528554"/>
+            <a:ext cx="3298576" cy="830997"/>
+          </a:xfrm>
+          <a:prstGeom prst="rect">
+            <a:avLst/>
+          </a:prstGeom>
+          <a:noFill/>
+        </p:spPr>
+        <p:txBody>
+          <a:bodyPr wrap="square" lIns="91440" tIns="45720" rIns="91440" bIns="45720">
+            <a:spAutoFit/>
+          </a:bodyPr>
+          <a:lstStyle/>
+          <a:p>
+            <a:pPr algn="ctr"/>
+            <a:r>
+              <a:rPr lang="es-ES" sz="2400" b="0" cap="none" spc="0" dirty="0">
+                <a:ln w="0"/>
+                <a:solidFill>
+                  <a:schemeClr val="bg1"/>
+                </a:solidFill>
+                <a:effectLst>
+                  <a:outerShdw blurRad="38100" dist="19050" dir="2700000" algn="tl" rotWithShape="0">
+                    <a:schemeClr val="dk1">
+                      <a:alpha val="40000"/>
+                    </a:schemeClr>
+                  </a:outerShdw>
+                </a:effectLst>
+              </a:rPr>
+              <a:t>Creación de interfaz gráfica.</a:t>
+            </a:r>
+          </a:p>
+        </p:txBody>
+      </p:sp>
+      <p:cxnSp>
+        <p:nvCxnSpPr>
+          <p:cNvPr id="3" name="Conector recto de flecha 2">
+            <a:extLst>
+              <a:ext uri="{FF2B5EF4-FFF2-40B4-BE49-F238E27FC236}">
+                <a16:creationId xmlns:a16="http://schemas.microsoft.com/office/drawing/2014/main" id="{68C7D18E-F3FA-439E-BFBC-0858691C66C4}"/>
+              </a:ext>
+            </a:extLst>
+          </p:cNvPr>
+          <p:cNvCxnSpPr>
+            <a:stCxn id="7" idx="2"/>
+          </p:cNvCxnSpPr>
+          <p:nvPr/>
+        </p:nvCxnSpPr>
+        <p:spPr>
+          <a:xfrm flipH="1">
+            <a:off x="10223378" y="2282667"/>
+            <a:ext cx="1" cy="1916684"/>
+          </a:xfrm>
+          <a:prstGeom prst="straightConnector1">
+            <a:avLst/>
+          </a:prstGeom>
+          <a:ln w="57150">
+            <a:solidFill>
+              <a:srgbClr val="FFC000"/>
+            </a:solidFill>
+            <a:tailEnd type="triangle"/>
+          </a:ln>
+        </p:spPr>
+        <p:style>
+          <a:lnRef idx="1">
+            <a:schemeClr val="accent1"/>
+          </a:lnRef>
+          <a:fillRef idx="0">
+            <a:schemeClr val="accent1"/>
+          </a:fillRef>
+          <a:effectRef idx="0">
+            <a:schemeClr val="accent1"/>
+          </a:effectRef>
+          <a:fontRef idx="minor">
+            <a:schemeClr val="tx1"/>
+          </a:fontRef>
+        </p:style>
+      </p:cxnSp>
+      <p:sp>
+        <p:nvSpPr>
+          <p:cNvPr id="20" name="Rectángulo 19">
+            <a:extLst>
+              <a:ext uri="{FF2B5EF4-FFF2-40B4-BE49-F238E27FC236}">
+                <a16:creationId xmlns:a16="http://schemas.microsoft.com/office/drawing/2014/main" id="{E1EE9278-2E86-4F9D-8D37-585A719130F4}"/>
+              </a:ext>
+            </a:extLst>
+          </p:cNvPr>
+          <p:cNvSpPr/>
+          <p:nvPr/>
+        </p:nvSpPr>
+        <p:spPr>
+          <a:xfrm>
+            <a:off x="3697180" y="3789889"/>
+            <a:ext cx="4506634" cy="2308312"/>
+          </a:xfrm>
+          <a:prstGeom prst="rect">
+            <a:avLst/>
+          </a:prstGeom>
+          <a:noFill/>
+          <a:ln>
+            <a:solidFill>
+              <a:srgbClr val="FFC000"/>
+            </a:solidFill>
+          </a:ln>
+        </p:spPr>
+        <p:style>
+          <a:lnRef idx="2">
+            <a:schemeClr val="accent1">
+              <a:shade val="50000"/>
+            </a:schemeClr>
+          </a:lnRef>
+          <a:fillRef idx="1">
+            <a:schemeClr val="accent1"/>
+          </a:fillRef>
+          <a:effectRef idx="0">
+            <a:schemeClr val="accent1"/>
+          </a:effectRef>
+          <a:fontRef idx="minor">
+            <a:schemeClr val="lt1"/>
+          </a:fontRef>
+        </p:style>
+        <p:txBody>
+          <a:bodyPr rtlCol="0" anchor="ctr"/>
+          <a:lstStyle/>
+          <a:p>
+            <a:pPr algn="ctr"/>
+            <a:endParaRPr lang="es-419" dirty="0"/>
+          </a:p>
+        </p:txBody>
+      </p:sp>
+      <p:cxnSp>
+        <p:nvCxnSpPr>
+          <p:cNvPr id="23" name="Conector recto de flecha 22">
+            <a:extLst>
+              <a:ext uri="{FF2B5EF4-FFF2-40B4-BE49-F238E27FC236}">
+                <a16:creationId xmlns:a16="http://schemas.microsoft.com/office/drawing/2014/main" id="{91828470-0D04-467C-AD4B-41C9589CF1FA}"/>
+              </a:ext>
+            </a:extLst>
+          </p:cNvPr>
+          <p:cNvCxnSpPr>
+            <a:cxnSpLocks/>
+          </p:cNvCxnSpPr>
+          <p:nvPr/>
+        </p:nvCxnSpPr>
+        <p:spPr>
+          <a:xfrm flipH="1">
+            <a:off x="8203815" y="4879022"/>
+            <a:ext cx="355742" cy="0"/>
+          </a:xfrm>
+          <a:prstGeom prst="straightConnector1">
+            <a:avLst/>
+          </a:prstGeom>
+          <a:ln w="57150">
+            <a:solidFill>
+              <a:srgbClr val="FFC000"/>
+            </a:solidFill>
+            <a:tailEnd type="triangle"/>
+          </a:ln>
+        </p:spPr>
+        <p:style>
+          <a:lnRef idx="1">
+            <a:schemeClr val="dk1"/>
+          </a:lnRef>
+          <a:fillRef idx="0">
+            <a:schemeClr val="dk1"/>
+          </a:fillRef>
+          <a:effectRef idx="0">
+            <a:schemeClr val="dk1"/>
+          </a:effectRef>
+          <a:fontRef idx="minor">
+            <a:schemeClr val="tx1"/>
+          </a:fontRef>
+        </p:style>
+      </p:cxnSp>
     </p:spTree>
     <p:extLst>
       <p:ext uri="{BB962C8B-B14F-4D97-AF65-F5344CB8AC3E}">
-        <p14:creationId xmlns:p14="http://schemas.microsoft.com/office/powerpoint/2010/main" val="2093812207"/>
+        <p14:creationId xmlns:p14="http://schemas.microsoft.com/office/powerpoint/2010/main" val="1805812107"/>
       </p:ext>
     </p:extLst>
   </p:cSld>
@@ -7299,7 +8253,7 @@
           <p:cNvPr id="4" name="Picture 3">
             <a:extLst>
               <a:ext uri="{FF2B5EF4-FFF2-40B4-BE49-F238E27FC236}">
-                <a16:creationId xmlns:a16="http://schemas.microsoft.com/office/drawing/2014/main" id="{8B488B4C-C07C-42C5-83A9-DC14D51A894F}"/>
+                <a16:creationId xmlns:a16="http://schemas.microsoft.com/office/drawing/2014/main" id="{8FD01EFB-5D6C-4672-8079-C4199FF8ED05}"/>
               </a:ext>
             </a:extLst>
           </p:cNvPr>
@@ -7328,7 +8282,7 @@
           <p:cNvPr id="5" name="Rectángulo 4">
             <a:extLst>
               <a:ext uri="{FF2B5EF4-FFF2-40B4-BE49-F238E27FC236}">
-                <a16:creationId xmlns:a16="http://schemas.microsoft.com/office/drawing/2014/main" id="{917E4724-1752-4FD2-91E4-BD0263D543BF}"/>
+                <a16:creationId xmlns:a16="http://schemas.microsoft.com/office/drawing/2014/main" id="{3CD72518-307F-4565-9EAA-BD17204FA8B9}"/>
               </a:ext>
             </a:extLst>
           </p:cNvPr>
@@ -7337,8 +8291,8 @@
         </p:nvSpPr>
         <p:spPr>
           <a:xfrm>
-            <a:off x="4119839" y="0"/>
-            <a:ext cx="3952300" cy="923330"/>
+            <a:off x="3753040" y="0"/>
+            <a:ext cx="4685898" cy="923330"/>
           </a:xfrm>
           <a:prstGeom prst="rect">
             <a:avLst/>
@@ -7366,886 +8320,51 @@
                   </a:outerShdw>
                 </a:effectLst>
               </a:rPr>
-              <a:t>Metodología:</a:t>
-            </a:r>
-          </a:p>
-        </p:txBody>
-      </p:sp>
-      <p:sp>
-        <p:nvSpPr>
-          <p:cNvPr id="6" name="Rectángulo 5">
+              <a:t>Diagrama UML:</a:t>
+            </a:r>
+          </a:p>
+        </p:txBody>
+      </p:sp>
+      <p:pic>
+        <p:nvPicPr>
+          <p:cNvPr id="3" name="Imagen 2" descr="Captura de pantalla de un celular&#10;&#10;Descripción generada automáticamente">
             <a:extLst>
               <a:ext uri="{FF2B5EF4-FFF2-40B4-BE49-F238E27FC236}">
-                <a16:creationId xmlns:a16="http://schemas.microsoft.com/office/drawing/2014/main" id="{6A7D4576-B8CE-4806-BE6A-83DA67F89DB9}"/>
+                <a16:creationId xmlns:a16="http://schemas.microsoft.com/office/drawing/2014/main" id="{255D7DD3-ACFB-4FB1-AC74-14452DEC3434}"/>
               </a:ext>
             </a:extLst>
           </p:cNvPr>
-          <p:cNvSpPr/>
+          <p:cNvPicPr>
+            <a:picLocks noChangeAspect="1"/>
+          </p:cNvPicPr>
           <p:nvPr/>
-        </p:nvSpPr>
-        <p:spPr>
-          <a:xfrm>
-            <a:off x="304800" y="923331"/>
-            <a:ext cx="2958517" cy="1359342"/>
+        </p:nvPicPr>
+        <p:blipFill>
+          <a:blip r:embed="rId3">
+            <a:extLst>
+              <a:ext uri="{28A0092B-C50C-407E-A947-70E740481C1C}">
+                <a14:useLocalDpi xmlns:a14="http://schemas.microsoft.com/office/drawing/2010/main" val="0"/>
+              </a:ext>
+            </a:extLst>
+          </a:blip>
+          <a:stretch>
+            <a:fillRect/>
+          </a:stretch>
+        </p:blipFill>
+        <p:spPr>
+          <a:xfrm>
+            <a:off x="3835124" y="1155425"/>
+            <a:ext cx="4603814" cy="5268449"/>
           </a:xfrm>
           <a:prstGeom prst="rect">
             <a:avLst/>
           </a:prstGeom>
-          <a:noFill/>
-          <a:ln>
-            <a:solidFill>
-              <a:srgbClr val="FFC000"/>
-            </a:solidFill>
-          </a:ln>
-        </p:spPr>
-        <p:style>
-          <a:lnRef idx="2">
-            <a:schemeClr val="accent1">
-              <a:shade val="50000"/>
-            </a:schemeClr>
-          </a:lnRef>
-          <a:fillRef idx="1">
-            <a:schemeClr val="accent1"/>
-          </a:fillRef>
-          <a:effectRef idx="0">
-            <a:schemeClr val="accent1"/>
-          </a:effectRef>
-          <a:fontRef idx="minor">
-            <a:schemeClr val="lt1"/>
-          </a:fontRef>
-        </p:style>
-        <p:txBody>
-          <a:bodyPr rtlCol="0" anchor="ctr"/>
-          <a:lstStyle/>
-          <a:p>
-            <a:pPr algn="ctr"/>
-            <a:endParaRPr lang="es-419" dirty="0"/>
-          </a:p>
-        </p:txBody>
-      </p:sp>
-      <p:sp>
-        <p:nvSpPr>
-          <p:cNvPr id="7" name="Rectángulo 6">
-            <a:extLst>
-              <a:ext uri="{FF2B5EF4-FFF2-40B4-BE49-F238E27FC236}">
-                <a16:creationId xmlns:a16="http://schemas.microsoft.com/office/drawing/2014/main" id="{7AA40301-D28C-4672-9877-08F2CAF9EDAA}"/>
-              </a:ext>
-            </a:extLst>
-          </p:cNvPr>
-          <p:cNvSpPr/>
-          <p:nvPr/>
-        </p:nvSpPr>
-        <p:spPr>
-          <a:xfrm>
-            <a:off x="8559557" y="923325"/>
-            <a:ext cx="3327643" cy="1359342"/>
-          </a:xfrm>
-          <a:prstGeom prst="rect">
-            <a:avLst/>
-          </a:prstGeom>
-          <a:noFill/>
-          <a:ln>
-            <a:solidFill>
-              <a:srgbClr val="FFC000"/>
-            </a:solidFill>
-          </a:ln>
-        </p:spPr>
-        <p:style>
-          <a:lnRef idx="2">
-            <a:schemeClr val="accent1">
-              <a:shade val="50000"/>
-            </a:schemeClr>
-          </a:lnRef>
-          <a:fillRef idx="1">
-            <a:schemeClr val="accent1"/>
-          </a:fillRef>
-          <a:effectRef idx="0">
-            <a:schemeClr val="accent1"/>
-          </a:effectRef>
-          <a:fontRef idx="minor">
-            <a:schemeClr val="lt1"/>
-          </a:fontRef>
-        </p:style>
-        <p:txBody>
-          <a:bodyPr rtlCol="0" anchor="ctr"/>
-          <a:lstStyle/>
-          <a:p>
-            <a:pPr algn="ctr"/>
-            <a:endParaRPr lang="es-419" dirty="0"/>
-          </a:p>
-        </p:txBody>
-      </p:sp>
-      <p:sp>
-        <p:nvSpPr>
-          <p:cNvPr id="8" name="Rectángulo 7">
-            <a:extLst>
-              <a:ext uri="{FF2B5EF4-FFF2-40B4-BE49-F238E27FC236}">
-                <a16:creationId xmlns:a16="http://schemas.microsoft.com/office/drawing/2014/main" id="{5EDEE5A1-F44F-4A66-9D4A-CF6881987984}"/>
-              </a:ext>
-            </a:extLst>
-          </p:cNvPr>
-          <p:cNvSpPr/>
-          <p:nvPr/>
-        </p:nvSpPr>
-        <p:spPr>
-          <a:xfrm>
-            <a:off x="333867" y="4264381"/>
-            <a:ext cx="2958517" cy="1359342"/>
-          </a:xfrm>
-          <a:prstGeom prst="rect">
-            <a:avLst/>
-          </a:prstGeom>
-          <a:noFill/>
-          <a:ln>
-            <a:solidFill>
-              <a:srgbClr val="FFC000"/>
-            </a:solidFill>
-          </a:ln>
-        </p:spPr>
-        <p:style>
-          <a:lnRef idx="2">
-            <a:schemeClr val="accent1">
-              <a:shade val="50000"/>
-            </a:schemeClr>
-          </a:lnRef>
-          <a:fillRef idx="1">
-            <a:schemeClr val="accent1"/>
-          </a:fillRef>
-          <a:effectRef idx="0">
-            <a:schemeClr val="accent1"/>
-          </a:effectRef>
-          <a:fontRef idx="minor">
-            <a:schemeClr val="lt1"/>
-          </a:fontRef>
-        </p:style>
-        <p:txBody>
-          <a:bodyPr rtlCol="0" anchor="ctr"/>
-          <a:lstStyle/>
-          <a:p>
-            <a:pPr algn="ctr"/>
-            <a:endParaRPr lang="es-419" dirty="0"/>
-          </a:p>
-        </p:txBody>
-      </p:sp>
-      <p:sp>
-        <p:nvSpPr>
-          <p:cNvPr id="9" name="Rectángulo 8">
-            <a:extLst>
-              <a:ext uri="{FF2B5EF4-FFF2-40B4-BE49-F238E27FC236}">
-                <a16:creationId xmlns:a16="http://schemas.microsoft.com/office/drawing/2014/main" id="{4595087A-FEA7-4E26-86CB-96A4258A64CE}"/>
-              </a:ext>
-            </a:extLst>
-          </p:cNvPr>
-          <p:cNvSpPr/>
-          <p:nvPr/>
-        </p:nvSpPr>
-        <p:spPr>
-          <a:xfrm>
-            <a:off x="4432167" y="923331"/>
-            <a:ext cx="3327643" cy="1359342"/>
-          </a:xfrm>
-          <a:prstGeom prst="rect">
-            <a:avLst/>
-          </a:prstGeom>
-          <a:noFill/>
-          <a:ln>
-            <a:solidFill>
-              <a:srgbClr val="FFC000"/>
-            </a:solidFill>
-          </a:ln>
-        </p:spPr>
-        <p:style>
-          <a:lnRef idx="2">
-            <a:schemeClr val="accent1">
-              <a:shade val="50000"/>
-            </a:schemeClr>
-          </a:lnRef>
-          <a:fillRef idx="1">
-            <a:schemeClr val="accent1"/>
-          </a:fillRef>
-          <a:effectRef idx="0">
-            <a:schemeClr val="accent1"/>
-          </a:effectRef>
-          <a:fontRef idx="minor">
-            <a:schemeClr val="lt1"/>
-          </a:fontRef>
-        </p:style>
-        <p:txBody>
-          <a:bodyPr rtlCol="0" anchor="ctr"/>
-          <a:lstStyle/>
-          <a:p>
-            <a:pPr algn="ctr"/>
-            <a:endParaRPr lang="es-419" dirty="0"/>
-          </a:p>
-        </p:txBody>
-      </p:sp>
-      <p:cxnSp>
-        <p:nvCxnSpPr>
-          <p:cNvPr id="11" name="Conector recto de flecha 10">
-            <a:extLst>
-              <a:ext uri="{FF2B5EF4-FFF2-40B4-BE49-F238E27FC236}">
-                <a16:creationId xmlns:a16="http://schemas.microsoft.com/office/drawing/2014/main" id="{2BE8A0A2-9082-4145-BD7F-8AAADAC49D2B}"/>
-              </a:ext>
-            </a:extLst>
-          </p:cNvPr>
-          <p:cNvCxnSpPr>
-            <a:cxnSpLocks/>
-            <a:stCxn id="6" idx="3"/>
-            <a:endCxn id="9" idx="1"/>
-          </p:cNvCxnSpPr>
-          <p:nvPr/>
-        </p:nvCxnSpPr>
-        <p:spPr>
-          <a:xfrm>
-            <a:off x="3263317" y="1603002"/>
-            <a:ext cx="1168850" cy="0"/>
-          </a:xfrm>
-          <a:prstGeom prst="straightConnector1">
-            <a:avLst/>
-          </a:prstGeom>
-          <a:ln w="57150">
-            <a:solidFill>
-              <a:srgbClr val="FFC000"/>
-            </a:solidFill>
-            <a:tailEnd type="triangle"/>
-          </a:ln>
-        </p:spPr>
-        <p:style>
-          <a:lnRef idx="1">
-            <a:schemeClr val="dk1"/>
-          </a:lnRef>
-          <a:fillRef idx="0">
-            <a:schemeClr val="dk1"/>
-          </a:fillRef>
-          <a:effectRef idx="0">
-            <a:schemeClr val="dk1"/>
-          </a:effectRef>
-          <a:fontRef idx="minor">
-            <a:schemeClr val="tx1"/>
-          </a:fontRef>
-        </p:style>
-      </p:cxnSp>
-      <p:cxnSp>
-        <p:nvCxnSpPr>
-          <p:cNvPr id="12" name="Conector recto de flecha 11">
-            <a:extLst>
-              <a:ext uri="{FF2B5EF4-FFF2-40B4-BE49-F238E27FC236}">
-                <a16:creationId xmlns:a16="http://schemas.microsoft.com/office/drawing/2014/main" id="{6405A812-1C05-4B8B-AFAB-E79F8AB8B1DD}"/>
-              </a:ext>
-            </a:extLst>
-          </p:cNvPr>
-          <p:cNvCxnSpPr>
-            <a:cxnSpLocks/>
-            <a:stCxn id="20" idx="1"/>
-            <a:endCxn id="18" idx="3"/>
-          </p:cNvCxnSpPr>
-          <p:nvPr/>
-        </p:nvCxnSpPr>
-        <p:spPr>
-          <a:xfrm flipH="1">
-            <a:off x="3306917" y="4944045"/>
-            <a:ext cx="390263" cy="7"/>
-          </a:xfrm>
-          <a:prstGeom prst="straightConnector1">
-            <a:avLst/>
-          </a:prstGeom>
-          <a:ln w="57150">
-            <a:solidFill>
-              <a:srgbClr val="FFC000"/>
-            </a:solidFill>
-            <a:tailEnd type="triangle"/>
-          </a:ln>
-        </p:spPr>
-        <p:style>
-          <a:lnRef idx="1">
-            <a:schemeClr val="dk1"/>
-          </a:lnRef>
-          <a:fillRef idx="0">
-            <a:schemeClr val="dk1"/>
-          </a:fillRef>
-          <a:effectRef idx="0">
-            <a:schemeClr val="dk1"/>
-          </a:effectRef>
-          <a:fontRef idx="minor">
-            <a:schemeClr val="tx1"/>
-          </a:fontRef>
-        </p:style>
-      </p:cxnSp>
-      <p:cxnSp>
-        <p:nvCxnSpPr>
-          <p:cNvPr id="14" name="Conector recto de flecha 13">
-            <a:extLst>
-              <a:ext uri="{FF2B5EF4-FFF2-40B4-BE49-F238E27FC236}">
-                <a16:creationId xmlns:a16="http://schemas.microsoft.com/office/drawing/2014/main" id="{11551E25-CF69-4417-ACA2-F3DA16D837F0}"/>
-              </a:ext>
-            </a:extLst>
-          </p:cNvPr>
-          <p:cNvCxnSpPr>
-            <a:cxnSpLocks/>
-            <a:stCxn id="16" idx="3"/>
-            <a:endCxn id="7" idx="1"/>
-          </p:cNvCxnSpPr>
-          <p:nvPr/>
-        </p:nvCxnSpPr>
-        <p:spPr>
-          <a:xfrm flipV="1">
-            <a:off x="7759810" y="1602996"/>
-            <a:ext cx="799747" cy="6"/>
-          </a:xfrm>
-          <a:prstGeom prst="straightConnector1">
-            <a:avLst/>
-          </a:prstGeom>
-          <a:ln w="57150">
-            <a:solidFill>
-              <a:srgbClr val="FFC000"/>
-            </a:solidFill>
-            <a:tailEnd type="triangle"/>
-          </a:ln>
-        </p:spPr>
-        <p:style>
-          <a:lnRef idx="1">
-            <a:schemeClr val="dk1"/>
-          </a:lnRef>
-          <a:fillRef idx="0">
-            <a:schemeClr val="dk1"/>
-          </a:fillRef>
-          <a:effectRef idx="0">
-            <a:schemeClr val="dk1"/>
-          </a:effectRef>
-          <a:fontRef idx="minor">
-            <a:schemeClr val="tx1"/>
-          </a:fontRef>
-        </p:style>
-      </p:cxnSp>
-      <p:sp>
-        <p:nvSpPr>
-          <p:cNvPr id="15" name="Rectángulo 14">
-            <a:extLst>
-              <a:ext uri="{FF2B5EF4-FFF2-40B4-BE49-F238E27FC236}">
-                <a16:creationId xmlns:a16="http://schemas.microsoft.com/office/drawing/2014/main" id="{308F5B77-A310-4469-9CDF-58BA376E9AC6}"/>
-              </a:ext>
-            </a:extLst>
-          </p:cNvPr>
-          <p:cNvSpPr/>
-          <p:nvPr/>
-        </p:nvSpPr>
-        <p:spPr>
-          <a:xfrm>
-            <a:off x="-363564" y="1372165"/>
-            <a:ext cx="4312024" cy="461665"/>
-          </a:xfrm>
-          <a:prstGeom prst="rect">
-            <a:avLst/>
-          </a:prstGeom>
-          <a:noFill/>
-        </p:spPr>
-        <p:txBody>
-          <a:bodyPr wrap="square" lIns="91440" tIns="45720" rIns="91440" bIns="45720">
-            <a:spAutoFit/>
-          </a:bodyPr>
-          <a:lstStyle/>
-          <a:p>
-            <a:pPr algn="ctr"/>
-            <a:r>
-              <a:rPr lang="es-ES" sz="2400" b="0" cap="none" spc="0" dirty="0">
-                <a:ln w="0"/>
-                <a:solidFill>
-                  <a:schemeClr val="bg1"/>
-                </a:solidFill>
-                <a:effectLst>
-                  <a:outerShdw blurRad="38100" dist="19050" dir="2700000" algn="tl" rotWithShape="0">
-                    <a:schemeClr val="dk1">
-                      <a:alpha val="40000"/>
-                    </a:schemeClr>
-                  </a:outerShdw>
-                </a:effectLst>
-              </a:rPr>
-              <a:t>Situación problema.</a:t>
-            </a:r>
-          </a:p>
-        </p:txBody>
-      </p:sp>
-      <p:sp>
-        <p:nvSpPr>
-          <p:cNvPr id="16" name="Rectángulo 15">
-            <a:extLst>
-              <a:ext uri="{FF2B5EF4-FFF2-40B4-BE49-F238E27FC236}">
-                <a16:creationId xmlns:a16="http://schemas.microsoft.com/office/drawing/2014/main" id="{9ED1FEF7-183D-4873-944E-3F6681B8B9B1}"/>
-              </a:ext>
-            </a:extLst>
-          </p:cNvPr>
-          <p:cNvSpPr/>
-          <p:nvPr/>
-        </p:nvSpPr>
-        <p:spPr>
-          <a:xfrm>
-            <a:off x="4432167" y="1002837"/>
-            <a:ext cx="3327643" cy="1200329"/>
-          </a:xfrm>
-          <a:prstGeom prst="rect">
-            <a:avLst/>
-          </a:prstGeom>
-          <a:noFill/>
-        </p:spPr>
-        <p:txBody>
-          <a:bodyPr wrap="square" lIns="91440" tIns="45720" rIns="91440" bIns="45720">
-            <a:spAutoFit/>
-          </a:bodyPr>
-          <a:lstStyle/>
-          <a:p>
-            <a:pPr algn="ctr"/>
-            <a:r>
-              <a:rPr lang="es-ES" sz="2400" b="0" cap="none" spc="0" dirty="0">
-                <a:ln w="0"/>
-                <a:solidFill>
-                  <a:schemeClr val="bg1"/>
-                </a:solidFill>
-                <a:effectLst>
-                  <a:outerShdw blurRad="38100" dist="19050" dir="2700000" algn="tl" rotWithShape="0">
-                    <a:schemeClr val="dk1">
-                      <a:alpha val="40000"/>
-                    </a:schemeClr>
-                  </a:outerShdw>
-                </a:effectLst>
-              </a:rPr>
-              <a:t>Entrevista con la persona solicitadora del software.</a:t>
-            </a:r>
-          </a:p>
-        </p:txBody>
-      </p:sp>
-      <p:sp>
-        <p:nvSpPr>
-          <p:cNvPr id="17" name="Rectángulo 16">
-            <a:extLst>
-              <a:ext uri="{FF2B5EF4-FFF2-40B4-BE49-F238E27FC236}">
-                <a16:creationId xmlns:a16="http://schemas.microsoft.com/office/drawing/2014/main" id="{746F40B5-2D3E-44A5-83B9-9C6EC9F27D99}"/>
-              </a:ext>
-            </a:extLst>
-          </p:cNvPr>
-          <p:cNvSpPr/>
-          <p:nvPr/>
-        </p:nvSpPr>
-        <p:spPr>
-          <a:xfrm>
-            <a:off x="3697180" y="3789889"/>
-            <a:ext cx="4506634" cy="2308324"/>
-          </a:xfrm>
-          <a:prstGeom prst="rect">
-            <a:avLst/>
-          </a:prstGeom>
-          <a:noFill/>
-        </p:spPr>
-        <p:txBody>
-          <a:bodyPr wrap="square" lIns="91440" tIns="45720" rIns="91440" bIns="45720">
-            <a:spAutoFit/>
-          </a:bodyPr>
-          <a:lstStyle/>
-          <a:p>
-            <a:pPr algn="ctr"/>
-            <a:r>
-              <a:rPr lang="es-ES" sz="2400" b="0" cap="none" spc="0" dirty="0">
-                <a:ln w="0"/>
-                <a:solidFill>
-                  <a:schemeClr val="bg1"/>
-                </a:solidFill>
-                <a:effectLst>
-                  <a:outerShdw blurRad="38100" dist="19050" dir="2700000" algn="tl" rotWithShape="0">
-                    <a:schemeClr val="dk1">
-                      <a:alpha val="40000"/>
-                    </a:schemeClr>
-                  </a:outerShdw>
-                </a:effectLst>
-              </a:rPr>
-              <a:t>Búsqueda de posibles soluciones, estudio de la programación orientada a objetos</a:t>
-            </a:r>
-            <a:r>
-              <a:rPr lang="es-ES" sz="2400" dirty="0">
-                <a:ln w="0"/>
-                <a:solidFill>
-                  <a:schemeClr val="bg1"/>
-                </a:solidFill>
-                <a:effectLst>
-                  <a:outerShdw blurRad="38100" dist="19050" dir="2700000" algn="tl" rotWithShape="0">
-                    <a:schemeClr val="dk1">
-                      <a:alpha val="40000"/>
-                    </a:schemeClr>
-                  </a:outerShdw>
-                </a:effectLst>
-              </a:rPr>
-              <a:t> y </a:t>
-            </a:r>
-            <a:r>
-              <a:rPr lang="es-ES" sz="2400" b="0" cap="none" spc="0" dirty="0">
-                <a:ln w="0"/>
-                <a:solidFill>
-                  <a:schemeClr val="bg1"/>
-                </a:solidFill>
-                <a:effectLst>
-                  <a:outerShdw blurRad="38100" dist="19050" dir="2700000" algn="tl" rotWithShape="0">
-                    <a:schemeClr val="dk1">
-                      <a:alpha val="40000"/>
-                    </a:schemeClr>
-                  </a:outerShdw>
-                </a:effectLst>
-              </a:rPr>
-              <a:t>del lenguaje de programación C# para hacer un uso óptimo del lenguaje.</a:t>
-            </a:r>
-          </a:p>
-        </p:txBody>
-      </p:sp>
-      <p:sp>
-        <p:nvSpPr>
-          <p:cNvPr id="18" name="Rectángulo 17">
-            <a:extLst>
-              <a:ext uri="{FF2B5EF4-FFF2-40B4-BE49-F238E27FC236}">
-                <a16:creationId xmlns:a16="http://schemas.microsoft.com/office/drawing/2014/main" id="{37327442-9B11-4CFA-9692-9337B01CC0B0}"/>
-              </a:ext>
-            </a:extLst>
-          </p:cNvPr>
-          <p:cNvSpPr/>
-          <p:nvPr/>
-        </p:nvSpPr>
-        <p:spPr>
-          <a:xfrm>
-            <a:off x="319333" y="4343887"/>
-            <a:ext cx="2987584" cy="1200329"/>
-          </a:xfrm>
-          <a:prstGeom prst="rect">
-            <a:avLst/>
-          </a:prstGeom>
-          <a:noFill/>
-        </p:spPr>
-        <p:txBody>
-          <a:bodyPr wrap="square" lIns="91440" tIns="45720" rIns="91440" bIns="45720">
-            <a:spAutoFit/>
-          </a:bodyPr>
-          <a:lstStyle/>
-          <a:p>
-            <a:pPr algn="ctr"/>
-            <a:r>
-              <a:rPr lang="es-ES" sz="2400" b="0" cap="none" spc="0" dirty="0">
-                <a:ln w="0"/>
-                <a:solidFill>
-                  <a:schemeClr val="bg1"/>
-                </a:solidFill>
-                <a:effectLst>
-                  <a:outerShdw blurRad="38100" dist="19050" dir="2700000" algn="tl" rotWithShape="0">
-                    <a:schemeClr val="dk1">
-                      <a:alpha val="40000"/>
-                    </a:schemeClr>
-                  </a:outerShdw>
-                </a:effectLst>
-              </a:rPr>
-              <a:t>Solución final y sustentación del trabajo realizado.</a:t>
-            </a:r>
-          </a:p>
-        </p:txBody>
-      </p:sp>
-      <p:sp>
-        <p:nvSpPr>
-          <p:cNvPr id="31" name="Rectángulo 30">
-            <a:extLst>
-              <a:ext uri="{FF2B5EF4-FFF2-40B4-BE49-F238E27FC236}">
-                <a16:creationId xmlns:a16="http://schemas.microsoft.com/office/drawing/2014/main" id="{EAF2544C-2386-4A77-A715-310DCED65A93}"/>
-              </a:ext>
-            </a:extLst>
-          </p:cNvPr>
-          <p:cNvSpPr/>
-          <p:nvPr/>
-        </p:nvSpPr>
-        <p:spPr>
-          <a:xfrm>
-            <a:off x="8559558" y="1187498"/>
-            <a:ext cx="3327654" cy="830997"/>
-          </a:xfrm>
-          <a:prstGeom prst="rect">
-            <a:avLst/>
-          </a:prstGeom>
-          <a:noFill/>
-        </p:spPr>
-        <p:txBody>
-          <a:bodyPr wrap="square" lIns="91440" tIns="45720" rIns="91440" bIns="45720">
-            <a:spAutoFit/>
-          </a:bodyPr>
-          <a:lstStyle/>
-          <a:p>
-            <a:pPr algn="ctr"/>
-            <a:r>
-              <a:rPr lang="es-ES" sz="2400" dirty="0">
-                <a:ln w="0"/>
-                <a:solidFill>
-                  <a:schemeClr val="bg1"/>
-                </a:solidFill>
-                <a:effectLst>
-                  <a:outerShdw blurRad="38100" dist="19050" dir="2700000" algn="tl" rotWithShape="0">
-                    <a:schemeClr val="dk1">
-                      <a:alpha val="40000"/>
-                    </a:schemeClr>
-                  </a:outerShdw>
-                </a:effectLst>
-              </a:rPr>
-              <a:t>Construcción de diagrama UML.</a:t>
-            </a:r>
-            <a:endParaRPr lang="es-ES" sz="2400" b="0" cap="none" spc="0" dirty="0">
-              <a:ln w="0"/>
-              <a:solidFill>
-                <a:schemeClr val="bg1"/>
-              </a:solidFill>
-              <a:effectLst>
-                <a:outerShdw blurRad="38100" dist="19050" dir="2700000" algn="tl" rotWithShape="0">
-                  <a:schemeClr val="dk1">
-                    <a:alpha val="40000"/>
-                  </a:schemeClr>
-                </a:outerShdw>
-              </a:effectLst>
-            </a:endParaRPr>
-          </a:p>
-        </p:txBody>
-      </p:sp>
-      <p:sp>
-        <p:nvSpPr>
-          <p:cNvPr id="36" name="Rectángulo 35">
-            <a:extLst>
-              <a:ext uri="{FF2B5EF4-FFF2-40B4-BE49-F238E27FC236}">
-                <a16:creationId xmlns:a16="http://schemas.microsoft.com/office/drawing/2014/main" id="{8C8FF6B1-7D44-451E-8631-AB65A9E45502}"/>
-              </a:ext>
-            </a:extLst>
-          </p:cNvPr>
-          <p:cNvSpPr/>
-          <p:nvPr/>
-        </p:nvSpPr>
-        <p:spPr>
-          <a:xfrm>
-            <a:off x="8559557" y="4199351"/>
-            <a:ext cx="3327643" cy="1359342"/>
-          </a:xfrm>
-          <a:prstGeom prst="rect">
-            <a:avLst/>
-          </a:prstGeom>
-          <a:noFill/>
-          <a:ln>
-            <a:solidFill>
-              <a:srgbClr val="FFC000"/>
-            </a:solidFill>
-          </a:ln>
-        </p:spPr>
-        <p:style>
-          <a:lnRef idx="2">
-            <a:schemeClr val="accent1">
-              <a:shade val="50000"/>
-            </a:schemeClr>
-          </a:lnRef>
-          <a:fillRef idx="1">
-            <a:schemeClr val="accent1"/>
-          </a:fillRef>
-          <a:effectRef idx="0">
-            <a:schemeClr val="accent1"/>
-          </a:effectRef>
-          <a:fontRef idx="minor">
-            <a:schemeClr val="lt1"/>
-          </a:fontRef>
-        </p:style>
-        <p:txBody>
-          <a:bodyPr rtlCol="0" anchor="ctr"/>
-          <a:lstStyle/>
-          <a:p>
-            <a:pPr algn="ctr"/>
-            <a:endParaRPr lang="es-419" dirty="0"/>
-          </a:p>
-        </p:txBody>
-      </p:sp>
-      <p:sp>
-        <p:nvSpPr>
-          <p:cNvPr id="37" name="Rectángulo 36">
-            <a:extLst>
-              <a:ext uri="{FF2B5EF4-FFF2-40B4-BE49-F238E27FC236}">
-                <a16:creationId xmlns:a16="http://schemas.microsoft.com/office/drawing/2014/main" id="{764CD734-47F9-4AEB-BD5E-1A96CEFD2BF9}"/>
-              </a:ext>
-            </a:extLst>
-          </p:cNvPr>
-          <p:cNvSpPr/>
-          <p:nvPr/>
-        </p:nvSpPr>
-        <p:spPr>
-          <a:xfrm>
-            <a:off x="8559557" y="4528554"/>
-            <a:ext cx="3298576" cy="830997"/>
-          </a:xfrm>
-          <a:prstGeom prst="rect">
-            <a:avLst/>
-          </a:prstGeom>
-          <a:noFill/>
-        </p:spPr>
-        <p:txBody>
-          <a:bodyPr wrap="square" lIns="91440" tIns="45720" rIns="91440" bIns="45720">
-            <a:spAutoFit/>
-          </a:bodyPr>
-          <a:lstStyle/>
-          <a:p>
-            <a:pPr algn="ctr"/>
-            <a:r>
-              <a:rPr lang="es-ES" sz="2400" b="0" cap="none" spc="0" dirty="0">
-                <a:ln w="0"/>
-                <a:solidFill>
-                  <a:schemeClr val="bg1"/>
-                </a:solidFill>
-                <a:effectLst>
-                  <a:outerShdw blurRad="38100" dist="19050" dir="2700000" algn="tl" rotWithShape="0">
-                    <a:schemeClr val="dk1">
-                      <a:alpha val="40000"/>
-                    </a:schemeClr>
-                  </a:outerShdw>
-                </a:effectLst>
-              </a:rPr>
-              <a:t>Creación de interfaz gráfica.</a:t>
-            </a:r>
-          </a:p>
-        </p:txBody>
-      </p:sp>
-      <p:cxnSp>
-        <p:nvCxnSpPr>
-          <p:cNvPr id="3" name="Conector recto de flecha 2">
-            <a:extLst>
-              <a:ext uri="{FF2B5EF4-FFF2-40B4-BE49-F238E27FC236}">
-                <a16:creationId xmlns:a16="http://schemas.microsoft.com/office/drawing/2014/main" id="{68C7D18E-F3FA-439E-BFBC-0858691C66C4}"/>
-              </a:ext>
-            </a:extLst>
-          </p:cNvPr>
-          <p:cNvCxnSpPr>
-            <a:stCxn id="7" idx="2"/>
-          </p:cNvCxnSpPr>
-          <p:nvPr/>
-        </p:nvCxnSpPr>
-        <p:spPr>
-          <a:xfrm flipH="1">
-            <a:off x="10223378" y="2282667"/>
-            <a:ext cx="1" cy="1916684"/>
-          </a:xfrm>
-          <a:prstGeom prst="straightConnector1">
-            <a:avLst/>
-          </a:prstGeom>
-          <a:ln w="57150">
-            <a:solidFill>
-              <a:srgbClr val="FFC000"/>
-            </a:solidFill>
-            <a:tailEnd type="triangle"/>
-          </a:ln>
-        </p:spPr>
-        <p:style>
-          <a:lnRef idx="1">
-            <a:schemeClr val="accent1"/>
-          </a:lnRef>
-          <a:fillRef idx="0">
-            <a:schemeClr val="accent1"/>
-          </a:fillRef>
-          <a:effectRef idx="0">
-            <a:schemeClr val="accent1"/>
-          </a:effectRef>
-          <a:fontRef idx="minor">
-            <a:schemeClr val="tx1"/>
-          </a:fontRef>
-        </p:style>
-      </p:cxnSp>
-      <p:sp>
-        <p:nvSpPr>
-          <p:cNvPr id="20" name="Rectángulo 19">
-            <a:extLst>
-              <a:ext uri="{FF2B5EF4-FFF2-40B4-BE49-F238E27FC236}">
-                <a16:creationId xmlns:a16="http://schemas.microsoft.com/office/drawing/2014/main" id="{E1EE9278-2E86-4F9D-8D37-585A719130F4}"/>
-              </a:ext>
-            </a:extLst>
-          </p:cNvPr>
-          <p:cNvSpPr/>
-          <p:nvPr/>
-        </p:nvSpPr>
-        <p:spPr>
-          <a:xfrm>
-            <a:off x="3697180" y="3789889"/>
-            <a:ext cx="4506634" cy="2308312"/>
-          </a:xfrm>
-          <a:prstGeom prst="rect">
-            <a:avLst/>
-          </a:prstGeom>
-          <a:noFill/>
-          <a:ln>
-            <a:solidFill>
-              <a:srgbClr val="FFC000"/>
-            </a:solidFill>
-          </a:ln>
-        </p:spPr>
-        <p:style>
-          <a:lnRef idx="2">
-            <a:schemeClr val="accent1">
-              <a:shade val="50000"/>
-            </a:schemeClr>
-          </a:lnRef>
-          <a:fillRef idx="1">
-            <a:schemeClr val="accent1"/>
-          </a:fillRef>
-          <a:effectRef idx="0">
-            <a:schemeClr val="accent1"/>
-          </a:effectRef>
-          <a:fontRef idx="minor">
-            <a:schemeClr val="lt1"/>
-          </a:fontRef>
-        </p:style>
-        <p:txBody>
-          <a:bodyPr rtlCol="0" anchor="ctr"/>
-          <a:lstStyle/>
-          <a:p>
-            <a:pPr algn="ctr"/>
-            <a:endParaRPr lang="es-419" dirty="0"/>
-          </a:p>
-        </p:txBody>
-      </p:sp>
-      <p:cxnSp>
-        <p:nvCxnSpPr>
-          <p:cNvPr id="23" name="Conector recto de flecha 22">
-            <a:extLst>
-              <a:ext uri="{FF2B5EF4-FFF2-40B4-BE49-F238E27FC236}">
-                <a16:creationId xmlns:a16="http://schemas.microsoft.com/office/drawing/2014/main" id="{91828470-0D04-467C-AD4B-41C9589CF1FA}"/>
-              </a:ext>
-            </a:extLst>
-          </p:cNvPr>
-          <p:cNvCxnSpPr>
-            <a:cxnSpLocks/>
-          </p:cNvCxnSpPr>
-          <p:nvPr/>
-        </p:nvCxnSpPr>
-        <p:spPr>
-          <a:xfrm flipH="1">
-            <a:off x="8203815" y="4879022"/>
-            <a:ext cx="355742" cy="0"/>
-          </a:xfrm>
-          <a:prstGeom prst="straightConnector1">
-            <a:avLst/>
-          </a:prstGeom>
-          <a:ln w="57150">
-            <a:solidFill>
-              <a:srgbClr val="FFC000"/>
-            </a:solidFill>
-            <a:tailEnd type="triangle"/>
-          </a:ln>
-        </p:spPr>
-        <p:style>
-          <a:lnRef idx="1">
-            <a:schemeClr val="dk1"/>
-          </a:lnRef>
-          <a:fillRef idx="0">
-            <a:schemeClr val="dk1"/>
-          </a:fillRef>
-          <a:effectRef idx="0">
-            <a:schemeClr val="dk1"/>
-          </a:effectRef>
-          <a:fontRef idx="minor">
-            <a:schemeClr val="tx1"/>
-          </a:fontRef>
-        </p:style>
-      </p:cxnSp>
+        </p:spPr>
+      </p:pic>
     </p:spTree>
     <p:extLst>
       <p:ext uri="{BB962C8B-B14F-4D97-AF65-F5344CB8AC3E}">
-        <p14:creationId xmlns:p14="http://schemas.microsoft.com/office/powerpoint/2010/main" val="1805812107"/>
+        <p14:creationId xmlns:p14="http://schemas.microsoft.com/office/powerpoint/2010/main" val="2093812207"/>
       </p:ext>
     </p:extLst>
   </p:cSld>
